--- a/Presentation/UnitTesting.pptx
+++ b/Presentation/UnitTesting.pptx
@@ -124,6 +124,11 @@
       </a:defRPr>
     </a:lvl9pPr>
   </p:defaultTextStyle>
+  <p:extLst>
+    <p:ext uri="{EFAFB233-063F-42B5-8137-9DF3F51BA10A}">
+      <p15:sldGuideLst xmlns:p15="http://schemas.microsoft.com/office/powerpoint/2012/main"/>
+    </p:ext>
+  </p:extLst>
 </p:presentation>
 </file>
 
@@ -6377,7 +6382,12 @@
             <p:ph idx="1"/>
           </p:nvPr>
         </p:nvSpPr>
-        <p:spPr/>
+        <p:spPr>
+          <a:xfrm>
+            <a:off x="1451579" y="1853754"/>
+            <a:ext cx="9603275" cy="3450613"/>
+          </a:xfrm>
+        </p:spPr>
         <p:txBody>
           <a:bodyPr>
             <a:noAutofit/>
@@ -6385,174 +6395,204 @@
           <a:lstStyle/>
           <a:p>
             <a:pPr marL="0" indent="0">
+              <a:lnSpc>
+                <a:spcPct val="100000"/>
+              </a:lnSpc>
               <a:buNone/>
             </a:pPr>
             <a:r>
-              <a:rPr lang="en-US" sz="1200" kern="900" dirty="0"/>
-              <a:t>[</a:t>
-            </a:r>
-            <a:r>
-              <a:rPr lang="en-US" sz="1200" kern="900" dirty="0" err="1"/>
+              <a:rPr lang="en-US" dirty="0">
+                <a:solidFill>
+                  <a:srgbClr val="0070C0"/>
+                </a:solidFill>
+              </a:rPr>
+              <a:t> [</a:t>
+            </a:r>
+            <a:r>
+              <a:rPr lang="en-US" dirty="0" err="1">
+                <a:solidFill>
+                  <a:srgbClr val="0070C0"/>
+                </a:solidFill>
+              </a:rPr>
               <a:t>TestMethod</a:t>
             </a:r>
             <a:r>
-              <a:rPr lang="en-US" sz="1200" kern="900" dirty="0"/>
-              <a:t>]  </a:t>
+              <a:rPr lang="en-US" dirty="0">
+                <a:solidFill>
+                  <a:srgbClr val="0070C0"/>
+                </a:solidFill>
+              </a:rPr>
+              <a:t>]</a:t>
             </a:r>
           </a:p>
           <a:p>
             <a:pPr marL="0" indent="0">
+              <a:lnSpc>
+                <a:spcPct val="100000"/>
+              </a:lnSpc>
               <a:buNone/>
             </a:pPr>
             <a:r>
-              <a:rPr lang="en-US" sz="1200" kern="900" dirty="0"/>
-              <a:t>public void </a:t>
-            </a:r>
-            <a:r>
-              <a:rPr lang="en-US" sz="1200" kern="900" dirty="0" err="1"/>
-              <a:t>Withdraw_ValidAmount_ChangesBalance</a:t>
-            </a:r>
-            <a:r>
-              <a:rPr lang="en-US" sz="1200" kern="900" dirty="0"/>
-              <a:t>()  </a:t>
+              <a:rPr lang="en-US" dirty="0"/>
+              <a:t>        public void Index()</a:t>
             </a:r>
           </a:p>
           <a:p>
             <a:pPr marL="0" indent="0">
+              <a:lnSpc>
+                <a:spcPct val="100000"/>
+              </a:lnSpc>
               <a:buNone/>
             </a:pPr>
             <a:r>
-              <a:rPr lang="en-US" sz="1200" kern="900" dirty="0"/>
-              <a:t>{  </a:t>
+              <a:rPr lang="en-US" dirty="0"/>
+              <a:t>        {</a:t>
             </a:r>
           </a:p>
           <a:p>
             <a:pPr marL="0" indent="0">
+              <a:lnSpc>
+                <a:spcPct val="100000"/>
+              </a:lnSpc>
               <a:buNone/>
             </a:pPr>
             <a:r>
-              <a:rPr lang="en-US" sz="1200" kern="900" dirty="0"/>
-              <a:t>    // arrange  </a:t>
+              <a:rPr lang="en-US" dirty="0">
+                <a:solidFill>
+                  <a:srgbClr val="00B050"/>
+                </a:solidFill>
+              </a:rPr>
+              <a:t>            // Arrange</a:t>
             </a:r>
           </a:p>
           <a:p>
             <a:pPr marL="0" indent="0">
+              <a:lnSpc>
+                <a:spcPct val="100000"/>
+              </a:lnSpc>
               <a:buNone/>
             </a:pPr>
             <a:r>
-              <a:rPr lang="en-US" sz="1200" kern="900" dirty="0"/>
-              <a:t>	    double </a:t>
-            </a:r>
-            <a:r>
-              <a:rPr lang="en-US" sz="1200" kern="900" dirty="0" err="1"/>
-              <a:t>currentBalance</a:t>
-            </a:r>
-            <a:r>
-              <a:rPr lang="en-US" sz="1200" kern="900" dirty="0"/>
-              <a:t> = 10.0;  </a:t>
+              <a:rPr lang="en-US" dirty="0"/>
+              <a:t>            </a:t>
+            </a:r>
+            <a:r>
+              <a:rPr lang="en-US" dirty="0" err="1"/>
+              <a:t>HomeController</a:t>
+            </a:r>
+            <a:r>
+              <a:rPr lang="en-US" dirty="0"/>
+              <a:t> controller = new </a:t>
+            </a:r>
+            <a:r>
+              <a:rPr lang="en-US" dirty="0" err="1"/>
+              <a:t>HomeController</a:t>
+            </a:r>
+            <a:r>
+              <a:rPr lang="en-US" dirty="0"/>
+              <a:t>();</a:t>
             </a:r>
           </a:p>
           <a:p>
             <a:pPr marL="0" indent="0">
+              <a:lnSpc>
+                <a:spcPct val="100000"/>
+              </a:lnSpc>
               <a:buNone/>
             </a:pPr>
             <a:r>
-              <a:rPr lang="en-US" sz="1200" kern="900" dirty="0"/>
-              <a:t>	</a:t>
-            </a:r>
-            <a:r>
-              <a:rPr lang="en-US" sz="1200" kern="900" dirty="0" err="1"/>
-              <a:t>var</a:t>
-            </a:r>
-            <a:r>
-              <a:rPr lang="en-US" sz="1200" kern="900" dirty="0"/>
-              <a:t> account = new </a:t>
-            </a:r>
-            <a:r>
-              <a:rPr lang="en-US" sz="1200" kern="900" dirty="0" err="1"/>
-              <a:t>CheckingAccount</a:t>
-            </a:r>
-            <a:r>
-              <a:rPr lang="en-US" sz="1200" kern="900" dirty="0"/>
-              <a:t>("</a:t>
-            </a:r>
-            <a:r>
-              <a:rPr lang="en-US" sz="1200" kern="900" dirty="0" err="1"/>
-              <a:t>JohnDoe</a:t>
-            </a:r>
-            <a:r>
-              <a:rPr lang="en-US" sz="1200" kern="900" dirty="0"/>
-              <a:t>", </a:t>
-            </a:r>
-            <a:r>
-              <a:rPr lang="en-US" sz="1200" kern="900" dirty="0" err="1"/>
-              <a:t>currentBalance</a:t>
-            </a:r>
-            <a:r>
-              <a:rPr lang="en-US" sz="1200" kern="900" dirty="0"/>
-              <a:t>);  </a:t>
+              <a:rPr lang="en-US" dirty="0">
+                <a:solidFill>
+                  <a:srgbClr val="00B050"/>
+                </a:solidFill>
+              </a:rPr>
+              <a:t>            // Act</a:t>
             </a:r>
           </a:p>
           <a:p>
             <a:pPr marL="0" indent="0">
+              <a:lnSpc>
+                <a:spcPct val="100000"/>
+              </a:lnSpc>
               <a:buNone/>
             </a:pPr>
             <a:r>
-              <a:rPr lang="en-US" sz="1200" kern="900" dirty="0"/>
-              <a:t>    // act  </a:t>
+              <a:rPr lang="en-US" dirty="0"/>
+              <a:t>            </a:t>
+            </a:r>
+            <a:r>
+              <a:rPr lang="en-US" dirty="0" err="1"/>
+              <a:t>ViewResult</a:t>
+            </a:r>
+            <a:r>
+              <a:rPr lang="en-US" dirty="0"/>
+              <a:t> result = </a:t>
+            </a:r>
+            <a:r>
+              <a:rPr lang="en-US" dirty="0" err="1"/>
+              <a:t>controller.Index</a:t>
+            </a:r>
+            <a:r>
+              <a:rPr lang="en-US" dirty="0"/>
+              <a:t>() as </a:t>
+            </a:r>
+            <a:r>
+              <a:rPr lang="en-US" dirty="0" err="1"/>
+              <a:t>ViewResult</a:t>
+            </a:r>
+            <a:r>
+              <a:rPr lang="en-US" dirty="0"/>
+              <a:t>;</a:t>
             </a:r>
           </a:p>
           <a:p>
             <a:pPr marL="0" indent="0">
+              <a:lnSpc>
+                <a:spcPct val="100000"/>
+              </a:lnSpc>
               <a:buNone/>
             </a:pPr>
             <a:r>
-              <a:rPr lang="en-US" sz="1200" kern="900" dirty="0"/>
-              <a:t>	    </a:t>
-            </a:r>
-            <a:r>
-              <a:rPr lang="en-US" sz="1200" kern="900" dirty="0" err="1"/>
-              <a:t>account.Withdraw</a:t>
-            </a:r>
-            <a:r>
-              <a:rPr lang="en-US" sz="1200" kern="900" dirty="0"/>
-              <a:t>(withdrawal);  </a:t>
+              <a:rPr lang="en-US" dirty="0">
+                <a:solidFill>
+                  <a:srgbClr val="00B050"/>
+                </a:solidFill>
+              </a:rPr>
+              <a:t>            // Assert</a:t>
             </a:r>
           </a:p>
           <a:p>
             <a:pPr marL="0" indent="0">
+              <a:lnSpc>
+                <a:spcPct val="100000"/>
+              </a:lnSpc>
               <a:buNone/>
             </a:pPr>
             <a:r>
-              <a:rPr lang="en-US" sz="1200" kern="900" dirty="0"/>
-              <a:t>	    // assert  </a:t>
+              <a:rPr lang="en-US" dirty="0"/>
+              <a:t>            </a:t>
+            </a:r>
+            <a:r>
+              <a:rPr lang="en-US" dirty="0" err="1"/>
+              <a:t>Assert.IsNotNull</a:t>
+            </a:r>
+            <a:r>
+              <a:rPr lang="en-US" dirty="0"/>
+              <a:t>(result);</a:t>
             </a:r>
           </a:p>
           <a:p>
             <a:pPr marL="0" indent="0">
+              <a:lnSpc>
+                <a:spcPct val="100000"/>
+              </a:lnSpc>
               <a:buNone/>
             </a:pPr>
             <a:r>
-              <a:rPr lang="en-US" sz="1200" kern="900" dirty="0"/>
-              <a:t>    	</a:t>
-            </a:r>
-            <a:r>
-              <a:rPr lang="en-US" sz="1200" kern="900" dirty="0" err="1"/>
-              <a:t>Assert.AreEqual</a:t>
-            </a:r>
-            <a:r>
-              <a:rPr lang="en-US" sz="1200" kern="900" dirty="0"/>
-              <a:t>(expected, actual);  </a:t>
-            </a:r>
-          </a:p>
-          <a:p>
-            <a:pPr marL="0" indent="0">
-              <a:buNone/>
-            </a:pPr>
-            <a:r>
-              <a:rPr lang="en-US" sz="1200" kern="900" dirty="0"/>
-              <a:t>} </a:t>
-            </a:r>
+              <a:rPr lang="en-US" dirty="0"/>
+              <a:t>        }</a:t>
+            </a:r>
+            <a:endParaRPr lang="en-US" sz="1200" kern="900" dirty="0"/>
           </a:p>
         </p:txBody>
       </p:sp>

--- a/Presentation/UnitTesting.pptx
+++ b/Presentation/UnitTesting.pptx
@@ -5,7 +5,7 @@
     <p:sldMasterId id="2147483660" r:id="rId1"/>
   </p:sldMasterIdLst>
   <p:notesMasterIdLst>
-    <p:notesMasterId r:id="rId20"/>
+    <p:notesMasterId r:id="rId21"/>
   </p:notesMasterIdLst>
   <p:sldIdLst>
     <p:sldId id="256" r:id="rId2"/>
@@ -17,15 +17,16 @@
     <p:sldId id="268" r:id="rId8"/>
     <p:sldId id="260" r:id="rId9"/>
     <p:sldId id="266" r:id="rId10"/>
-    <p:sldId id="269" r:id="rId11"/>
-    <p:sldId id="270" r:id="rId12"/>
-    <p:sldId id="272" r:id="rId13"/>
-    <p:sldId id="271" r:id="rId14"/>
-    <p:sldId id="262" r:id="rId15"/>
-    <p:sldId id="264" r:id="rId16"/>
-    <p:sldId id="265" r:id="rId17"/>
-    <p:sldId id="273" r:id="rId18"/>
-    <p:sldId id="263" r:id="rId19"/>
+    <p:sldId id="274" r:id="rId11"/>
+    <p:sldId id="269" r:id="rId12"/>
+    <p:sldId id="270" r:id="rId13"/>
+    <p:sldId id="272" r:id="rId14"/>
+    <p:sldId id="271" r:id="rId15"/>
+    <p:sldId id="262" r:id="rId16"/>
+    <p:sldId id="264" r:id="rId17"/>
+    <p:sldId id="265" r:id="rId18"/>
+    <p:sldId id="273" r:id="rId19"/>
+    <p:sldId id="263" r:id="rId20"/>
   </p:sldIdLst>
   <p:sldSz cx="12192000" cy="6858000"/>
   <p:notesSz cx="6858000" cy="9144000"/>
@@ -214,7 +215,7 @@
           <a:p>
             <a:fld id="{69D08B4B-3D81-45B6-B05D-50B4FAF5501B}" type="datetimeFigureOut">
               <a:rPr lang="en-US" smtClean="0"/>
-              <a:t>4/25/2017</a:t>
+              <a:t>4/26/2017</a:t>
             </a:fld>
             <a:endParaRPr lang="en-US"/>
           </a:p>
@@ -620,7 +621,15 @@
           <a:p>
             <a:r>
               <a:rPr lang="en-US" dirty="0"/>
-              <a:t>ARRANGE - creates the conditions necessary to run a test. </a:t>
+              <a:t>ARRANGE - creates the conditions necessary to run a test. Setup objects, Variables </a:t>
+            </a:r>
+            <a:r>
+              <a:rPr lang="en-US" dirty="0" err="1"/>
+              <a:t>etc</a:t>
+            </a:r>
+            <a:r>
+              <a:rPr lang="en-US" dirty="0"/>
+              <a:t>…. </a:t>
             </a:r>
           </a:p>
           <a:p>
@@ -1010,6 +1019,90 @@
     <p:extLst>
       <p:ext uri="{BB962C8B-B14F-4D97-AF65-F5344CB8AC3E}">
         <p14:creationId xmlns:p14="http://schemas.microsoft.com/office/powerpoint/2010/main" val="1272690924"/>
+      </p:ext>
+    </p:extLst>
+  </p:cSld>
+  <p:clrMapOvr>
+    <a:masterClrMapping/>
+  </p:clrMapOvr>
+</p:notes>
+</file>
+
+<file path=ppt/notesSlides/notesSlide5.xml><?xml version="1.0" encoding="utf-8"?>
+<p:notes xmlns:a="http://schemas.openxmlformats.org/drawingml/2006/main" xmlns:r="http://schemas.openxmlformats.org/officeDocument/2006/relationships" xmlns:p="http://schemas.openxmlformats.org/presentationml/2006/main">
+  <p:cSld>
+    <p:spTree>
+      <p:nvGrpSpPr>
+        <p:cNvPr id="1" name=""/>
+        <p:cNvGrpSpPr/>
+        <p:nvPr/>
+      </p:nvGrpSpPr>
+      <p:grpSpPr>
+        <a:xfrm>
+          <a:off x="0" y="0"/>
+          <a:ext cx="0" cy="0"/>
+          <a:chOff x="0" y="0"/>
+          <a:chExt cx="0" cy="0"/>
+        </a:xfrm>
+      </p:grpSpPr>
+      <p:sp>
+        <p:nvSpPr>
+          <p:cNvPr id="2" name="Slide Image Placeholder 1"/>
+          <p:cNvSpPr>
+            <a:spLocks noGrp="1" noRot="1" noChangeAspect="1"/>
+          </p:cNvSpPr>
+          <p:nvPr>
+            <p:ph type="sldImg"/>
+          </p:nvPr>
+        </p:nvSpPr>
+        <p:spPr/>
+      </p:sp>
+      <p:sp>
+        <p:nvSpPr>
+          <p:cNvPr id="3" name="Notes Placeholder 2"/>
+          <p:cNvSpPr>
+            <a:spLocks noGrp="1"/>
+          </p:cNvSpPr>
+          <p:nvPr>
+            <p:ph type="body" idx="1"/>
+          </p:nvPr>
+        </p:nvSpPr>
+        <p:spPr/>
+        <p:txBody>
+          <a:bodyPr/>
+          <a:lstStyle/>
+          <a:p>
+            <a:endParaRPr lang="en-US" dirty="0"/>
+          </a:p>
+        </p:txBody>
+      </p:sp>
+      <p:sp>
+        <p:nvSpPr>
+          <p:cNvPr id="4" name="Slide Number Placeholder 3"/>
+          <p:cNvSpPr>
+            <a:spLocks noGrp="1"/>
+          </p:cNvSpPr>
+          <p:nvPr>
+            <p:ph type="sldNum" sz="quarter" idx="10"/>
+          </p:nvPr>
+        </p:nvSpPr>
+        <p:spPr/>
+        <p:txBody>
+          <a:bodyPr/>
+          <a:lstStyle/>
+          <a:p>
+            <a:fld id="{5270D8FF-7B73-4776-AB67-BDBD3DDB0E26}" type="slidenum">
+              <a:rPr lang="en-US" smtClean="0"/>
+              <a:t>14</a:t>
+            </a:fld>
+            <a:endParaRPr lang="en-US"/>
+          </a:p>
+        </p:txBody>
+      </p:sp>
+    </p:spTree>
+    <p:extLst>
+      <p:ext uri="{BB962C8B-B14F-4D97-AF65-F5344CB8AC3E}">
+        <p14:creationId xmlns:p14="http://schemas.microsoft.com/office/powerpoint/2010/main" val="3389327606"/>
       </p:ext>
     </p:extLst>
   </p:cSld>
@@ -1158,7 +1251,7 @@
           <a:p>
             <a:fld id="{F36E7964-2CFC-45F1-90FA-1E9DE5A8C0BF}" type="datetimeFigureOut">
               <a:rPr lang="en-US" smtClean="0"/>
-              <a:t>4/25/2017</a:t>
+              <a:t>4/26/2017</a:t>
             </a:fld>
             <a:endParaRPr lang="en-US"/>
           </a:p>
@@ -1369,7 +1462,7 @@
           <a:p>
             <a:fld id="{F36E7964-2CFC-45F1-90FA-1E9DE5A8C0BF}" type="datetimeFigureOut">
               <a:rPr lang="en-US" smtClean="0"/>
-              <a:t>4/25/2017</a:t>
+              <a:t>4/26/2017</a:t>
             </a:fld>
             <a:endParaRPr lang="en-US"/>
           </a:p>
@@ -1584,7 +1677,7 @@
           <a:p>
             <a:fld id="{F36E7964-2CFC-45F1-90FA-1E9DE5A8C0BF}" type="datetimeFigureOut">
               <a:rPr lang="en-US" smtClean="0"/>
-              <a:t>4/25/2017</a:t>
+              <a:t>4/26/2017</a:t>
             </a:fld>
             <a:endParaRPr lang="en-US"/>
           </a:p>
@@ -1785,7 +1878,7 @@
           <a:p>
             <a:fld id="{F36E7964-2CFC-45F1-90FA-1E9DE5A8C0BF}" type="datetimeFigureOut">
               <a:rPr lang="en-US" smtClean="0"/>
-              <a:t>4/25/2017</a:t>
+              <a:t>4/26/2017</a:t>
             </a:fld>
             <a:endParaRPr lang="en-US"/>
           </a:p>
@@ -2064,7 +2157,7 @@
           <a:p>
             <a:fld id="{F36E7964-2CFC-45F1-90FA-1E9DE5A8C0BF}" type="datetimeFigureOut">
               <a:rPr lang="en-US" smtClean="0"/>
-              <a:t>4/25/2017</a:t>
+              <a:t>4/26/2017</a:t>
             </a:fld>
             <a:endParaRPr lang="en-US"/>
           </a:p>
@@ -2332,7 +2425,7 @@
           <a:p>
             <a:fld id="{F36E7964-2CFC-45F1-90FA-1E9DE5A8C0BF}" type="datetimeFigureOut">
               <a:rPr lang="en-US" smtClean="0"/>
-              <a:t>4/25/2017</a:t>
+              <a:t>4/26/2017</a:t>
             </a:fld>
             <a:endParaRPr lang="en-US"/>
           </a:p>
@@ -2748,7 +2841,7 @@
           <a:p>
             <a:fld id="{F36E7964-2CFC-45F1-90FA-1E9DE5A8C0BF}" type="datetimeFigureOut">
               <a:rPr lang="en-US" smtClean="0"/>
-              <a:t>4/25/2017</a:t>
+              <a:t>4/26/2017</a:t>
             </a:fld>
             <a:endParaRPr lang="en-US"/>
           </a:p>
@@ -2897,7 +2990,7 @@
           <a:p>
             <a:fld id="{F36E7964-2CFC-45F1-90FA-1E9DE5A8C0BF}" type="datetimeFigureOut">
               <a:rPr lang="en-US" smtClean="0"/>
-              <a:t>4/25/2017</a:t>
+              <a:t>4/26/2017</a:t>
             </a:fld>
             <a:endParaRPr lang="en-US"/>
           </a:p>
@@ -3023,7 +3116,7 @@
           <a:p>
             <a:fld id="{F36E7964-2CFC-45F1-90FA-1E9DE5A8C0BF}" type="datetimeFigureOut">
               <a:rPr lang="en-US" smtClean="0"/>
-              <a:t>4/25/2017</a:t>
+              <a:t>4/26/2017</a:t>
             </a:fld>
             <a:endParaRPr lang="en-US"/>
           </a:p>
@@ -3274,7 +3367,7 @@
           <a:p>
             <a:fld id="{F36E7964-2CFC-45F1-90FA-1E9DE5A8C0BF}" type="datetimeFigureOut">
               <a:rPr lang="en-US" smtClean="0"/>
-              <a:t>4/25/2017</a:t>
+              <a:t>4/26/2017</a:t>
             </a:fld>
             <a:endParaRPr lang="en-US"/>
           </a:p>
@@ -3719,7 +3812,7 @@
           <a:p>
             <a:fld id="{F36E7964-2CFC-45F1-90FA-1E9DE5A8C0BF}" type="datetimeFigureOut">
               <a:rPr lang="en-US" smtClean="0"/>
-              <a:t>4/25/2017</a:t>
+              <a:t>4/26/2017</a:t>
             </a:fld>
             <a:endParaRPr lang="en-US"/>
           </a:p>
@@ -4045,7 +4138,7 @@
           <a:p>
             <a:fld id="{F36E7964-2CFC-45F1-90FA-1E9DE5A8C0BF}" type="datetimeFigureOut">
               <a:rPr lang="en-US" smtClean="0"/>
-              <a:t>4/25/2017</a:t>
+              <a:t>4/26/2017</a:t>
             </a:fld>
             <a:endParaRPr lang="en-US"/>
           </a:p>
@@ -4644,49 +4737,31 @@
           <a:p>
             <a:r>
               <a:rPr lang="en-US" dirty="0"/>
-              <a:t>Virtually all code bases</a:t>
-            </a:r>
-          </a:p>
-          <a:p>
-            <a:pPr lvl="1"/>
-            <a:r>
-              <a:rPr lang="en-US" dirty="0"/>
-              <a:t>.NET</a:t>
-            </a:r>
-          </a:p>
-          <a:p>
-            <a:pPr lvl="1"/>
-            <a:r>
-              <a:rPr lang="en-US" dirty="0"/>
-              <a:t>MVC</a:t>
-            </a:r>
-          </a:p>
-          <a:p>
-            <a:pPr lvl="1"/>
-            <a:r>
-              <a:rPr lang="en-US" dirty="0"/>
-              <a:t>Console Apps</a:t>
-            </a:r>
-          </a:p>
-          <a:p>
-            <a:pPr lvl="1"/>
-            <a:r>
-              <a:rPr lang="en-US" dirty="0"/>
-              <a:t>DLL’s</a:t>
-            </a:r>
-          </a:p>
-          <a:p>
-            <a:pPr lvl="1"/>
-            <a:r>
-              <a:rPr lang="en-US" dirty="0"/>
-              <a:t>JavaScript Front-Ends</a:t>
-            </a:r>
-          </a:p>
-          <a:p>
-            <a:pPr lvl="1"/>
-            <a:r>
-              <a:rPr lang="en-US" dirty="0"/>
-              <a:t>Mobile Apps</a:t>
+              <a:t>Business Logic</a:t>
+            </a:r>
+          </a:p>
+          <a:p>
+            <a:r>
+              <a:rPr lang="en-US" dirty="0"/>
+              <a:t>Data Transformation Logic</a:t>
+            </a:r>
+          </a:p>
+          <a:p>
+            <a:r>
+              <a:rPr lang="en-US" dirty="0"/>
+              <a:t>Presentation Logic</a:t>
+            </a:r>
+          </a:p>
+          <a:p>
+            <a:r>
+              <a:rPr lang="en-US" dirty="0"/>
+              <a:t>User Interaction Logic</a:t>
+            </a:r>
+          </a:p>
+          <a:p>
+            <a:r>
+              <a:rPr lang="en-US" dirty="0"/>
+              <a:t>Database Logic</a:t>
             </a:r>
           </a:p>
         </p:txBody>
@@ -4694,7 +4769,7 @@
     </p:spTree>
     <p:extLst>
       <p:ext uri="{BB962C8B-B14F-4D97-AF65-F5344CB8AC3E}">
-        <p14:creationId xmlns:p14="http://schemas.microsoft.com/office/powerpoint/2010/main" val="818327794"/>
+        <p14:creationId xmlns:p14="http://schemas.microsoft.com/office/powerpoint/2010/main" val="16984105"/>
       </p:ext>
     </p:extLst>
   </p:cSld>
@@ -4738,7 +4813,7 @@
           <a:p>
             <a:r>
               <a:rPr lang="en-US" dirty="0"/>
-              <a:t>Unit Testing Tools</a:t>
+              <a:t>What Can You Unit Test</a:t>
             </a:r>
           </a:p>
         </p:txBody>
@@ -4760,49 +4835,49 @@
           <a:p>
             <a:r>
               <a:rPr lang="en-US" dirty="0"/>
-              <a:t>Visual Studio</a:t>
-            </a:r>
-          </a:p>
-          <a:p>
-            <a:r>
-              <a:rPr lang="en-US" dirty="0"/>
-              <a:t>JavaScript – </a:t>
-            </a:r>
-            <a:r>
-              <a:rPr lang="en-US" dirty="0" err="1"/>
-              <a:t>Qunit</a:t>
-            </a:r>
-            <a:endParaRPr lang="en-US" dirty="0"/>
-          </a:p>
-          <a:p>
-            <a:r>
-              <a:rPr lang="en-US" dirty="0"/>
-              <a:t>Java - Junit</a:t>
-            </a:r>
-          </a:p>
-          <a:p>
-            <a:r>
-              <a:rPr lang="en-US" dirty="0"/>
-              <a:t>.NET - </a:t>
-            </a:r>
-            <a:r>
-              <a:rPr lang="en-US" dirty="0" err="1"/>
-              <a:t>Nunit</a:t>
-            </a:r>
-            <a:endParaRPr lang="en-US" dirty="0"/>
-          </a:p>
-          <a:p>
-            <a:r>
-              <a:rPr lang="en-US" dirty="0"/>
-              <a:t>Many </a:t>
-            </a:r>
-            <a:r>
-              <a:rPr lang="en-US" dirty="0" err="1"/>
-              <a:t>Many</a:t>
-            </a:r>
-            <a:r>
-              <a:rPr lang="en-US" dirty="0"/>
-              <a:t> More</a:t>
+              <a:t>Virtually all code bases</a:t>
+            </a:r>
+          </a:p>
+          <a:p>
+            <a:pPr lvl="1"/>
+            <a:r>
+              <a:rPr lang="en-US" dirty="0"/>
+              <a:t>.NET</a:t>
+            </a:r>
+          </a:p>
+          <a:p>
+            <a:pPr lvl="1"/>
+            <a:r>
+              <a:rPr lang="en-US" dirty="0"/>
+              <a:t>MVC</a:t>
+            </a:r>
+          </a:p>
+          <a:p>
+            <a:pPr lvl="1"/>
+            <a:r>
+              <a:rPr lang="en-US" dirty="0"/>
+              <a:t>Console Apps</a:t>
+            </a:r>
+          </a:p>
+          <a:p>
+            <a:pPr lvl="1"/>
+            <a:r>
+              <a:rPr lang="en-US" dirty="0"/>
+              <a:t>DLL’s</a:t>
+            </a:r>
+          </a:p>
+          <a:p>
+            <a:pPr lvl="1"/>
+            <a:r>
+              <a:rPr lang="en-US" dirty="0"/>
+              <a:t>JavaScript Front-Ends</a:t>
+            </a:r>
+          </a:p>
+          <a:p>
+            <a:pPr lvl="1"/>
+            <a:r>
+              <a:rPr lang="en-US" dirty="0"/>
+              <a:t>Mobile Apps</a:t>
             </a:r>
           </a:p>
         </p:txBody>
@@ -4810,7 +4885,7 @@
     </p:spTree>
     <p:extLst>
       <p:ext uri="{BB962C8B-B14F-4D97-AF65-F5344CB8AC3E}">
-        <p14:creationId xmlns:p14="http://schemas.microsoft.com/office/powerpoint/2010/main" val="420624657"/>
+        <p14:creationId xmlns:p14="http://schemas.microsoft.com/office/powerpoint/2010/main" val="818327794"/>
       </p:ext>
     </p:extLst>
   </p:cSld>
@@ -4854,7 +4929,7 @@
           <a:p>
             <a:r>
               <a:rPr lang="en-US" dirty="0"/>
-              <a:t>Design For Unit Testing</a:t>
+              <a:t>Unit Testing Tools</a:t>
             </a:r>
           </a:p>
         </p:txBody>
@@ -4876,18 +4951,57 @@
           <a:p>
             <a:r>
               <a:rPr lang="en-US" dirty="0"/>
-              <a:t>What if my code depends on other things (Email, Databases, Push Notification)? I have an object that calls other objects… then what?</a:t>
-            </a:r>
-          </a:p>
-          <a:p>
+              <a:t>Visual Studio</a:t>
+            </a:r>
+          </a:p>
+          <a:p>
+            <a:r>
+              <a:rPr lang="en-US" dirty="0"/>
+              <a:t>JavaScript – </a:t>
+            </a:r>
+            <a:r>
+              <a:rPr lang="en-US" dirty="0" err="1"/>
+              <a:t>Qunit</a:t>
+            </a:r>
             <a:endParaRPr lang="en-US" dirty="0"/>
+          </a:p>
+          <a:p>
+            <a:r>
+              <a:rPr lang="en-US" dirty="0"/>
+              <a:t>Java - Junit</a:t>
+            </a:r>
+          </a:p>
+          <a:p>
+            <a:r>
+              <a:rPr lang="en-US" dirty="0"/>
+              <a:t>.NET - </a:t>
+            </a:r>
+            <a:r>
+              <a:rPr lang="en-US" dirty="0" err="1"/>
+              <a:t>Nunit</a:t>
+            </a:r>
+            <a:endParaRPr lang="en-US" dirty="0"/>
+          </a:p>
+          <a:p>
+            <a:r>
+              <a:rPr lang="en-US" dirty="0"/>
+              <a:t>Many </a:t>
+            </a:r>
+            <a:r>
+              <a:rPr lang="en-US" dirty="0" err="1"/>
+              <a:t>Many</a:t>
+            </a:r>
+            <a:r>
+              <a:rPr lang="en-US" dirty="0"/>
+              <a:t> More</a:t>
+            </a:r>
           </a:p>
         </p:txBody>
       </p:sp>
     </p:spTree>
     <p:extLst>
       <p:ext uri="{BB962C8B-B14F-4D97-AF65-F5344CB8AC3E}">
-        <p14:creationId xmlns:p14="http://schemas.microsoft.com/office/powerpoint/2010/main" val="1322483234"/>
+        <p14:creationId xmlns:p14="http://schemas.microsoft.com/office/powerpoint/2010/main" val="420624657"/>
       </p:ext>
     </p:extLst>
   </p:cSld>
@@ -4953,27 +5067,7 @@
           <a:p>
             <a:r>
               <a:rPr lang="en-US" dirty="0"/>
-              <a:t>Dependency Injection</a:t>
-            </a:r>
-          </a:p>
-          <a:p>
-            <a:pPr lvl="1"/>
-            <a:r>
-              <a:rPr lang="en-US" dirty="0"/>
-              <a:t>Unity</a:t>
-            </a:r>
-          </a:p>
-          <a:p>
-            <a:pPr lvl="1"/>
-            <a:r>
-              <a:rPr lang="en-US" dirty="0"/>
-              <a:t>Rhino</a:t>
-            </a:r>
-          </a:p>
-          <a:p>
-            <a:r>
-              <a:rPr lang="en-US" dirty="0"/>
-              <a:t>Mocks vs Stubs</a:t>
+              <a:t>What if my code depends on other things (Email, Databases, Push Notification)? I have an object that calls other objects… then what?</a:t>
             </a:r>
           </a:p>
           <a:p>
@@ -4984,7 +5078,7 @@
     </p:spTree>
     <p:extLst>
       <p:ext uri="{BB962C8B-B14F-4D97-AF65-F5344CB8AC3E}">
-        <p14:creationId xmlns:p14="http://schemas.microsoft.com/office/powerpoint/2010/main" val="2746326609"/>
+        <p14:creationId xmlns:p14="http://schemas.microsoft.com/office/powerpoint/2010/main" val="1322483234"/>
       </p:ext>
     </p:extLst>
   </p:cSld>
@@ -5028,7 +5122,7 @@
           <a:p>
             <a:r>
               <a:rPr lang="en-US" dirty="0"/>
-              <a:t>Unit testing the User Interface</a:t>
+              <a:t>Design For Unit Testing</a:t>
             </a:r>
           </a:p>
         </p:txBody>
@@ -5050,15 +5144,38 @@
           <a:p>
             <a:r>
               <a:rPr lang="en-US" dirty="0"/>
-              <a:t>MVC Demo</a:t>
-            </a:r>
+              <a:t>Dependency Injection</a:t>
+            </a:r>
+          </a:p>
+          <a:p>
+            <a:pPr lvl="1"/>
+            <a:r>
+              <a:rPr lang="en-US" dirty="0"/>
+              <a:t>Unity</a:t>
+            </a:r>
+          </a:p>
+          <a:p>
+            <a:pPr lvl="1"/>
+            <a:r>
+              <a:rPr lang="en-US" dirty="0"/>
+              <a:t>Rhino</a:t>
+            </a:r>
+          </a:p>
+          <a:p>
+            <a:r>
+              <a:rPr lang="en-US" dirty="0"/>
+              <a:t>Mocks vs Stubs</a:t>
+            </a:r>
+          </a:p>
+          <a:p>
+            <a:endParaRPr lang="en-US" dirty="0"/>
           </a:p>
         </p:txBody>
       </p:sp>
     </p:spTree>
     <p:extLst>
       <p:ext uri="{BB962C8B-B14F-4D97-AF65-F5344CB8AC3E}">
-        <p14:creationId xmlns:p14="http://schemas.microsoft.com/office/powerpoint/2010/main" val="567081537"/>
+        <p14:creationId xmlns:p14="http://schemas.microsoft.com/office/powerpoint/2010/main" val="2746326609"/>
       </p:ext>
     </p:extLst>
   </p:cSld>
@@ -5102,7 +5219,7 @@
           <a:p>
             <a:r>
               <a:rPr lang="en-US" dirty="0"/>
-              <a:t>Unit Testing the Middle Tier</a:t>
+              <a:t>Unit testing the User Interface</a:t>
             </a:r>
           </a:p>
         </p:txBody>
@@ -5124,7 +5241,7 @@
           <a:p>
             <a:r>
               <a:rPr lang="en-US" dirty="0"/>
-              <a:t>Component Demo</a:t>
+              <a:t>MVC Demo</a:t>
             </a:r>
           </a:p>
         </p:txBody>
@@ -5132,7 +5249,7 @@
     </p:spTree>
     <p:extLst>
       <p:ext uri="{BB962C8B-B14F-4D97-AF65-F5344CB8AC3E}">
-        <p14:creationId xmlns:p14="http://schemas.microsoft.com/office/powerpoint/2010/main" val="4009361321"/>
+        <p14:creationId xmlns:p14="http://schemas.microsoft.com/office/powerpoint/2010/main" val="567081537"/>
       </p:ext>
     </p:extLst>
   </p:cSld>
@@ -5176,7 +5293,7 @@
           <a:p>
             <a:r>
               <a:rPr lang="en-US" dirty="0"/>
-              <a:t>Unit Testing the Data Layer</a:t>
+              <a:t>Unit Testing the Middle Tier</a:t>
             </a:r>
           </a:p>
         </p:txBody>
@@ -5198,7 +5315,7 @@
           <a:p>
             <a:r>
               <a:rPr lang="en-US" dirty="0"/>
-              <a:t>Data Access Demo w Repository Pattern</a:t>
+              <a:t>Component Demo</a:t>
             </a:r>
           </a:p>
         </p:txBody>
@@ -5206,7 +5323,7 @@
     </p:spTree>
     <p:extLst>
       <p:ext uri="{BB962C8B-B14F-4D97-AF65-F5344CB8AC3E}">
-        <p14:creationId xmlns:p14="http://schemas.microsoft.com/office/powerpoint/2010/main" val="1806368591"/>
+        <p14:creationId xmlns:p14="http://schemas.microsoft.com/office/powerpoint/2010/main" val="4009361321"/>
       </p:ext>
     </p:extLst>
   </p:cSld>
@@ -5250,6 +5367,80 @@
           <a:p>
             <a:r>
               <a:rPr lang="en-US" dirty="0"/>
+              <a:t>Unit Testing the Data Layer</a:t>
+            </a:r>
+          </a:p>
+        </p:txBody>
+      </p:sp>
+      <p:sp>
+        <p:nvSpPr>
+          <p:cNvPr id="3" name="Content Placeholder 2"/>
+          <p:cNvSpPr>
+            <a:spLocks noGrp="1"/>
+          </p:cNvSpPr>
+          <p:nvPr>
+            <p:ph idx="1"/>
+          </p:nvPr>
+        </p:nvSpPr>
+        <p:spPr/>
+        <p:txBody>
+          <a:bodyPr/>
+          <a:lstStyle/>
+          <a:p>
+            <a:r>
+              <a:rPr lang="en-US" dirty="0"/>
+              <a:t>Data Access Demo w Repository Pattern</a:t>
+            </a:r>
+          </a:p>
+        </p:txBody>
+      </p:sp>
+    </p:spTree>
+    <p:extLst>
+      <p:ext uri="{BB962C8B-B14F-4D97-AF65-F5344CB8AC3E}">
+        <p14:creationId xmlns:p14="http://schemas.microsoft.com/office/powerpoint/2010/main" val="1806368591"/>
+      </p:ext>
+    </p:extLst>
+  </p:cSld>
+  <p:clrMapOvr>
+    <a:masterClrMapping/>
+  </p:clrMapOvr>
+</p:sld>
+</file>
+
+<file path=ppt/slides/slide18.xml><?xml version="1.0" encoding="utf-8"?>
+<p:sld xmlns:a="http://schemas.openxmlformats.org/drawingml/2006/main" xmlns:r="http://schemas.openxmlformats.org/officeDocument/2006/relationships" xmlns:p="http://schemas.openxmlformats.org/presentationml/2006/main">
+  <p:cSld>
+    <p:spTree>
+      <p:nvGrpSpPr>
+        <p:cNvPr id="1" name=""/>
+        <p:cNvGrpSpPr/>
+        <p:nvPr/>
+      </p:nvGrpSpPr>
+      <p:grpSpPr>
+        <a:xfrm>
+          <a:off x="0" y="0"/>
+          <a:ext cx="0" cy="0"/>
+          <a:chOff x="0" y="0"/>
+          <a:chExt cx="0" cy="0"/>
+        </a:xfrm>
+      </p:grpSpPr>
+      <p:sp>
+        <p:nvSpPr>
+          <p:cNvPr id="2" name="Title 1"/>
+          <p:cNvSpPr>
+            <a:spLocks noGrp="1"/>
+          </p:cNvSpPr>
+          <p:nvPr>
+            <p:ph type="title"/>
+          </p:nvPr>
+        </p:nvSpPr>
+        <p:spPr/>
+        <p:txBody>
+          <a:bodyPr/>
+          <a:lstStyle/>
+          <a:p>
+            <a:r>
+              <a:rPr lang="en-US" dirty="0"/>
               <a:t>Automations</a:t>
             </a:r>
           </a:p>
@@ -5270,7 +5461,10 @@
           <a:bodyPr/>
           <a:lstStyle/>
           <a:p>
-            <a:endParaRPr lang="en-US"/>
+            <a:r>
+              <a:rPr lang="en-US" dirty="0"/>
+              <a:t>DEMO</a:t>
+            </a:r>
           </a:p>
         </p:txBody>
       </p:sp>
@@ -5287,7 +5481,7 @@
 </p:sld>
 </file>
 
-<file path=ppt/slides/slide18.xml><?xml version="1.0" encoding="utf-8"?>
+<file path=ppt/slides/slide19.xml><?xml version="1.0" encoding="utf-8"?>
 <p:sld xmlns:a="http://schemas.openxmlformats.org/drawingml/2006/main" xmlns:r="http://schemas.openxmlformats.org/officeDocument/2006/relationships" xmlns:p="http://schemas.openxmlformats.org/presentationml/2006/main">
   <p:cSld>
     <p:spTree>

--- a/Presentation/UnitTesting.pptx
+++ b/Presentation/UnitTesting.pptx
@@ -5,31 +5,34 @@
     <p:sldMasterId id="2147483660" r:id="rId1"/>
   </p:sldMasterIdLst>
   <p:notesMasterIdLst>
-    <p:notesMasterId r:id="rId21"/>
+    <p:notesMasterId r:id="rId24"/>
   </p:notesMasterIdLst>
   <p:sldIdLst>
     <p:sldId id="256" r:id="rId2"/>
     <p:sldId id="257" r:id="rId3"/>
     <p:sldId id="258" r:id="rId4"/>
     <p:sldId id="259" r:id="rId5"/>
-    <p:sldId id="267" r:id="rId6"/>
-    <p:sldId id="261" r:id="rId7"/>
-    <p:sldId id="268" r:id="rId8"/>
-    <p:sldId id="260" r:id="rId9"/>
-    <p:sldId id="266" r:id="rId10"/>
+    <p:sldId id="261" r:id="rId6"/>
+    <p:sldId id="268" r:id="rId7"/>
+    <p:sldId id="260" r:id="rId8"/>
+    <p:sldId id="266" r:id="rId9"/>
+    <p:sldId id="267" r:id="rId10"/>
     <p:sldId id="274" r:id="rId11"/>
     <p:sldId id="269" r:id="rId12"/>
     <p:sldId id="270" r:id="rId13"/>
     <p:sldId id="272" r:id="rId14"/>
     <p:sldId id="271" r:id="rId15"/>
-    <p:sldId id="262" r:id="rId16"/>
-    <p:sldId id="264" r:id="rId17"/>
-    <p:sldId id="265" r:id="rId18"/>
-    <p:sldId id="273" r:id="rId19"/>
-    <p:sldId id="263" r:id="rId20"/>
+    <p:sldId id="275" r:id="rId16"/>
+    <p:sldId id="278" r:id="rId17"/>
+    <p:sldId id="276" r:id="rId18"/>
+    <p:sldId id="277" r:id="rId19"/>
+    <p:sldId id="264" r:id="rId20"/>
+    <p:sldId id="262" r:id="rId21"/>
+    <p:sldId id="273" r:id="rId22"/>
+    <p:sldId id="263" r:id="rId23"/>
   </p:sldIdLst>
   <p:sldSz cx="12192000" cy="6858000"/>
-  <p:notesSz cx="6858000" cy="9144000"/>
+  <p:notesSz cx="7010400" cy="9296400"/>
   <p:defaultTextStyle>
     <a:defPPr>
       <a:defRPr lang="en-US"/>
@@ -168,14 +171,14 @@
         <p:spPr>
           <a:xfrm>
             <a:off x="0" y="0"/>
-            <a:ext cx="2971800" cy="458788"/>
+            <a:ext cx="3037840" cy="466434"/>
           </a:xfrm>
           <a:prstGeom prst="rect">
             <a:avLst/>
           </a:prstGeom>
         </p:spPr>
         <p:txBody>
-          <a:bodyPr vert="horz" lIns="91440" tIns="45720" rIns="91440" bIns="45720" rtlCol="0"/>
+          <a:bodyPr vert="horz" lIns="93177" tIns="46589" rIns="93177" bIns="46589" rtlCol="0"/>
           <a:lstStyle>
             <a:lvl1pPr algn="l">
               <a:defRPr sz="1200"/>
@@ -198,15 +201,15 @@
         </p:nvSpPr>
         <p:spPr>
           <a:xfrm>
-            <a:off x="3884613" y="0"/>
-            <a:ext cx="2971800" cy="458788"/>
+            <a:off x="3970938" y="0"/>
+            <a:ext cx="3037840" cy="466434"/>
           </a:xfrm>
           <a:prstGeom prst="rect">
             <a:avLst/>
           </a:prstGeom>
         </p:spPr>
         <p:txBody>
-          <a:bodyPr vert="horz" lIns="91440" tIns="45720" rIns="91440" bIns="45720" rtlCol="0"/>
+          <a:bodyPr vert="horz" lIns="93177" tIns="46589" rIns="93177" bIns="46589" rtlCol="0"/>
           <a:lstStyle>
             <a:lvl1pPr algn="r">
               <a:defRPr sz="1200"/>
@@ -215,7 +218,7 @@
           <a:p>
             <a:fld id="{69D08B4B-3D81-45B6-B05D-50B4FAF5501B}" type="datetimeFigureOut">
               <a:rPr lang="en-US" smtClean="0"/>
-              <a:t>4/26/2017</a:t>
+              <a:t>4/27/2017</a:t>
             </a:fld>
             <a:endParaRPr lang="en-US"/>
           </a:p>
@@ -233,8 +236,8 @@
         </p:nvSpPr>
         <p:spPr>
           <a:xfrm>
-            <a:off x="685800" y="1143000"/>
-            <a:ext cx="5486400" cy="3086100"/>
+            <a:off x="717550" y="1162050"/>
+            <a:ext cx="5575300" cy="3136900"/>
           </a:xfrm>
           <a:prstGeom prst="rect">
             <a:avLst/>
@@ -247,7 +250,7 @@
           </a:ln>
         </p:spPr>
         <p:txBody>
-          <a:bodyPr vert="horz" lIns="91440" tIns="45720" rIns="91440" bIns="45720" rtlCol="0" anchor="ctr"/>
+          <a:bodyPr vert="horz" lIns="93177" tIns="46589" rIns="93177" bIns="46589" rtlCol="0" anchor="ctr"/>
           <a:lstStyle/>
           <a:p>
             <a:endParaRPr lang="en-US"/>
@@ -266,15 +269,15 @@
         </p:nvSpPr>
         <p:spPr>
           <a:xfrm>
-            <a:off x="685800" y="4400550"/>
-            <a:ext cx="5486400" cy="3600450"/>
+            <a:off x="701040" y="4473892"/>
+            <a:ext cx="5608320" cy="3660458"/>
           </a:xfrm>
           <a:prstGeom prst="rect">
             <a:avLst/>
           </a:prstGeom>
         </p:spPr>
         <p:txBody>
-          <a:bodyPr vert="horz" lIns="91440" tIns="45720" rIns="91440" bIns="45720" rtlCol="0"/>
+          <a:bodyPr vert="horz" lIns="93177" tIns="46589" rIns="93177" bIns="46589" rtlCol="0"/>
           <a:lstStyle/>
           <a:p>
             <a:pPr lvl="0"/>
@@ -325,15 +328,15 @@
         </p:nvSpPr>
         <p:spPr>
           <a:xfrm>
-            <a:off x="0" y="8685213"/>
-            <a:ext cx="2971800" cy="458787"/>
+            <a:off x="0" y="8829967"/>
+            <a:ext cx="3037840" cy="466433"/>
           </a:xfrm>
           <a:prstGeom prst="rect">
             <a:avLst/>
           </a:prstGeom>
         </p:spPr>
         <p:txBody>
-          <a:bodyPr vert="horz" lIns="91440" tIns="45720" rIns="91440" bIns="45720" rtlCol="0" anchor="b"/>
+          <a:bodyPr vert="horz" lIns="93177" tIns="46589" rIns="93177" bIns="46589" rtlCol="0" anchor="b"/>
           <a:lstStyle>
             <a:lvl1pPr algn="l">
               <a:defRPr sz="1200"/>
@@ -356,15 +359,15 @@
         </p:nvSpPr>
         <p:spPr>
           <a:xfrm>
-            <a:off x="3884613" y="8685213"/>
-            <a:ext cx="2971800" cy="458787"/>
+            <a:off x="3970938" y="8829967"/>
+            <a:ext cx="3037840" cy="466433"/>
           </a:xfrm>
           <a:prstGeom prst="rect">
             <a:avLst/>
           </a:prstGeom>
         </p:spPr>
         <p:txBody>
-          <a:bodyPr vert="horz" lIns="91440" tIns="45720" rIns="91440" bIns="45720" rtlCol="0" anchor="b"/>
+          <a:bodyPr vert="horz" lIns="93177" tIns="46589" rIns="93177" bIns="46589" rtlCol="0" anchor="b"/>
           <a:lstStyle>
             <a:lvl1pPr algn="r">
               <a:defRPr sz="1200"/>
@@ -526,16 +529,7 @@
           <a:bodyPr/>
           <a:lstStyle/>
           <a:p>
-            <a:r>
-              <a:rPr lang="en-US" dirty="0"/>
-              <a:t>The goal of UAT or QA is to test that all possible paths in the solution achieve the desired result.   If you start at the bottom, and do that math on a small application…. </a:t>
-            </a:r>
-          </a:p>
-          <a:p>
-            <a:r>
-              <a:rPr lang="en-US" dirty="0"/>
-              <a:t>We are expecting the QA team to test “Possibly” 8,000 different paths through the code. </a:t>
-            </a:r>
+            <a:endParaRPr lang="en-US"/>
           </a:p>
         </p:txBody>
       </p:sp>
@@ -556,7 +550,7 @@
           <a:p>
             <a:fld id="{5270D8FF-7B73-4776-AB67-BDBD3DDB0E26}" type="slidenum">
               <a:rPr lang="en-US" smtClean="0"/>
-              <a:t>5</a:t>
+              <a:t>1</a:t>
             </a:fld>
             <a:endParaRPr lang="en-US"/>
           </a:p>
@@ -565,7 +559,866 @@
     </p:spTree>
     <p:extLst>
       <p:ext uri="{BB962C8B-B14F-4D97-AF65-F5344CB8AC3E}">
-        <p14:creationId xmlns:p14="http://schemas.microsoft.com/office/powerpoint/2010/main" val="2474382693"/>
+        <p14:creationId xmlns:p14="http://schemas.microsoft.com/office/powerpoint/2010/main" val="3782984125"/>
+      </p:ext>
+    </p:extLst>
+  </p:cSld>
+  <p:clrMapOvr>
+    <a:masterClrMapping/>
+  </p:clrMapOvr>
+</p:notes>
+</file>
+
+<file path=ppt/notesSlides/notesSlide10.xml><?xml version="1.0" encoding="utf-8"?>
+<p:notes xmlns:a="http://schemas.openxmlformats.org/drawingml/2006/main" xmlns:r="http://schemas.openxmlformats.org/officeDocument/2006/relationships" xmlns:p="http://schemas.openxmlformats.org/presentationml/2006/main">
+  <p:cSld>
+    <p:spTree>
+      <p:nvGrpSpPr>
+        <p:cNvPr id="1" name=""/>
+        <p:cNvGrpSpPr/>
+        <p:nvPr/>
+      </p:nvGrpSpPr>
+      <p:grpSpPr>
+        <a:xfrm>
+          <a:off x="0" y="0"/>
+          <a:ext cx="0" cy="0"/>
+          <a:chOff x="0" y="0"/>
+          <a:chExt cx="0" cy="0"/>
+        </a:xfrm>
+      </p:grpSpPr>
+      <p:sp>
+        <p:nvSpPr>
+          <p:cNvPr id="2" name="Slide Image Placeholder 1"/>
+          <p:cNvSpPr>
+            <a:spLocks noGrp="1" noRot="1" noChangeAspect="1"/>
+          </p:cNvSpPr>
+          <p:nvPr>
+            <p:ph type="sldImg"/>
+          </p:nvPr>
+        </p:nvSpPr>
+        <p:spPr/>
+      </p:sp>
+      <p:sp>
+        <p:nvSpPr>
+          <p:cNvPr id="3" name="Notes Placeholder 2"/>
+          <p:cNvSpPr>
+            <a:spLocks noGrp="1"/>
+          </p:cNvSpPr>
+          <p:nvPr>
+            <p:ph type="body" idx="1"/>
+          </p:nvPr>
+        </p:nvSpPr>
+        <p:spPr/>
+        <p:txBody>
+          <a:bodyPr/>
+          <a:lstStyle/>
+          <a:p>
+            <a:endParaRPr lang="en-US"/>
+          </a:p>
+        </p:txBody>
+      </p:sp>
+      <p:sp>
+        <p:nvSpPr>
+          <p:cNvPr id="4" name="Slide Number Placeholder 3"/>
+          <p:cNvSpPr>
+            <a:spLocks noGrp="1"/>
+          </p:cNvSpPr>
+          <p:nvPr>
+            <p:ph type="sldNum" sz="quarter" idx="10"/>
+          </p:nvPr>
+        </p:nvSpPr>
+        <p:spPr/>
+        <p:txBody>
+          <a:bodyPr/>
+          <a:lstStyle/>
+          <a:p>
+            <a:fld id="{5270D8FF-7B73-4776-AB67-BDBD3DDB0E26}" type="slidenum">
+              <a:rPr lang="en-US" smtClean="0"/>
+              <a:t>10</a:t>
+            </a:fld>
+            <a:endParaRPr lang="en-US"/>
+          </a:p>
+        </p:txBody>
+      </p:sp>
+    </p:spTree>
+    <p:extLst>
+      <p:ext uri="{BB962C8B-B14F-4D97-AF65-F5344CB8AC3E}">
+        <p14:creationId xmlns:p14="http://schemas.microsoft.com/office/powerpoint/2010/main" val="1501395731"/>
+      </p:ext>
+    </p:extLst>
+  </p:cSld>
+  <p:clrMapOvr>
+    <a:masterClrMapping/>
+  </p:clrMapOvr>
+</p:notes>
+</file>
+
+<file path=ppt/notesSlides/notesSlide11.xml><?xml version="1.0" encoding="utf-8"?>
+<p:notes xmlns:a="http://schemas.openxmlformats.org/drawingml/2006/main" xmlns:r="http://schemas.openxmlformats.org/officeDocument/2006/relationships" xmlns:p="http://schemas.openxmlformats.org/presentationml/2006/main">
+  <p:cSld>
+    <p:spTree>
+      <p:nvGrpSpPr>
+        <p:cNvPr id="1" name=""/>
+        <p:cNvGrpSpPr/>
+        <p:nvPr/>
+      </p:nvGrpSpPr>
+      <p:grpSpPr>
+        <a:xfrm>
+          <a:off x="0" y="0"/>
+          <a:ext cx="0" cy="0"/>
+          <a:chOff x="0" y="0"/>
+          <a:chExt cx="0" cy="0"/>
+        </a:xfrm>
+      </p:grpSpPr>
+      <p:sp>
+        <p:nvSpPr>
+          <p:cNvPr id="2" name="Slide Image Placeholder 1"/>
+          <p:cNvSpPr>
+            <a:spLocks noGrp="1" noRot="1" noChangeAspect="1"/>
+          </p:cNvSpPr>
+          <p:nvPr>
+            <p:ph type="sldImg"/>
+          </p:nvPr>
+        </p:nvSpPr>
+        <p:spPr/>
+      </p:sp>
+      <p:sp>
+        <p:nvSpPr>
+          <p:cNvPr id="3" name="Notes Placeholder 2"/>
+          <p:cNvSpPr>
+            <a:spLocks noGrp="1"/>
+          </p:cNvSpPr>
+          <p:nvPr>
+            <p:ph type="body" idx="1"/>
+          </p:nvPr>
+        </p:nvSpPr>
+        <p:spPr/>
+        <p:txBody>
+          <a:bodyPr/>
+          <a:lstStyle/>
+          <a:p>
+            <a:endParaRPr lang="en-US"/>
+          </a:p>
+        </p:txBody>
+      </p:sp>
+      <p:sp>
+        <p:nvSpPr>
+          <p:cNvPr id="4" name="Slide Number Placeholder 3"/>
+          <p:cNvSpPr>
+            <a:spLocks noGrp="1"/>
+          </p:cNvSpPr>
+          <p:nvPr>
+            <p:ph type="sldNum" sz="quarter" idx="10"/>
+          </p:nvPr>
+        </p:nvSpPr>
+        <p:spPr/>
+        <p:txBody>
+          <a:bodyPr/>
+          <a:lstStyle/>
+          <a:p>
+            <a:fld id="{5270D8FF-7B73-4776-AB67-BDBD3DDB0E26}" type="slidenum">
+              <a:rPr lang="en-US" smtClean="0"/>
+              <a:t>11</a:t>
+            </a:fld>
+            <a:endParaRPr lang="en-US"/>
+          </a:p>
+        </p:txBody>
+      </p:sp>
+    </p:spTree>
+    <p:extLst>
+      <p:ext uri="{BB962C8B-B14F-4D97-AF65-F5344CB8AC3E}">
+        <p14:creationId xmlns:p14="http://schemas.microsoft.com/office/powerpoint/2010/main" val="206522462"/>
+      </p:ext>
+    </p:extLst>
+  </p:cSld>
+  <p:clrMapOvr>
+    <a:masterClrMapping/>
+  </p:clrMapOvr>
+</p:notes>
+</file>
+
+<file path=ppt/notesSlides/notesSlide12.xml><?xml version="1.0" encoding="utf-8"?>
+<p:notes xmlns:a="http://schemas.openxmlformats.org/drawingml/2006/main" xmlns:r="http://schemas.openxmlformats.org/officeDocument/2006/relationships" xmlns:p="http://schemas.openxmlformats.org/presentationml/2006/main">
+  <p:cSld>
+    <p:spTree>
+      <p:nvGrpSpPr>
+        <p:cNvPr id="1" name=""/>
+        <p:cNvGrpSpPr/>
+        <p:nvPr/>
+      </p:nvGrpSpPr>
+      <p:grpSpPr>
+        <a:xfrm>
+          <a:off x="0" y="0"/>
+          <a:ext cx="0" cy="0"/>
+          <a:chOff x="0" y="0"/>
+          <a:chExt cx="0" cy="0"/>
+        </a:xfrm>
+      </p:grpSpPr>
+      <p:sp>
+        <p:nvSpPr>
+          <p:cNvPr id="2" name="Slide Image Placeholder 1"/>
+          <p:cNvSpPr>
+            <a:spLocks noGrp="1" noRot="1" noChangeAspect="1"/>
+          </p:cNvSpPr>
+          <p:nvPr>
+            <p:ph type="sldImg"/>
+          </p:nvPr>
+        </p:nvSpPr>
+        <p:spPr/>
+      </p:sp>
+      <p:sp>
+        <p:nvSpPr>
+          <p:cNvPr id="3" name="Notes Placeholder 2"/>
+          <p:cNvSpPr>
+            <a:spLocks noGrp="1"/>
+          </p:cNvSpPr>
+          <p:nvPr>
+            <p:ph type="body" idx="1"/>
+          </p:nvPr>
+        </p:nvSpPr>
+        <p:spPr/>
+        <p:txBody>
+          <a:bodyPr/>
+          <a:lstStyle/>
+          <a:p>
+            <a:endParaRPr lang="en-US"/>
+          </a:p>
+        </p:txBody>
+      </p:sp>
+      <p:sp>
+        <p:nvSpPr>
+          <p:cNvPr id="4" name="Slide Number Placeholder 3"/>
+          <p:cNvSpPr>
+            <a:spLocks noGrp="1"/>
+          </p:cNvSpPr>
+          <p:nvPr>
+            <p:ph type="sldNum" sz="quarter" idx="10"/>
+          </p:nvPr>
+        </p:nvSpPr>
+        <p:spPr/>
+        <p:txBody>
+          <a:bodyPr/>
+          <a:lstStyle/>
+          <a:p>
+            <a:fld id="{5270D8FF-7B73-4776-AB67-BDBD3DDB0E26}" type="slidenum">
+              <a:rPr lang="en-US" smtClean="0"/>
+              <a:t>12</a:t>
+            </a:fld>
+            <a:endParaRPr lang="en-US"/>
+          </a:p>
+        </p:txBody>
+      </p:sp>
+    </p:spTree>
+    <p:extLst>
+      <p:ext uri="{BB962C8B-B14F-4D97-AF65-F5344CB8AC3E}">
+        <p14:creationId xmlns:p14="http://schemas.microsoft.com/office/powerpoint/2010/main" val="1466026508"/>
+      </p:ext>
+    </p:extLst>
+  </p:cSld>
+  <p:clrMapOvr>
+    <a:masterClrMapping/>
+  </p:clrMapOvr>
+</p:notes>
+</file>
+
+<file path=ppt/notesSlides/notesSlide13.xml><?xml version="1.0" encoding="utf-8"?>
+<p:notes xmlns:a="http://schemas.openxmlformats.org/drawingml/2006/main" xmlns:r="http://schemas.openxmlformats.org/officeDocument/2006/relationships" xmlns:p="http://schemas.openxmlformats.org/presentationml/2006/main">
+  <p:cSld>
+    <p:spTree>
+      <p:nvGrpSpPr>
+        <p:cNvPr id="1" name=""/>
+        <p:cNvGrpSpPr/>
+        <p:nvPr/>
+      </p:nvGrpSpPr>
+      <p:grpSpPr>
+        <a:xfrm>
+          <a:off x="0" y="0"/>
+          <a:ext cx="0" cy="0"/>
+          <a:chOff x="0" y="0"/>
+          <a:chExt cx="0" cy="0"/>
+        </a:xfrm>
+      </p:grpSpPr>
+      <p:sp>
+        <p:nvSpPr>
+          <p:cNvPr id="2" name="Slide Image Placeholder 1"/>
+          <p:cNvSpPr>
+            <a:spLocks noGrp="1" noRot="1" noChangeAspect="1"/>
+          </p:cNvSpPr>
+          <p:nvPr>
+            <p:ph type="sldImg"/>
+          </p:nvPr>
+        </p:nvSpPr>
+        <p:spPr/>
+      </p:sp>
+      <p:sp>
+        <p:nvSpPr>
+          <p:cNvPr id="3" name="Notes Placeholder 2"/>
+          <p:cNvSpPr>
+            <a:spLocks noGrp="1"/>
+          </p:cNvSpPr>
+          <p:nvPr>
+            <p:ph type="body" idx="1"/>
+          </p:nvPr>
+        </p:nvSpPr>
+        <p:spPr/>
+        <p:txBody>
+          <a:bodyPr/>
+          <a:lstStyle/>
+          <a:p>
+            <a:endParaRPr lang="en-US"/>
+          </a:p>
+        </p:txBody>
+      </p:sp>
+      <p:sp>
+        <p:nvSpPr>
+          <p:cNvPr id="4" name="Slide Number Placeholder 3"/>
+          <p:cNvSpPr>
+            <a:spLocks noGrp="1"/>
+          </p:cNvSpPr>
+          <p:nvPr>
+            <p:ph type="sldNum" sz="quarter" idx="10"/>
+          </p:nvPr>
+        </p:nvSpPr>
+        <p:spPr/>
+        <p:txBody>
+          <a:bodyPr/>
+          <a:lstStyle/>
+          <a:p>
+            <a:fld id="{5270D8FF-7B73-4776-AB67-BDBD3DDB0E26}" type="slidenum">
+              <a:rPr lang="en-US" smtClean="0"/>
+              <a:t>13</a:t>
+            </a:fld>
+            <a:endParaRPr lang="en-US"/>
+          </a:p>
+        </p:txBody>
+      </p:sp>
+    </p:spTree>
+    <p:extLst>
+      <p:ext uri="{BB962C8B-B14F-4D97-AF65-F5344CB8AC3E}">
+        <p14:creationId xmlns:p14="http://schemas.microsoft.com/office/powerpoint/2010/main" val="395541303"/>
+      </p:ext>
+    </p:extLst>
+  </p:cSld>
+  <p:clrMapOvr>
+    <a:masterClrMapping/>
+  </p:clrMapOvr>
+</p:notes>
+</file>
+
+<file path=ppt/notesSlides/notesSlide14.xml><?xml version="1.0" encoding="utf-8"?>
+<p:notes xmlns:a="http://schemas.openxmlformats.org/drawingml/2006/main" xmlns:r="http://schemas.openxmlformats.org/officeDocument/2006/relationships" xmlns:p="http://schemas.openxmlformats.org/presentationml/2006/main">
+  <p:cSld>
+    <p:spTree>
+      <p:nvGrpSpPr>
+        <p:cNvPr id="1" name=""/>
+        <p:cNvGrpSpPr/>
+        <p:nvPr/>
+      </p:nvGrpSpPr>
+      <p:grpSpPr>
+        <a:xfrm>
+          <a:off x="0" y="0"/>
+          <a:ext cx="0" cy="0"/>
+          <a:chOff x="0" y="0"/>
+          <a:chExt cx="0" cy="0"/>
+        </a:xfrm>
+      </p:grpSpPr>
+      <p:sp>
+        <p:nvSpPr>
+          <p:cNvPr id="2" name="Slide Image Placeholder 1"/>
+          <p:cNvSpPr>
+            <a:spLocks noGrp="1" noRot="1" noChangeAspect="1"/>
+          </p:cNvSpPr>
+          <p:nvPr>
+            <p:ph type="sldImg"/>
+          </p:nvPr>
+        </p:nvSpPr>
+        <p:spPr/>
+      </p:sp>
+      <p:sp>
+        <p:nvSpPr>
+          <p:cNvPr id="3" name="Notes Placeholder 2"/>
+          <p:cNvSpPr>
+            <a:spLocks noGrp="1"/>
+          </p:cNvSpPr>
+          <p:nvPr>
+            <p:ph type="body" idx="1"/>
+          </p:nvPr>
+        </p:nvSpPr>
+        <p:spPr/>
+        <p:txBody>
+          <a:bodyPr/>
+          <a:lstStyle/>
+          <a:p>
+            <a:r>
+              <a:rPr lang="en-US" dirty="0"/>
+              <a:t>Mocks</a:t>
+            </a:r>
+            <a:r>
+              <a:rPr lang="en-US" baseline="0" dirty="0"/>
+              <a:t> can model both Behavior and State</a:t>
+            </a:r>
+          </a:p>
+          <a:p>
+            <a:r>
+              <a:rPr lang="en-US" baseline="0" dirty="0"/>
+              <a:t>Stubs simple model “data”</a:t>
+            </a:r>
+          </a:p>
+          <a:p>
+            <a:endParaRPr lang="en-US" baseline="0" dirty="0"/>
+          </a:p>
+          <a:p>
+            <a:endParaRPr lang="en-US" dirty="0"/>
+          </a:p>
+        </p:txBody>
+      </p:sp>
+      <p:sp>
+        <p:nvSpPr>
+          <p:cNvPr id="4" name="Slide Number Placeholder 3"/>
+          <p:cNvSpPr>
+            <a:spLocks noGrp="1"/>
+          </p:cNvSpPr>
+          <p:nvPr>
+            <p:ph type="sldNum" sz="quarter" idx="10"/>
+          </p:nvPr>
+        </p:nvSpPr>
+        <p:spPr/>
+        <p:txBody>
+          <a:bodyPr/>
+          <a:lstStyle/>
+          <a:p>
+            <a:fld id="{5270D8FF-7B73-4776-AB67-BDBD3DDB0E26}" type="slidenum">
+              <a:rPr lang="en-US" smtClean="0"/>
+              <a:t>14</a:t>
+            </a:fld>
+            <a:endParaRPr lang="en-US"/>
+          </a:p>
+        </p:txBody>
+      </p:sp>
+    </p:spTree>
+    <p:extLst>
+      <p:ext uri="{BB962C8B-B14F-4D97-AF65-F5344CB8AC3E}">
+        <p14:creationId xmlns:p14="http://schemas.microsoft.com/office/powerpoint/2010/main" val="3389327606"/>
+      </p:ext>
+    </p:extLst>
+  </p:cSld>
+  <p:clrMapOvr>
+    <a:masterClrMapping/>
+  </p:clrMapOvr>
+</p:notes>
+</file>
+
+<file path=ppt/notesSlides/notesSlide15.xml><?xml version="1.0" encoding="utf-8"?>
+<p:notes xmlns:a="http://schemas.openxmlformats.org/drawingml/2006/main" xmlns:r="http://schemas.openxmlformats.org/officeDocument/2006/relationships" xmlns:p="http://schemas.openxmlformats.org/presentationml/2006/main">
+  <p:cSld>
+    <p:spTree>
+      <p:nvGrpSpPr>
+        <p:cNvPr id="1" name=""/>
+        <p:cNvGrpSpPr/>
+        <p:nvPr/>
+      </p:nvGrpSpPr>
+      <p:grpSpPr>
+        <a:xfrm>
+          <a:off x="0" y="0"/>
+          <a:ext cx="0" cy="0"/>
+          <a:chOff x="0" y="0"/>
+          <a:chExt cx="0" cy="0"/>
+        </a:xfrm>
+      </p:grpSpPr>
+      <p:sp>
+        <p:nvSpPr>
+          <p:cNvPr id="2" name="Slide Image Placeholder 1"/>
+          <p:cNvSpPr>
+            <a:spLocks noGrp="1" noRot="1" noChangeAspect="1"/>
+          </p:cNvSpPr>
+          <p:nvPr>
+            <p:ph type="sldImg"/>
+          </p:nvPr>
+        </p:nvSpPr>
+        <p:spPr/>
+      </p:sp>
+      <p:sp>
+        <p:nvSpPr>
+          <p:cNvPr id="3" name="Notes Placeholder 2"/>
+          <p:cNvSpPr>
+            <a:spLocks noGrp="1"/>
+          </p:cNvSpPr>
+          <p:nvPr>
+            <p:ph type="body" idx="1"/>
+          </p:nvPr>
+        </p:nvSpPr>
+        <p:spPr/>
+        <p:txBody>
+          <a:bodyPr/>
+          <a:lstStyle/>
+          <a:p>
+            <a:endParaRPr lang="en-US" dirty="0"/>
+          </a:p>
+        </p:txBody>
+      </p:sp>
+      <p:sp>
+        <p:nvSpPr>
+          <p:cNvPr id="4" name="Slide Number Placeholder 3"/>
+          <p:cNvSpPr>
+            <a:spLocks noGrp="1"/>
+          </p:cNvSpPr>
+          <p:nvPr>
+            <p:ph type="sldNum" sz="quarter" idx="10"/>
+          </p:nvPr>
+        </p:nvSpPr>
+        <p:spPr/>
+        <p:txBody>
+          <a:bodyPr/>
+          <a:lstStyle/>
+          <a:p>
+            <a:fld id="{5270D8FF-7B73-4776-AB67-BDBD3DDB0E26}" type="slidenum">
+              <a:rPr lang="en-US" smtClean="0"/>
+              <a:t>15</a:t>
+            </a:fld>
+            <a:endParaRPr lang="en-US"/>
+          </a:p>
+        </p:txBody>
+      </p:sp>
+    </p:spTree>
+    <p:extLst>
+      <p:ext uri="{BB962C8B-B14F-4D97-AF65-F5344CB8AC3E}">
+        <p14:creationId xmlns:p14="http://schemas.microsoft.com/office/powerpoint/2010/main" val="3407900297"/>
+      </p:ext>
+    </p:extLst>
+  </p:cSld>
+  <p:clrMapOvr>
+    <a:masterClrMapping/>
+  </p:clrMapOvr>
+</p:notes>
+</file>
+
+<file path=ppt/notesSlides/notesSlide16.xml><?xml version="1.0" encoding="utf-8"?>
+<p:notes xmlns:a="http://schemas.openxmlformats.org/drawingml/2006/main" xmlns:r="http://schemas.openxmlformats.org/officeDocument/2006/relationships" xmlns:p="http://schemas.openxmlformats.org/presentationml/2006/main">
+  <p:cSld>
+    <p:spTree>
+      <p:nvGrpSpPr>
+        <p:cNvPr id="1" name=""/>
+        <p:cNvGrpSpPr/>
+        <p:nvPr/>
+      </p:nvGrpSpPr>
+      <p:grpSpPr>
+        <a:xfrm>
+          <a:off x="0" y="0"/>
+          <a:ext cx="0" cy="0"/>
+          <a:chOff x="0" y="0"/>
+          <a:chExt cx="0" cy="0"/>
+        </a:xfrm>
+      </p:grpSpPr>
+      <p:sp>
+        <p:nvSpPr>
+          <p:cNvPr id="2" name="Slide Image Placeholder 1"/>
+          <p:cNvSpPr>
+            <a:spLocks noGrp="1" noRot="1" noChangeAspect="1"/>
+          </p:cNvSpPr>
+          <p:nvPr>
+            <p:ph type="sldImg"/>
+          </p:nvPr>
+        </p:nvSpPr>
+        <p:spPr/>
+      </p:sp>
+      <p:sp>
+        <p:nvSpPr>
+          <p:cNvPr id="3" name="Notes Placeholder 2"/>
+          <p:cNvSpPr>
+            <a:spLocks noGrp="1"/>
+          </p:cNvSpPr>
+          <p:nvPr>
+            <p:ph type="body" idx="1"/>
+          </p:nvPr>
+        </p:nvSpPr>
+        <p:spPr/>
+        <p:txBody>
+          <a:bodyPr/>
+          <a:lstStyle/>
+          <a:p>
+            <a:endParaRPr lang="en-US" dirty="0"/>
+          </a:p>
+        </p:txBody>
+      </p:sp>
+      <p:sp>
+        <p:nvSpPr>
+          <p:cNvPr id="4" name="Slide Number Placeholder 3"/>
+          <p:cNvSpPr>
+            <a:spLocks noGrp="1"/>
+          </p:cNvSpPr>
+          <p:nvPr>
+            <p:ph type="sldNum" sz="quarter" idx="10"/>
+          </p:nvPr>
+        </p:nvSpPr>
+        <p:spPr/>
+        <p:txBody>
+          <a:bodyPr/>
+          <a:lstStyle/>
+          <a:p>
+            <a:fld id="{5270D8FF-7B73-4776-AB67-BDBD3DDB0E26}" type="slidenum">
+              <a:rPr lang="en-US" smtClean="0"/>
+              <a:t>16</a:t>
+            </a:fld>
+            <a:endParaRPr lang="en-US"/>
+          </a:p>
+        </p:txBody>
+      </p:sp>
+    </p:spTree>
+    <p:extLst>
+      <p:ext uri="{BB962C8B-B14F-4D97-AF65-F5344CB8AC3E}">
+        <p14:creationId xmlns:p14="http://schemas.microsoft.com/office/powerpoint/2010/main" val="504132468"/>
+      </p:ext>
+    </p:extLst>
+  </p:cSld>
+  <p:clrMapOvr>
+    <a:masterClrMapping/>
+  </p:clrMapOvr>
+</p:notes>
+</file>
+
+<file path=ppt/notesSlides/notesSlide17.xml><?xml version="1.0" encoding="utf-8"?>
+<p:notes xmlns:a="http://schemas.openxmlformats.org/drawingml/2006/main" xmlns:r="http://schemas.openxmlformats.org/officeDocument/2006/relationships" xmlns:p="http://schemas.openxmlformats.org/presentationml/2006/main">
+  <p:cSld>
+    <p:spTree>
+      <p:nvGrpSpPr>
+        <p:cNvPr id="1" name=""/>
+        <p:cNvGrpSpPr/>
+        <p:nvPr/>
+      </p:nvGrpSpPr>
+      <p:grpSpPr>
+        <a:xfrm>
+          <a:off x="0" y="0"/>
+          <a:ext cx="0" cy="0"/>
+          <a:chOff x="0" y="0"/>
+          <a:chExt cx="0" cy="0"/>
+        </a:xfrm>
+      </p:grpSpPr>
+      <p:sp>
+        <p:nvSpPr>
+          <p:cNvPr id="2" name="Slide Image Placeholder 1"/>
+          <p:cNvSpPr>
+            <a:spLocks noGrp="1" noRot="1" noChangeAspect="1"/>
+          </p:cNvSpPr>
+          <p:nvPr>
+            <p:ph type="sldImg"/>
+          </p:nvPr>
+        </p:nvSpPr>
+        <p:spPr/>
+      </p:sp>
+      <p:sp>
+        <p:nvSpPr>
+          <p:cNvPr id="3" name="Notes Placeholder 2"/>
+          <p:cNvSpPr>
+            <a:spLocks noGrp="1"/>
+          </p:cNvSpPr>
+          <p:nvPr>
+            <p:ph type="body" idx="1"/>
+          </p:nvPr>
+        </p:nvSpPr>
+        <p:spPr/>
+        <p:txBody>
+          <a:bodyPr/>
+          <a:lstStyle/>
+          <a:p>
+            <a:endParaRPr lang="en-US" dirty="0"/>
+          </a:p>
+        </p:txBody>
+      </p:sp>
+      <p:sp>
+        <p:nvSpPr>
+          <p:cNvPr id="4" name="Slide Number Placeholder 3"/>
+          <p:cNvSpPr>
+            <a:spLocks noGrp="1"/>
+          </p:cNvSpPr>
+          <p:nvPr>
+            <p:ph type="sldNum" sz="quarter" idx="10"/>
+          </p:nvPr>
+        </p:nvSpPr>
+        <p:spPr/>
+        <p:txBody>
+          <a:bodyPr/>
+          <a:lstStyle/>
+          <a:p>
+            <a:fld id="{5270D8FF-7B73-4776-AB67-BDBD3DDB0E26}" type="slidenum">
+              <a:rPr lang="en-US" smtClean="0"/>
+              <a:t>17</a:t>
+            </a:fld>
+            <a:endParaRPr lang="en-US"/>
+          </a:p>
+        </p:txBody>
+      </p:sp>
+    </p:spTree>
+    <p:extLst>
+      <p:ext uri="{BB962C8B-B14F-4D97-AF65-F5344CB8AC3E}">
+        <p14:creationId xmlns:p14="http://schemas.microsoft.com/office/powerpoint/2010/main" val="1817341553"/>
+      </p:ext>
+    </p:extLst>
+  </p:cSld>
+  <p:clrMapOvr>
+    <a:masterClrMapping/>
+  </p:clrMapOvr>
+</p:notes>
+</file>
+
+<file path=ppt/notesSlides/notesSlide18.xml><?xml version="1.0" encoding="utf-8"?>
+<p:notes xmlns:a="http://schemas.openxmlformats.org/drawingml/2006/main" xmlns:r="http://schemas.openxmlformats.org/officeDocument/2006/relationships" xmlns:p="http://schemas.openxmlformats.org/presentationml/2006/main">
+  <p:cSld>
+    <p:spTree>
+      <p:nvGrpSpPr>
+        <p:cNvPr id="1" name=""/>
+        <p:cNvGrpSpPr/>
+        <p:nvPr/>
+      </p:nvGrpSpPr>
+      <p:grpSpPr>
+        <a:xfrm>
+          <a:off x="0" y="0"/>
+          <a:ext cx="0" cy="0"/>
+          <a:chOff x="0" y="0"/>
+          <a:chExt cx="0" cy="0"/>
+        </a:xfrm>
+      </p:grpSpPr>
+      <p:sp>
+        <p:nvSpPr>
+          <p:cNvPr id="2" name="Slide Image Placeholder 1"/>
+          <p:cNvSpPr>
+            <a:spLocks noGrp="1" noRot="1" noChangeAspect="1"/>
+          </p:cNvSpPr>
+          <p:nvPr>
+            <p:ph type="sldImg"/>
+          </p:nvPr>
+        </p:nvSpPr>
+        <p:spPr/>
+      </p:sp>
+      <p:sp>
+        <p:nvSpPr>
+          <p:cNvPr id="3" name="Notes Placeholder 2"/>
+          <p:cNvSpPr>
+            <a:spLocks noGrp="1"/>
+          </p:cNvSpPr>
+          <p:nvPr>
+            <p:ph type="body" idx="1"/>
+          </p:nvPr>
+        </p:nvSpPr>
+        <p:spPr/>
+        <p:txBody>
+          <a:bodyPr/>
+          <a:lstStyle/>
+          <a:p>
+            <a:endParaRPr lang="en-US" dirty="0"/>
+          </a:p>
+        </p:txBody>
+      </p:sp>
+      <p:sp>
+        <p:nvSpPr>
+          <p:cNvPr id="4" name="Slide Number Placeholder 3"/>
+          <p:cNvSpPr>
+            <a:spLocks noGrp="1"/>
+          </p:cNvSpPr>
+          <p:nvPr>
+            <p:ph type="sldNum" sz="quarter" idx="10"/>
+          </p:nvPr>
+        </p:nvSpPr>
+        <p:spPr/>
+        <p:txBody>
+          <a:bodyPr/>
+          <a:lstStyle/>
+          <a:p>
+            <a:fld id="{5270D8FF-7B73-4776-AB67-BDBD3DDB0E26}" type="slidenum">
+              <a:rPr lang="en-US" smtClean="0"/>
+              <a:t>18</a:t>
+            </a:fld>
+            <a:endParaRPr lang="en-US"/>
+          </a:p>
+        </p:txBody>
+      </p:sp>
+    </p:spTree>
+    <p:extLst>
+      <p:ext uri="{BB962C8B-B14F-4D97-AF65-F5344CB8AC3E}">
+        <p14:creationId xmlns:p14="http://schemas.microsoft.com/office/powerpoint/2010/main" val="4054415108"/>
+      </p:ext>
+    </p:extLst>
+  </p:cSld>
+  <p:clrMapOvr>
+    <a:masterClrMapping/>
+  </p:clrMapOvr>
+</p:notes>
+</file>
+
+<file path=ppt/notesSlides/notesSlide19.xml><?xml version="1.0" encoding="utf-8"?>
+<p:notes xmlns:a="http://schemas.openxmlformats.org/drawingml/2006/main" xmlns:r="http://schemas.openxmlformats.org/officeDocument/2006/relationships" xmlns:p="http://schemas.openxmlformats.org/presentationml/2006/main">
+  <p:cSld>
+    <p:spTree>
+      <p:nvGrpSpPr>
+        <p:cNvPr id="1" name=""/>
+        <p:cNvGrpSpPr/>
+        <p:nvPr/>
+      </p:nvGrpSpPr>
+      <p:grpSpPr>
+        <a:xfrm>
+          <a:off x="0" y="0"/>
+          <a:ext cx="0" cy="0"/>
+          <a:chOff x="0" y="0"/>
+          <a:chExt cx="0" cy="0"/>
+        </a:xfrm>
+      </p:grpSpPr>
+      <p:sp>
+        <p:nvSpPr>
+          <p:cNvPr id="2" name="Slide Image Placeholder 1"/>
+          <p:cNvSpPr>
+            <a:spLocks noGrp="1" noRot="1" noChangeAspect="1"/>
+          </p:cNvSpPr>
+          <p:nvPr>
+            <p:ph type="sldImg"/>
+          </p:nvPr>
+        </p:nvSpPr>
+        <p:spPr/>
+      </p:sp>
+      <p:sp>
+        <p:nvSpPr>
+          <p:cNvPr id="3" name="Notes Placeholder 2"/>
+          <p:cNvSpPr>
+            <a:spLocks noGrp="1"/>
+          </p:cNvSpPr>
+          <p:nvPr>
+            <p:ph type="body" idx="1"/>
+          </p:nvPr>
+        </p:nvSpPr>
+        <p:spPr/>
+        <p:txBody>
+          <a:bodyPr/>
+          <a:lstStyle/>
+          <a:p>
+            <a:endParaRPr lang="en-US" dirty="0"/>
+          </a:p>
+        </p:txBody>
+      </p:sp>
+      <p:sp>
+        <p:nvSpPr>
+          <p:cNvPr id="4" name="Slide Number Placeholder 3"/>
+          <p:cNvSpPr>
+            <a:spLocks noGrp="1"/>
+          </p:cNvSpPr>
+          <p:nvPr>
+            <p:ph type="sldNum" sz="quarter" idx="10"/>
+          </p:nvPr>
+        </p:nvSpPr>
+        <p:spPr/>
+        <p:txBody>
+          <a:bodyPr/>
+          <a:lstStyle/>
+          <a:p>
+            <a:fld id="{5270D8FF-7B73-4776-AB67-BDBD3DDB0E26}" type="slidenum">
+              <a:rPr lang="en-US" smtClean="0"/>
+              <a:t>19</a:t>
+            </a:fld>
+            <a:endParaRPr lang="en-US"/>
+          </a:p>
+        </p:txBody>
+      </p:sp>
+    </p:spTree>
+    <p:extLst>
+      <p:ext uri="{BB962C8B-B14F-4D97-AF65-F5344CB8AC3E}">
+        <p14:creationId xmlns:p14="http://schemas.microsoft.com/office/powerpoint/2010/main" val="3514470133"/>
       </p:ext>
     </p:extLst>
   </p:cSld>
@@ -619,30 +1472,7 @@
           <a:bodyPr/>
           <a:lstStyle/>
           <a:p>
-            <a:r>
-              <a:rPr lang="en-US" dirty="0"/>
-              <a:t>ARRANGE - creates the conditions necessary to run a test. Setup objects, Variables </a:t>
-            </a:r>
-            <a:r>
-              <a:rPr lang="en-US" dirty="0" err="1"/>
-              <a:t>etc</a:t>
-            </a:r>
-            <a:r>
-              <a:rPr lang="en-US" dirty="0"/>
-              <a:t>…. </a:t>
-            </a:r>
-          </a:p>
-          <a:p>
-            <a:r>
-              <a:rPr lang="en-US" dirty="0"/>
-              <a:t>ACT - Exercises the code</a:t>
-            </a:r>
-          </a:p>
-          <a:p>
-            <a:r>
-              <a:rPr lang="en-US" dirty="0"/>
-              <a:t>ASSERT – Evaluates if the results are what we expect</a:t>
-            </a:r>
+            <a:endParaRPr lang="en-US"/>
           </a:p>
         </p:txBody>
       </p:sp>
@@ -663,7 +1493,7 @@
           <a:p>
             <a:fld id="{5270D8FF-7B73-4776-AB67-BDBD3DDB0E26}" type="slidenum">
               <a:rPr lang="en-US" smtClean="0"/>
-              <a:t>6</a:t>
+              <a:t>2</a:t>
             </a:fld>
             <a:endParaRPr lang="en-US"/>
           </a:p>
@@ -672,7 +1502,259 @@
     </p:spTree>
     <p:extLst>
       <p:ext uri="{BB962C8B-B14F-4D97-AF65-F5344CB8AC3E}">
-        <p14:creationId xmlns:p14="http://schemas.microsoft.com/office/powerpoint/2010/main" val="1772795573"/>
+        <p14:creationId xmlns:p14="http://schemas.microsoft.com/office/powerpoint/2010/main" val="2372506231"/>
+      </p:ext>
+    </p:extLst>
+  </p:cSld>
+  <p:clrMapOvr>
+    <a:masterClrMapping/>
+  </p:clrMapOvr>
+</p:notes>
+</file>
+
+<file path=ppt/notesSlides/notesSlide20.xml><?xml version="1.0" encoding="utf-8"?>
+<p:notes xmlns:a="http://schemas.openxmlformats.org/drawingml/2006/main" xmlns:r="http://schemas.openxmlformats.org/officeDocument/2006/relationships" xmlns:p="http://schemas.openxmlformats.org/presentationml/2006/main">
+  <p:cSld>
+    <p:spTree>
+      <p:nvGrpSpPr>
+        <p:cNvPr id="1" name=""/>
+        <p:cNvGrpSpPr/>
+        <p:nvPr/>
+      </p:nvGrpSpPr>
+      <p:grpSpPr>
+        <a:xfrm>
+          <a:off x="0" y="0"/>
+          <a:ext cx="0" cy="0"/>
+          <a:chOff x="0" y="0"/>
+          <a:chExt cx="0" cy="0"/>
+        </a:xfrm>
+      </p:grpSpPr>
+      <p:sp>
+        <p:nvSpPr>
+          <p:cNvPr id="2" name="Slide Image Placeholder 1"/>
+          <p:cNvSpPr>
+            <a:spLocks noGrp="1" noRot="1" noChangeAspect="1"/>
+          </p:cNvSpPr>
+          <p:nvPr>
+            <p:ph type="sldImg"/>
+          </p:nvPr>
+        </p:nvSpPr>
+        <p:spPr/>
+      </p:sp>
+      <p:sp>
+        <p:nvSpPr>
+          <p:cNvPr id="3" name="Notes Placeholder 2"/>
+          <p:cNvSpPr>
+            <a:spLocks noGrp="1"/>
+          </p:cNvSpPr>
+          <p:nvPr>
+            <p:ph type="body" idx="1"/>
+          </p:nvPr>
+        </p:nvSpPr>
+        <p:spPr/>
+        <p:txBody>
+          <a:bodyPr/>
+          <a:lstStyle/>
+          <a:p>
+            <a:endParaRPr lang="en-US"/>
+          </a:p>
+        </p:txBody>
+      </p:sp>
+      <p:sp>
+        <p:nvSpPr>
+          <p:cNvPr id="4" name="Slide Number Placeholder 3"/>
+          <p:cNvSpPr>
+            <a:spLocks noGrp="1"/>
+          </p:cNvSpPr>
+          <p:nvPr>
+            <p:ph type="sldNum" sz="quarter" idx="10"/>
+          </p:nvPr>
+        </p:nvSpPr>
+        <p:spPr/>
+        <p:txBody>
+          <a:bodyPr/>
+          <a:lstStyle/>
+          <a:p>
+            <a:fld id="{5270D8FF-7B73-4776-AB67-BDBD3DDB0E26}" type="slidenum">
+              <a:rPr lang="en-US" smtClean="0"/>
+              <a:t>20</a:t>
+            </a:fld>
+            <a:endParaRPr lang="en-US"/>
+          </a:p>
+        </p:txBody>
+      </p:sp>
+    </p:spTree>
+    <p:extLst>
+      <p:ext uri="{BB962C8B-B14F-4D97-AF65-F5344CB8AC3E}">
+        <p14:creationId xmlns:p14="http://schemas.microsoft.com/office/powerpoint/2010/main" val="403115966"/>
+      </p:ext>
+    </p:extLst>
+  </p:cSld>
+  <p:clrMapOvr>
+    <a:masterClrMapping/>
+  </p:clrMapOvr>
+</p:notes>
+</file>
+
+<file path=ppt/notesSlides/notesSlide21.xml><?xml version="1.0" encoding="utf-8"?>
+<p:notes xmlns:a="http://schemas.openxmlformats.org/drawingml/2006/main" xmlns:r="http://schemas.openxmlformats.org/officeDocument/2006/relationships" xmlns:p="http://schemas.openxmlformats.org/presentationml/2006/main">
+  <p:cSld>
+    <p:spTree>
+      <p:nvGrpSpPr>
+        <p:cNvPr id="1" name=""/>
+        <p:cNvGrpSpPr/>
+        <p:nvPr/>
+      </p:nvGrpSpPr>
+      <p:grpSpPr>
+        <a:xfrm>
+          <a:off x="0" y="0"/>
+          <a:ext cx="0" cy="0"/>
+          <a:chOff x="0" y="0"/>
+          <a:chExt cx="0" cy="0"/>
+        </a:xfrm>
+      </p:grpSpPr>
+      <p:sp>
+        <p:nvSpPr>
+          <p:cNvPr id="2" name="Slide Image Placeholder 1"/>
+          <p:cNvSpPr>
+            <a:spLocks noGrp="1" noRot="1" noChangeAspect="1"/>
+          </p:cNvSpPr>
+          <p:nvPr>
+            <p:ph type="sldImg"/>
+          </p:nvPr>
+        </p:nvSpPr>
+        <p:spPr/>
+      </p:sp>
+      <p:sp>
+        <p:nvSpPr>
+          <p:cNvPr id="3" name="Notes Placeholder 2"/>
+          <p:cNvSpPr>
+            <a:spLocks noGrp="1"/>
+          </p:cNvSpPr>
+          <p:nvPr>
+            <p:ph type="body" idx="1"/>
+          </p:nvPr>
+        </p:nvSpPr>
+        <p:spPr/>
+        <p:txBody>
+          <a:bodyPr/>
+          <a:lstStyle/>
+          <a:p>
+            <a:endParaRPr lang="en-US"/>
+          </a:p>
+        </p:txBody>
+      </p:sp>
+      <p:sp>
+        <p:nvSpPr>
+          <p:cNvPr id="4" name="Slide Number Placeholder 3"/>
+          <p:cNvSpPr>
+            <a:spLocks noGrp="1"/>
+          </p:cNvSpPr>
+          <p:nvPr>
+            <p:ph type="sldNum" sz="quarter" idx="10"/>
+          </p:nvPr>
+        </p:nvSpPr>
+        <p:spPr/>
+        <p:txBody>
+          <a:bodyPr/>
+          <a:lstStyle/>
+          <a:p>
+            <a:fld id="{5270D8FF-7B73-4776-AB67-BDBD3DDB0E26}" type="slidenum">
+              <a:rPr lang="en-US" smtClean="0"/>
+              <a:t>21</a:t>
+            </a:fld>
+            <a:endParaRPr lang="en-US"/>
+          </a:p>
+        </p:txBody>
+      </p:sp>
+    </p:spTree>
+    <p:extLst>
+      <p:ext uri="{BB962C8B-B14F-4D97-AF65-F5344CB8AC3E}">
+        <p14:creationId xmlns:p14="http://schemas.microsoft.com/office/powerpoint/2010/main" val="3795951469"/>
+      </p:ext>
+    </p:extLst>
+  </p:cSld>
+  <p:clrMapOvr>
+    <a:masterClrMapping/>
+  </p:clrMapOvr>
+</p:notes>
+</file>
+
+<file path=ppt/notesSlides/notesSlide22.xml><?xml version="1.0" encoding="utf-8"?>
+<p:notes xmlns:a="http://schemas.openxmlformats.org/drawingml/2006/main" xmlns:r="http://schemas.openxmlformats.org/officeDocument/2006/relationships" xmlns:p="http://schemas.openxmlformats.org/presentationml/2006/main">
+  <p:cSld>
+    <p:spTree>
+      <p:nvGrpSpPr>
+        <p:cNvPr id="1" name=""/>
+        <p:cNvGrpSpPr/>
+        <p:nvPr/>
+      </p:nvGrpSpPr>
+      <p:grpSpPr>
+        <a:xfrm>
+          <a:off x="0" y="0"/>
+          <a:ext cx="0" cy="0"/>
+          <a:chOff x="0" y="0"/>
+          <a:chExt cx="0" cy="0"/>
+        </a:xfrm>
+      </p:grpSpPr>
+      <p:sp>
+        <p:nvSpPr>
+          <p:cNvPr id="2" name="Slide Image Placeholder 1"/>
+          <p:cNvSpPr>
+            <a:spLocks noGrp="1" noRot="1" noChangeAspect="1"/>
+          </p:cNvSpPr>
+          <p:nvPr>
+            <p:ph type="sldImg"/>
+          </p:nvPr>
+        </p:nvSpPr>
+        <p:spPr/>
+      </p:sp>
+      <p:sp>
+        <p:nvSpPr>
+          <p:cNvPr id="3" name="Notes Placeholder 2"/>
+          <p:cNvSpPr>
+            <a:spLocks noGrp="1"/>
+          </p:cNvSpPr>
+          <p:nvPr>
+            <p:ph type="body" idx="1"/>
+          </p:nvPr>
+        </p:nvSpPr>
+        <p:spPr/>
+        <p:txBody>
+          <a:bodyPr/>
+          <a:lstStyle/>
+          <a:p>
+            <a:endParaRPr lang="en-US"/>
+          </a:p>
+        </p:txBody>
+      </p:sp>
+      <p:sp>
+        <p:nvSpPr>
+          <p:cNvPr id="4" name="Slide Number Placeholder 3"/>
+          <p:cNvSpPr>
+            <a:spLocks noGrp="1"/>
+          </p:cNvSpPr>
+          <p:nvPr>
+            <p:ph type="sldNum" sz="quarter" idx="10"/>
+          </p:nvPr>
+        </p:nvSpPr>
+        <p:spPr/>
+        <p:txBody>
+          <a:bodyPr/>
+          <a:lstStyle/>
+          <a:p>
+            <a:fld id="{5270D8FF-7B73-4776-AB67-BDBD3DDB0E26}" type="slidenum">
+              <a:rPr lang="en-US" smtClean="0"/>
+              <a:t>22</a:t>
+            </a:fld>
+            <a:endParaRPr lang="en-US"/>
+          </a:p>
+        </p:txBody>
+      </p:sp>
+    </p:spTree>
+    <p:extLst>
+      <p:ext uri="{BB962C8B-B14F-4D97-AF65-F5344CB8AC3E}">
+        <p14:creationId xmlns:p14="http://schemas.microsoft.com/office/powerpoint/2010/main" val="3756456109"/>
       </p:ext>
     </p:extLst>
   </p:cSld>
@@ -726,134 +1808,7 @@
           <a:bodyPr/>
           <a:lstStyle/>
           <a:p>
-            <a:pPr marL="228600" indent="-228600">
-              <a:buAutoNum type="arabicParenR"/>
-            </a:pPr>
-            <a:r>
-              <a:rPr lang="en-US" b="1" dirty="0"/>
-              <a:t>FIND BUGS EARLY:</a:t>
-            </a:r>
-            <a:r>
-              <a:rPr lang="en-US" dirty="0"/>
-              <a:t>  The earlier you find a bug the better you can build a solution to accommodate them.  Early bugs will often encourage or challenge your coding and design. Early bugs may change the trajectory of your solution.  Bugs caught earlier are less expensive than bugs caught late. </a:t>
-            </a:r>
-          </a:p>
-          <a:p>
-            <a:pPr marL="228600" indent="-228600">
-              <a:buAutoNum type="arabicParenR"/>
-            </a:pPr>
-            <a:r>
-              <a:rPr lang="en-US" b="1" dirty="0"/>
-              <a:t>FACILITATE CHANGE: </a:t>
-            </a:r>
-            <a:r>
-              <a:rPr lang="en-US" dirty="0"/>
-              <a:t> Change happens, and having a code base that with a complete set of solid unit tests, help the developer change a code base and know exactly when and where more change is needed. </a:t>
-            </a:r>
-            <a:endParaRPr lang="en-US" b="1" dirty="0"/>
-          </a:p>
-          <a:p>
-            <a:pPr marL="228600" indent="-228600">
-              <a:buAutoNum type="arabicParenR"/>
-            </a:pPr>
-            <a:r>
-              <a:rPr lang="en-US" b="1" dirty="0"/>
-              <a:t>LIVING DOCUMENTATION:</a:t>
-            </a:r>
-            <a:r>
-              <a:rPr lang="en-US" dirty="0"/>
-              <a:t> Often times, requirements are documented in Unit tests.  However, we all know requirements can change.  TDD starts with the Unit test and builds the code second.  A business requirement might be that a credit card number needs to exclude the dashes. A unit test for credit card formatting would be created to enforce this rule.  If a future change to that requirement was created, the unit test would be updated to reflect.  Unit test could likely indicate what parts of the code were most critical to the users/stakeholders.</a:t>
-            </a:r>
-          </a:p>
-          <a:p>
-            <a:pPr marL="228600" indent="-228600">
-              <a:buAutoNum type="arabicParenR"/>
-            </a:pPr>
-            <a:r>
-              <a:rPr lang="en-US" b="1" dirty="0"/>
-              <a:t>INCREASE CODE QUALITY:  </a:t>
-            </a:r>
-            <a:r>
-              <a:rPr lang="en-US" b="0" dirty="0"/>
-              <a:t>Unit tests set the foundation for better code quality.  They encourage future developers to really consider deep changes to the code when they have to change both the source code itself and re-work unit tests. If a simple change to an algorithm causes 14 unit tests to fail, the future developer may pause and consider what they are doing. </a:t>
-            </a:r>
-          </a:p>
-          <a:p>
-            <a:pPr marL="228600" indent="-228600">
-              <a:buAutoNum type="arabicParenR"/>
-            </a:pPr>
-            <a:r>
-              <a:rPr lang="en-US" b="1" dirty="0"/>
-              <a:t>DESIGN BETTER CODE:  </a:t>
-            </a:r>
-            <a:r>
-              <a:rPr lang="en-US" b="0" dirty="0"/>
-              <a:t> If the code is too unwieldy to be unit tested then it MUST be re-done. Unit Testing encourages code to be created in an atomic fashion.  This leads to smaller solid parts rather than monolithic behemoths of code.</a:t>
-            </a:r>
-          </a:p>
-          <a:p>
-            <a:pPr marL="228600" indent="-228600">
-              <a:buAutoNum type="arabicParenR"/>
-            </a:pPr>
-            <a:r>
-              <a:rPr lang="en-US" b="1" dirty="0"/>
-              <a:t>SLEEP BETTER:</a:t>
-            </a:r>
-            <a:r>
-              <a:rPr lang="en-US" b="0" dirty="0"/>
-              <a:t>  - Unit testing provides the developer with a good level of comfort that their code is doing exactly what they’ve built it to do. Unit testing provides tangible metrics. </a:t>
-            </a:r>
-          </a:p>
-          <a:p>
-            <a:pPr marL="685800" lvl="1" indent="-228600">
-              <a:buAutoNum type="arabicParenR"/>
-            </a:pPr>
-            <a:r>
-              <a:rPr lang="en-US" b="0" dirty="0"/>
-              <a:t>98% code Coverage</a:t>
-            </a:r>
-          </a:p>
-          <a:p>
-            <a:pPr marL="685800" lvl="1" indent="-228600">
-              <a:buAutoNum type="arabicParenR"/>
-            </a:pPr>
-            <a:r>
-              <a:rPr lang="en-US" b="0" dirty="0"/>
-              <a:t>292 Tests Passed</a:t>
-            </a:r>
-          </a:p>
-          <a:p>
-            <a:pPr marL="457200" lvl="1" indent="0">
-              <a:buNone/>
-            </a:pPr>
-            <a:endParaRPr lang="en-US" b="0" dirty="0"/>
-          </a:p>
-          <a:p>
-            <a:pPr marL="457200" lvl="1" indent="0">
-              <a:buNone/>
-            </a:pPr>
-            <a:r>
-              <a:rPr lang="en-US" b="0" dirty="0"/>
-              <a:t> If the function is supposed to format a name in a certain way and the all unit tests pass, then you know it’s doing what it was created to do. </a:t>
-            </a:r>
-          </a:p>
-          <a:p>
-            <a:pPr marL="228600" indent="-228600">
-              <a:buAutoNum type="arabicParenR"/>
-            </a:pPr>
-            <a:endParaRPr lang="en-US" b="1" dirty="0"/>
-          </a:p>
-          <a:p>
-            <a:pPr marL="228600" indent="-228600">
-              <a:buAutoNum type="arabicParenR"/>
-            </a:pPr>
-            <a:endParaRPr lang="en-US" b="1" dirty="0"/>
-          </a:p>
-          <a:p>
-            <a:pPr marL="228600" indent="-228600">
-              <a:buAutoNum type="arabicParenR"/>
-            </a:pPr>
-            <a:endParaRPr lang="en-US" dirty="0"/>
+            <a:endParaRPr lang="en-US"/>
           </a:p>
         </p:txBody>
       </p:sp>
@@ -874,7 +1829,7 @@
           <a:p>
             <a:fld id="{5270D8FF-7B73-4776-AB67-BDBD3DDB0E26}" type="slidenum">
               <a:rPr lang="en-US" smtClean="0"/>
-              <a:t>8</a:t>
+              <a:t>3</a:t>
             </a:fld>
             <a:endParaRPr lang="en-US"/>
           </a:p>
@@ -883,7 +1838,7 @@
     </p:spTree>
     <p:extLst>
       <p:ext uri="{BB962C8B-B14F-4D97-AF65-F5344CB8AC3E}">
-        <p14:creationId xmlns:p14="http://schemas.microsoft.com/office/powerpoint/2010/main" val="107509684"/>
+        <p14:creationId xmlns:p14="http://schemas.microsoft.com/office/powerpoint/2010/main" val="700769294"/>
       </p:ext>
     </p:extLst>
   </p:cSld>
@@ -937,58 +1892,7 @@
           <a:bodyPr/>
           <a:lstStyle/>
           <a:p>
-            <a:pPr marL="228600" indent="-228600">
-              <a:buAutoNum type="arabicParenR"/>
-            </a:pPr>
-            <a:r>
-              <a:rPr lang="en-US" b="1" dirty="0"/>
-              <a:t>AUTMOTATION:</a:t>
-            </a:r>
-            <a:r>
-              <a:rPr lang="en-US" dirty="0"/>
-              <a:t>  The first step in automating solutions begins with Unit Tests.  Without unit tests poor code would be automatically pushed to users. Without unit tests systems become brittle and prone to breaking.</a:t>
-            </a:r>
-          </a:p>
-          <a:p>
-            <a:pPr marL="685800" lvl="1" indent="-228600">
-              <a:buAutoNum type="arabicParenR"/>
-            </a:pPr>
-            <a:r>
-              <a:rPr lang="en-US" dirty="0"/>
-              <a:t>Continuous Integration ---  Is the Automatic triggering and building of code in a source repository.</a:t>
-            </a:r>
-          </a:p>
-          <a:p>
-            <a:pPr marL="685800" lvl="1" indent="-228600">
-              <a:buAutoNum type="arabicParenR"/>
-            </a:pPr>
-            <a:r>
-              <a:rPr lang="en-US" dirty="0"/>
-              <a:t>Continuous Deployment --- is the Automatic Deployment of a solution based upon a set of </a:t>
-            </a:r>
-            <a:r>
-              <a:rPr lang="en-US" dirty="0" err="1"/>
-              <a:t>critera</a:t>
-            </a:r>
-            <a:r>
-              <a:rPr lang="en-US" dirty="0"/>
-              <a:t>/inputs.</a:t>
-            </a:r>
-          </a:p>
-          <a:p>
-            <a:pPr marL="685800" lvl="1" indent="-228600">
-              <a:buAutoNum type="arabicParenR"/>
-            </a:pPr>
-            <a:r>
-              <a:rPr lang="en-US" dirty="0"/>
-              <a:t>The Blame Game…..</a:t>
-            </a:r>
-          </a:p>
-          <a:p>
-            <a:pPr marL="685800" lvl="1" indent="-228600">
-              <a:buAutoNum type="arabicParenR"/>
-            </a:pPr>
-            <a:endParaRPr lang="en-US" dirty="0"/>
+            <a:endParaRPr lang="en-US"/>
           </a:p>
         </p:txBody>
       </p:sp>
@@ -1009,7 +1913,7 @@
           <a:p>
             <a:fld id="{5270D8FF-7B73-4776-AB67-BDBD3DDB0E26}" type="slidenum">
               <a:rPr lang="en-US" smtClean="0"/>
-              <a:t>9</a:t>
+              <a:t>4</a:t>
             </a:fld>
             <a:endParaRPr lang="en-US"/>
           </a:p>
@@ -1018,7 +1922,7 @@
     </p:spTree>
     <p:extLst>
       <p:ext uri="{BB962C8B-B14F-4D97-AF65-F5344CB8AC3E}">
-        <p14:creationId xmlns:p14="http://schemas.microsoft.com/office/powerpoint/2010/main" val="1272690924"/>
+        <p14:creationId xmlns:p14="http://schemas.microsoft.com/office/powerpoint/2010/main" val="4248019480"/>
       </p:ext>
     </p:extLst>
   </p:cSld>
@@ -1072,7 +1976,30 @@
           <a:bodyPr/>
           <a:lstStyle/>
           <a:p>
-            <a:endParaRPr lang="en-US" dirty="0"/>
+            <a:r>
+              <a:rPr lang="en-US" dirty="0"/>
+              <a:t>ARRANGE - creates the conditions necessary to run a test. Setup objects, Variables </a:t>
+            </a:r>
+            <a:r>
+              <a:rPr lang="en-US" dirty="0" err="1"/>
+              <a:t>etc</a:t>
+            </a:r>
+            <a:r>
+              <a:rPr lang="en-US" dirty="0"/>
+              <a:t>…. </a:t>
+            </a:r>
+          </a:p>
+          <a:p>
+            <a:r>
+              <a:rPr lang="en-US" dirty="0"/>
+              <a:t>ACT - Exercises the code</a:t>
+            </a:r>
+          </a:p>
+          <a:p>
+            <a:r>
+              <a:rPr lang="en-US" dirty="0"/>
+              <a:t>ASSERT – Evaluates if the results are what we expect</a:t>
+            </a:r>
           </a:p>
         </p:txBody>
       </p:sp>
@@ -1093,7 +2020,7 @@
           <a:p>
             <a:fld id="{5270D8FF-7B73-4776-AB67-BDBD3DDB0E26}" type="slidenum">
               <a:rPr lang="en-US" smtClean="0"/>
-              <a:t>14</a:t>
+              <a:t>5</a:t>
             </a:fld>
             <a:endParaRPr lang="en-US"/>
           </a:p>
@@ -1102,7 +2029,526 @@
     </p:spTree>
     <p:extLst>
       <p:ext uri="{BB962C8B-B14F-4D97-AF65-F5344CB8AC3E}">
-        <p14:creationId xmlns:p14="http://schemas.microsoft.com/office/powerpoint/2010/main" val="3389327606"/>
+        <p14:creationId xmlns:p14="http://schemas.microsoft.com/office/powerpoint/2010/main" val="1772795573"/>
+      </p:ext>
+    </p:extLst>
+  </p:cSld>
+  <p:clrMapOvr>
+    <a:masterClrMapping/>
+  </p:clrMapOvr>
+</p:notes>
+</file>
+
+<file path=ppt/notesSlides/notesSlide6.xml><?xml version="1.0" encoding="utf-8"?>
+<p:notes xmlns:a="http://schemas.openxmlformats.org/drawingml/2006/main" xmlns:r="http://schemas.openxmlformats.org/officeDocument/2006/relationships" xmlns:p="http://schemas.openxmlformats.org/presentationml/2006/main">
+  <p:cSld>
+    <p:spTree>
+      <p:nvGrpSpPr>
+        <p:cNvPr id="1" name=""/>
+        <p:cNvGrpSpPr/>
+        <p:nvPr/>
+      </p:nvGrpSpPr>
+      <p:grpSpPr>
+        <a:xfrm>
+          <a:off x="0" y="0"/>
+          <a:ext cx="0" cy="0"/>
+          <a:chOff x="0" y="0"/>
+          <a:chExt cx="0" cy="0"/>
+        </a:xfrm>
+      </p:grpSpPr>
+      <p:sp>
+        <p:nvSpPr>
+          <p:cNvPr id="2" name="Slide Image Placeholder 1"/>
+          <p:cNvSpPr>
+            <a:spLocks noGrp="1" noRot="1" noChangeAspect="1"/>
+          </p:cNvSpPr>
+          <p:nvPr>
+            <p:ph type="sldImg"/>
+          </p:nvPr>
+        </p:nvSpPr>
+        <p:spPr/>
+      </p:sp>
+      <p:sp>
+        <p:nvSpPr>
+          <p:cNvPr id="3" name="Notes Placeholder 2"/>
+          <p:cNvSpPr>
+            <a:spLocks noGrp="1"/>
+          </p:cNvSpPr>
+          <p:nvPr>
+            <p:ph type="body" idx="1"/>
+          </p:nvPr>
+        </p:nvSpPr>
+        <p:spPr/>
+        <p:txBody>
+          <a:bodyPr/>
+          <a:lstStyle/>
+          <a:p>
+            <a:endParaRPr lang="en-US"/>
+          </a:p>
+        </p:txBody>
+      </p:sp>
+      <p:sp>
+        <p:nvSpPr>
+          <p:cNvPr id="4" name="Slide Number Placeholder 3"/>
+          <p:cNvSpPr>
+            <a:spLocks noGrp="1"/>
+          </p:cNvSpPr>
+          <p:nvPr>
+            <p:ph type="sldNum" sz="quarter" idx="10"/>
+          </p:nvPr>
+        </p:nvSpPr>
+        <p:spPr/>
+        <p:txBody>
+          <a:bodyPr/>
+          <a:lstStyle/>
+          <a:p>
+            <a:fld id="{5270D8FF-7B73-4776-AB67-BDBD3DDB0E26}" type="slidenum">
+              <a:rPr lang="en-US" smtClean="0"/>
+              <a:t>6</a:t>
+            </a:fld>
+            <a:endParaRPr lang="en-US"/>
+          </a:p>
+        </p:txBody>
+      </p:sp>
+    </p:spTree>
+    <p:extLst>
+      <p:ext uri="{BB962C8B-B14F-4D97-AF65-F5344CB8AC3E}">
+        <p14:creationId xmlns:p14="http://schemas.microsoft.com/office/powerpoint/2010/main" val="2014378561"/>
+      </p:ext>
+    </p:extLst>
+  </p:cSld>
+  <p:clrMapOvr>
+    <a:masterClrMapping/>
+  </p:clrMapOvr>
+</p:notes>
+</file>
+
+<file path=ppt/notesSlides/notesSlide7.xml><?xml version="1.0" encoding="utf-8"?>
+<p:notes xmlns:a="http://schemas.openxmlformats.org/drawingml/2006/main" xmlns:r="http://schemas.openxmlformats.org/officeDocument/2006/relationships" xmlns:p="http://schemas.openxmlformats.org/presentationml/2006/main">
+  <p:cSld>
+    <p:spTree>
+      <p:nvGrpSpPr>
+        <p:cNvPr id="1" name=""/>
+        <p:cNvGrpSpPr/>
+        <p:nvPr/>
+      </p:nvGrpSpPr>
+      <p:grpSpPr>
+        <a:xfrm>
+          <a:off x="0" y="0"/>
+          <a:ext cx="0" cy="0"/>
+          <a:chOff x="0" y="0"/>
+          <a:chExt cx="0" cy="0"/>
+        </a:xfrm>
+      </p:grpSpPr>
+      <p:sp>
+        <p:nvSpPr>
+          <p:cNvPr id="2" name="Slide Image Placeholder 1"/>
+          <p:cNvSpPr>
+            <a:spLocks noGrp="1" noRot="1" noChangeAspect="1"/>
+          </p:cNvSpPr>
+          <p:nvPr>
+            <p:ph type="sldImg"/>
+          </p:nvPr>
+        </p:nvSpPr>
+        <p:spPr/>
+      </p:sp>
+      <p:sp>
+        <p:nvSpPr>
+          <p:cNvPr id="3" name="Notes Placeholder 2"/>
+          <p:cNvSpPr>
+            <a:spLocks noGrp="1"/>
+          </p:cNvSpPr>
+          <p:nvPr>
+            <p:ph type="body" idx="1"/>
+          </p:nvPr>
+        </p:nvSpPr>
+        <p:spPr/>
+        <p:txBody>
+          <a:bodyPr/>
+          <a:lstStyle/>
+          <a:p>
+            <a:pPr marL="232943" indent="-232943">
+              <a:buAutoNum type="arabicParenR"/>
+            </a:pPr>
+            <a:r>
+              <a:rPr lang="en-US" b="1" dirty="0"/>
+              <a:t>FIND BUGS EARLY:</a:t>
+            </a:r>
+            <a:r>
+              <a:rPr lang="en-US" dirty="0"/>
+              <a:t>  The earlier you find a bug the better you can build a solution to accommodate them.  Early bugs will often encourage or challenge your coding and design. Early bugs may change the trajectory of your solution.  Bugs caught earlier are less expensive than bugs caught late. </a:t>
+            </a:r>
+          </a:p>
+          <a:p>
+            <a:pPr marL="232943" indent="-232943">
+              <a:buAutoNum type="arabicParenR"/>
+            </a:pPr>
+            <a:r>
+              <a:rPr lang="en-US" b="1" dirty="0"/>
+              <a:t>FACILITATE CHANGE: </a:t>
+            </a:r>
+            <a:r>
+              <a:rPr lang="en-US" dirty="0"/>
+              <a:t> Change happens, and having a code base that with a complete set of solid unit tests, help the developer change a code base and know exactly when and where more change is needed. </a:t>
+            </a:r>
+            <a:endParaRPr lang="en-US" b="1" dirty="0"/>
+          </a:p>
+          <a:p>
+            <a:pPr marL="232943" indent="-232943">
+              <a:buAutoNum type="arabicParenR"/>
+            </a:pPr>
+            <a:r>
+              <a:rPr lang="en-US" b="1" dirty="0"/>
+              <a:t>LIVING DOCUMENTATION:</a:t>
+            </a:r>
+            <a:r>
+              <a:rPr lang="en-US" dirty="0"/>
+              <a:t> Often times, requirements are documented in Unit tests.  However, we all know requirements can change.  TDD starts with the Unit test and builds the code second.  A business requirement might be that a credit card number needs to exclude the dashes. A unit test for credit card formatting would be created to enforce this rule.  If a future change to that requirement was created, the unit test would be updated to reflect.  Unit test could likely indicate what parts of the code were most critical to the users/stakeholders.</a:t>
+            </a:r>
+          </a:p>
+          <a:p>
+            <a:pPr marL="232943" indent="-232943">
+              <a:buAutoNum type="arabicParenR"/>
+            </a:pPr>
+            <a:r>
+              <a:rPr lang="en-US" b="1" dirty="0"/>
+              <a:t>INCREASE CODE QUALITY:  </a:t>
+            </a:r>
+            <a:r>
+              <a:rPr lang="en-US" b="0" dirty="0"/>
+              <a:t>Unit tests set the foundation for better code quality.  They encourage future developers to really consider deep changes to the code when they have to change both the source code itself and re-work unit tests. If a simple change to an algorithm causes 14 unit tests to fail, the future developer may pause and consider what they are doing. </a:t>
+            </a:r>
+          </a:p>
+          <a:p>
+            <a:pPr marL="232943" indent="-232943">
+              <a:buAutoNum type="arabicParenR"/>
+            </a:pPr>
+            <a:r>
+              <a:rPr lang="en-US" b="1" dirty="0"/>
+              <a:t>DESIGN BETTER CODE:  </a:t>
+            </a:r>
+            <a:r>
+              <a:rPr lang="en-US" b="0" dirty="0"/>
+              <a:t> If the code is too unwieldy to be unit tested then it MUST be re-done. Unit Testing encourages code to be created in an atomic fashion.  This leads to smaller solid parts rather than monolithic behemoths of code.</a:t>
+            </a:r>
+          </a:p>
+          <a:p>
+            <a:pPr marL="232943" indent="-232943">
+              <a:buAutoNum type="arabicParenR"/>
+            </a:pPr>
+            <a:r>
+              <a:rPr lang="en-US" b="1" dirty="0"/>
+              <a:t>SLEEP BETTER:</a:t>
+            </a:r>
+            <a:r>
+              <a:rPr lang="en-US" b="0" dirty="0"/>
+              <a:t>  - Unit testing provides the developer with a good level of comfort that their code is doing exactly what they’ve built it to do. Unit testing provides tangible metrics. </a:t>
+            </a:r>
+          </a:p>
+          <a:p>
+            <a:pPr marL="698830" lvl="1" indent="-232943">
+              <a:buAutoNum type="arabicParenR"/>
+            </a:pPr>
+            <a:r>
+              <a:rPr lang="en-US" b="0" dirty="0"/>
+              <a:t>98% code Coverage</a:t>
+            </a:r>
+          </a:p>
+          <a:p>
+            <a:pPr marL="698830" lvl="1" indent="-232943">
+              <a:buAutoNum type="arabicParenR"/>
+            </a:pPr>
+            <a:r>
+              <a:rPr lang="en-US" b="0" dirty="0"/>
+              <a:t>292 Tests Passed</a:t>
+            </a:r>
+          </a:p>
+          <a:p>
+            <a:pPr marL="465887" lvl="1"/>
+            <a:endParaRPr lang="en-US" b="0" dirty="0"/>
+          </a:p>
+          <a:p>
+            <a:pPr marL="465887" lvl="1"/>
+            <a:r>
+              <a:rPr lang="en-US" b="0" dirty="0"/>
+              <a:t> If the function is supposed to format a name in a certain way and the all unit tests pass, then you know it’s doing what it was created to do. </a:t>
+            </a:r>
+          </a:p>
+          <a:p>
+            <a:pPr marL="232943" indent="-232943">
+              <a:buAutoNum type="arabicParenR"/>
+            </a:pPr>
+            <a:endParaRPr lang="en-US" b="1" dirty="0"/>
+          </a:p>
+          <a:p>
+            <a:pPr marL="232943" indent="-232943">
+              <a:buAutoNum type="arabicParenR"/>
+            </a:pPr>
+            <a:endParaRPr lang="en-US" b="1" dirty="0"/>
+          </a:p>
+          <a:p>
+            <a:pPr marL="232943" indent="-232943">
+              <a:buAutoNum type="arabicParenR"/>
+            </a:pPr>
+            <a:endParaRPr lang="en-US" dirty="0"/>
+          </a:p>
+        </p:txBody>
+      </p:sp>
+      <p:sp>
+        <p:nvSpPr>
+          <p:cNvPr id="4" name="Slide Number Placeholder 3"/>
+          <p:cNvSpPr>
+            <a:spLocks noGrp="1"/>
+          </p:cNvSpPr>
+          <p:nvPr>
+            <p:ph type="sldNum" sz="quarter" idx="10"/>
+          </p:nvPr>
+        </p:nvSpPr>
+        <p:spPr/>
+        <p:txBody>
+          <a:bodyPr/>
+          <a:lstStyle/>
+          <a:p>
+            <a:fld id="{5270D8FF-7B73-4776-AB67-BDBD3DDB0E26}" type="slidenum">
+              <a:rPr lang="en-US" smtClean="0"/>
+              <a:t>7</a:t>
+            </a:fld>
+            <a:endParaRPr lang="en-US"/>
+          </a:p>
+        </p:txBody>
+      </p:sp>
+    </p:spTree>
+    <p:extLst>
+      <p:ext uri="{BB962C8B-B14F-4D97-AF65-F5344CB8AC3E}">
+        <p14:creationId xmlns:p14="http://schemas.microsoft.com/office/powerpoint/2010/main" val="107509684"/>
+      </p:ext>
+    </p:extLst>
+  </p:cSld>
+  <p:clrMapOvr>
+    <a:masterClrMapping/>
+  </p:clrMapOvr>
+</p:notes>
+</file>
+
+<file path=ppt/notesSlides/notesSlide8.xml><?xml version="1.0" encoding="utf-8"?>
+<p:notes xmlns:a="http://schemas.openxmlformats.org/drawingml/2006/main" xmlns:r="http://schemas.openxmlformats.org/officeDocument/2006/relationships" xmlns:p="http://schemas.openxmlformats.org/presentationml/2006/main">
+  <p:cSld>
+    <p:spTree>
+      <p:nvGrpSpPr>
+        <p:cNvPr id="1" name=""/>
+        <p:cNvGrpSpPr/>
+        <p:nvPr/>
+      </p:nvGrpSpPr>
+      <p:grpSpPr>
+        <a:xfrm>
+          <a:off x="0" y="0"/>
+          <a:ext cx="0" cy="0"/>
+          <a:chOff x="0" y="0"/>
+          <a:chExt cx="0" cy="0"/>
+        </a:xfrm>
+      </p:grpSpPr>
+      <p:sp>
+        <p:nvSpPr>
+          <p:cNvPr id="2" name="Slide Image Placeholder 1"/>
+          <p:cNvSpPr>
+            <a:spLocks noGrp="1" noRot="1" noChangeAspect="1"/>
+          </p:cNvSpPr>
+          <p:nvPr>
+            <p:ph type="sldImg"/>
+          </p:nvPr>
+        </p:nvSpPr>
+        <p:spPr/>
+      </p:sp>
+      <p:sp>
+        <p:nvSpPr>
+          <p:cNvPr id="3" name="Notes Placeholder 2"/>
+          <p:cNvSpPr>
+            <a:spLocks noGrp="1"/>
+          </p:cNvSpPr>
+          <p:nvPr>
+            <p:ph type="body" idx="1"/>
+          </p:nvPr>
+        </p:nvSpPr>
+        <p:spPr/>
+        <p:txBody>
+          <a:bodyPr/>
+          <a:lstStyle/>
+          <a:p>
+            <a:pPr marL="232943" indent="-232943">
+              <a:buAutoNum type="arabicParenR"/>
+            </a:pPr>
+            <a:r>
+              <a:rPr lang="en-US" b="1" dirty="0"/>
+              <a:t>AUTMOTATION:</a:t>
+            </a:r>
+            <a:r>
+              <a:rPr lang="en-US" dirty="0"/>
+              <a:t>  The first step in automating solutions begins with Unit Tests.  Without unit tests poor code would be automatically pushed to users. Without unit tests systems become brittle and prone to breaking.</a:t>
+            </a:r>
+          </a:p>
+          <a:p>
+            <a:pPr marL="698830" lvl="1" indent="-232943">
+              <a:buAutoNum type="arabicParenR"/>
+            </a:pPr>
+            <a:r>
+              <a:rPr lang="en-US" dirty="0"/>
+              <a:t>Continuous Integration ---  Is the Automatic triggering and building of code in a source repository.</a:t>
+            </a:r>
+          </a:p>
+          <a:p>
+            <a:pPr marL="698830" lvl="1" indent="-232943">
+              <a:buAutoNum type="arabicParenR"/>
+            </a:pPr>
+            <a:r>
+              <a:rPr lang="en-US" dirty="0"/>
+              <a:t>Continuous Deployment --- is the Automatic Deployment of a solution based upon a set of </a:t>
+            </a:r>
+            <a:r>
+              <a:rPr lang="en-US" dirty="0" err="1"/>
+              <a:t>critera</a:t>
+            </a:r>
+            <a:r>
+              <a:rPr lang="en-US" dirty="0"/>
+              <a:t>/inputs.</a:t>
+            </a:r>
+          </a:p>
+          <a:p>
+            <a:pPr marL="698830" lvl="1" indent="-232943">
+              <a:buAutoNum type="arabicParenR"/>
+            </a:pPr>
+            <a:r>
+              <a:rPr lang="en-US" dirty="0"/>
+              <a:t>The Blame Game…..</a:t>
+            </a:r>
+          </a:p>
+          <a:p>
+            <a:pPr marL="698830" lvl="1" indent="-232943">
+              <a:buAutoNum type="arabicParenR"/>
+            </a:pPr>
+            <a:endParaRPr lang="en-US" dirty="0"/>
+          </a:p>
+        </p:txBody>
+      </p:sp>
+      <p:sp>
+        <p:nvSpPr>
+          <p:cNvPr id="4" name="Slide Number Placeholder 3"/>
+          <p:cNvSpPr>
+            <a:spLocks noGrp="1"/>
+          </p:cNvSpPr>
+          <p:nvPr>
+            <p:ph type="sldNum" sz="quarter" idx="10"/>
+          </p:nvPr>
+        </p:nvSpPr>
+        <p:spPr/>
+        <p:txBody>
+          <a:bodyPr/>
+          <a:lstStyle/>
+          <a:p>
+            <a:fld id="{5270D8FF-7B73-4776-AB67-BDBD3DDB0E26}" type="slidenum">
+              <a:rPr lang="en-US" smtClean="0"/>
+              <a:t>8</a:t>
+            </a:fld>
+            <a:endParaRPr lang="en-US"/>
+          </a:p>
+        </p:txBody>
+      </p:sp>
+    </p:spTree>
+    <p:extLst>
+      <p:ext uri="{BB962C8B-B14F-4D97-AF65-F5344CB8AC3E}">
+        <p14:creationId xmlns:p14="http://schemas.microsoft.com/office/powerpoint/2010/main" val="1272690924"/>
+      </p:ext>
+    </p:extLst>
+  </p:cSld>
+  <p:clrMapOvr>
+    <a:masterClrMapping/>
+  </p:clrMapOvr>
+</p:notes>
+</file>
+
+<file path=ppt/notesSlides/notesSlide9.xml><?xml version="1.0" encoding="utf-8"?>
+<p:notes xmlns:a="http://schemas.openxmlformats.org/drawingml/2006/main" xmlns:r="http://schemas.openxmlformats.org/officeDocument/2006/relationships" xmlns:p="http://schemas.openxmlformats.org/presentationml/2006/main">
+  <p:cSld>
+    <p:spTree>
+      <p:nvGrpSpPr>
+        <p:cNvPr id="1" name=""/>
+        <p:cNvGrpSpPr/>
+        <p:nvPr/>
+      </p:nvGrpSpPr>
+      <p:grpSpPr>
+        <a:xfrm>
+          <a:off x="0" y="0"/>
+          <a:ext cx="0" cy="0"/>
+          <a:chOff x="0" y="0"/>
+          <a:chExt cx="0" cy="0"/>
+        </a:xfrm>
+      </p:grpSpPr>
+      <p:sp>
+        <p:nvSpPr>
+          <p:cNvPr id="2" name="Slide Image Placeholder 1"/>
+          <p:cNvSpPr>
+            <a:spLocks noGrp="1" noRot="1" noChangeAspect="1"/>
+          </p:cNvSpPr>
+          <p:nvPr>
+            <p:ph type="sldImg"/>
+          </p:nvPr>
+        </p:nvSpPr>
+        <p:spPr/>
+      </p:sp>
+      <p:sp>
+        <p:nvSpPr>
+          <p:cNvPr id="3" name="Notes Placeholder 2"/>
+          <p:cNvSpPr>
+            <a:spLocks noGrp="1"/>
+          </p:cNvSpPr>
+          <p:nvPr>
+            <p:ph type="body" idx="1"/>
+          </p:nvPr>
+        </p:nvSpPr>
+        <p:spPr/>
+        <p:txBody>
+          <a:bodyPr/>
+          <a:lstStyle/>
+          <a:p>
+            <a:r>
+              <a:rPr lang="en-US" dirty="0"/>
+              <a:t>The goal of UAT or QA is to test that all possible paths in the solution achieve the desired result.   If you start at the bottom, and do that math on a small application…. </a:t>
+            </a:r>
+          </a:p>
+          <a:p>
+            <a:r>
+              <a:rPr lang="en-US" dirty="0"/>
+              <a:t>We are expecting the QA team to test “Possibly” 8,000 different paths through the code. </a:t>
+            </a:r>
+          </a:p>
+        </p:txBody>
+      </p:sp>
+      <p:sp>
+        <p:nvSpPr>
+          <p:cNvPr id="4" name="Slide Number Placeholder 3"/>
+          <p:cNvSpPr>
+            <a:spLocks noGrp="1"/>
+          </p:cNvSpPr>
+          <p:nvPr>
+            <p:ph type="sldNum" sz="quarter" idx="10"/>
+          </p:nvPr>
+        </p:nvSpPr>
+        <p:spPr/>
+        <p:txBody>
+          <a:bodyPr/>
+          <a:lstStyle/>
+          <a:p>
+            <a:fld id="{5270D8FF-7B73-4776-AB67-BDBD3DDB0E26}" type="slidenum">
+              <a:rPr lang="en-US" smtClean="0"/>
+              <a:t>9</a:t>
+            </a:fld>
+            <a:endParaRPr lang="en-US"/>
+          </a:p>
+        </p:txBody>
+      </p:sp>
+    </p:spTree>
+    <p:extLst>
+      <p:ext uri="{BB962C8B-B14F-4D97-AF65-F5344CB8AC3E}">
+        <p14:creationId xmlns:p14="http://schemas.microsoft.com/office/powerpoint/2010/main" val="2474382693"/>
       </p:ext>
     </p:extLst>
   </p:cSld>
@@ -1251,7 +2697,7 @@
           <a:p>
             <a:fld id="{F36E7964-2CFC-45F1-90FA-1E9DE5A8C0BF}" type="datetimeFigureOut">
               <a:rPr lang="en-US" smtClean="0"/>
-              <a:t>4/26/2017</a:t>
+              <a:t>4/27/2017</a:t>
             </a:fld>
             <a:endParaRPr lang="en-US"/>
           </a:p>
@@ -1462,7 +2908,7 @@
           <a:p>
             <a:fld id="{F36E7964-2CFC-45F1-90FA-1E9DE5A8C0BF}" type="datetimeFigureOut">
               <a:rPr lang="en-US" smtClean="0"/>
-              <a:t>4/26/2017</a:t>
+              <a:t>4/27/2017</a:t>
             </a:fld>
             <a:endParaRPr lang="en-US"/>
           </a:p>
@@ -1677,7 +3123,7 @@
           <a:p>
             <a:fld id="{F36E7964-2CFC-45F1-90FA-1E9DE5A8C0BF}" type="datetimeFigureOut">
               <a:rPr lang="en-US" smtClean="0"/>
-              <a:t>4/26/2017</a:t>
+              <a:t>4/27/2017</a:t>
             </a:fld>
             <a:endParaRPr lang="en-US"/>
           </a:p>
@@ -1878,7 +3324,7 @@
           <a:p>
             <a:fld id="{F36E7964-2CFC-45F1-90FA-1E9DE5A8C0BF}" type="datetimeFigureOut">
               <a:rPr lang="en-US" smtClean="0"/>
-              <a:t>4/26/2017</a:t>
+              <a:t>4/27/2017</a:t>
             </a:fld>
             <a:endParaRPr lang="en-US"/>
           </a:p>
@@ -2157,7 +3603,7 @@
           <a:p>
             <a:fld id="{F36E7964-2CFC-45F1-90FA-1E9DE5A8C0BF}" type="datetimeFigureOut">
               <a:rPr lang="en-US" smtClean="0"/>
-              <a:t>4/26/2017</a:t>
+              <a:t>4/27/2017</a:t>
             </a:fld>
             <a:endParaRPr lang="en-US"/>
           </a:p>
@@ -2425,7 +3871,7 @@
           <a:p>
             <a:fld id="{F36E7964-2CFC-45F1-90FA-1E9DE5A8C0BF}" type="datetimeFigureOut">
               <a:rPr lang="en-US" smtClean="0"/>
-              <a:t>4/26/2017</a:t>
+              <a:t>4/27/2017</a:t>
             </a:fld>
             <a:endParaRPr lang="en-US"/>
           </a:p>
@@ -2841,7 +4287,7 @@
           <a:p>
             <a:fld id="{F36E7964-2CFC-45F1-90FA-1E9DE5A8C0BF}" type="datetimeFigureOut">
               <a:rPr lang="en-US" smtClean="0"/>
-              <a:t>4/26/2017</a:t>
+              <a:t>4/27/2017</a:t>
             </a:fld>
             <a:endParaRPr lang="en-US"/>
           </a:p>
@@ -2990,7 +4436,7 @@
           <a:p>
             <a:fld id="{F36E7964-2CFC-45F1-90FA-1E9DE5A8C0BF}" type="datetimeFigureOut">
               <a:rPr lang="en-US" smtClean="0"/>
-              <a:t>4/26/2017</a:t>
+              <a:t>4/27/2017</a:t>
             </a:fld>
             <a:endParaRPr lang="en-US"/>
           </a:p>
@@ -3116,7 +4562,7 @@
           <a:p>
             <a:fld id="{F36E7964-2CFC-45F1-90FA-1E9DE5A8C0BF}" type="datetimeFigureOut">
               <a:rPr lang="en-US" smtClean="0"/>
-              <a:t>4/26/2017</a:t>
+              <a:t>4/27/2017</a:t>
             </a:fld>
             <a:endParaRPr lang="en-US"/>
           </a:p>
@@ -3367,7 +4813,7 @@
           <a:p>
             <a:fld id="{F36E7964-2CFC-45F1-90FA-1E9DE5A8C0BF}" type="datetimeFigureOut">
               <a:rPr lang="en-US" smtClean="0"/>
-              <a:t>4/26/2017</a:t>
+              <a:t>4/27/2017</a:t>
             </a:fld>
             <a:endParaRPr lang="en-US"/>
           </a:p>
@@ -3812,7 +5258,7 @@
           <a:p>
             <a:fld id="{F36E7964-2CFC-45F1-90FA-1E9DE5A8C0BF}" type="datetimeFigureOut">
               <a:rPr lang="en-US" smtClean="0"/>
-              <a:t>4/26/2017</a:t>
+              <a:t>4/27/2017</a:t>
             </a:fld>
             <a:endParaRPr lang="en-US"/>
           </a:p>
@@ -4138,7 +5584,7 @@
           <a:p>
             <a:fld id="{F36E7964-2CFC-45F1-90FA-1E9DE5A8C0BF}" type="datetimeFigureOut">
               <a:rPr lang="en-US" smtClean="0"/>
-              <a:t>4/26/2017</a:t>
+              <a:t>4/27/2017</a:t>
             </a:fld>
             <a:endParaRPr lang="en-US"/>
           </a:p>
@@ -4951,7 +6397,7 @@
           <a:p>
             <a:r>
               <a:rPr lang="en-US" dirty="0"/>
-              <a:t>Visual Studio</a:t>
+              <a:t>Visual Studio </a:t>
             </a:r>
           </a:p>
           <a:p>
@@ -4974,26 +6420,7 @@
           <a:p>
             <a:r>
               <a:rPr lang="en-US" dirty="0"/>
-              <a:t>.NET - </a:t>
-            </a:r>
-            <a:r>
-              <a:rPr lang="en-US" dirty="0" err="1"/>
-              <a:t>Nunit</a:t>
-            </a:r>
-            <a:endParaRPr lang="en-US" dirty="0"/>
-          </a:p>
-          <a:p>
-            <a:r>
-              <a:rPr lang="en-US" dirty="0"/>
-              <a:t>Many </a:t>
-            </a:r>
-            <a:r>
-              <a:rPr lang="en-US" dirty="0" err="1"/>
-              <a:t>Many</a:t>
-            </a:r>
-            <a:r>
-              <a:rPr lang="en-US" dirty="0"/>
-              <a:t> More</a:t>
+              <a:t>Many More</a:t>
             </a:r>
           </a:p>
         </p:txBody>
@@ -5157,6 +6584,14 @@
           <a:p>
             <a:pPr lvl="1"/>
             <a:r>
+              <a:rPr lang="en-US" dirty="0" err="1"/>
+              <a:t>Ninject</a:t>
+            </a:r>
+            <a:endParaRPr lang="en-US" dirty="0"/>
+          </a:p>
+          <a:p>
+            <a:pPr lvl="1"/>
+            <a:r>
               <a:rPr lang="en-US" dirty="0"/>
               <a:t>Rhino</a:t>
             </a:r>
@@ -5219,7 +6654,7 @@
           <a:p>
             <a:r>
               <a:rPr lang="en-US" dirty="0"/>
-              <a:t>Unit testing the User Interface</a:t>
+              <a:t>Design For Unit Testing</a:t>
             </a:r>
           </a:p>
         </p:txBody>
@@ -5241,7 +6676,206 @@
           <a:p>
             <a:r>
               <a:rPr lang="en-US" dirty="0"/>
-              <a:t>MVC Demo</a:t>
+              <a:t>Dependency Injection</a:t>
+            </a:r>
+          </a:p>
+          <a:p>
+            <a:pPr lvl="1"/>
+            <a:r>
+              <a:rPr lang="en-US" dirty="0"/>
+              <a:t>Unity</a:t>
+            </a:r>
+          </a:p>
+          <a:p>
+            <a:pPr lvl="1"/>
+            <a:r>
+              <a:rPr lang="en-US" dirty="0" err="1"/>
+              <a:t>Ninject</a:t>
+            </a:r>
+            <a:endParaRPr lang="en-US" dirty="0"/>
+          </a:p>
+          <a:p>
+            <a:pPr lvl="1"/>
+            <a:r>
+              <a:rPr lang="en-US" dirty="0"/>
+              <a:t>Rhino</a:t>
+            </a:r>
+          </a:p>
+          <a:p>
+            <a:r>
+              <a:rPr lang="en-US" dirty="0"/>
+              <a:t>Mocks vs Stubs</a:t>
+            </a:r>
+          </a:p>
+          <a:p>
+            <a:endParaRPr lang="en-US" dirty="0"/>
+          </a:p>
+        </p:txBody>
+      </p:sp>
+      <p:sp>
+        <p:nvSpPr>
+          <p:cNvPr id="4" name="Rectangle 3"/>
+          <p:cNvSpPr/>
+          <p:nvPr/>
+        </p:nvSpPr>
+        <p:spPr>
+          <a:xfrm>
+            <a:off x="4718304" y="2913888"/>
+            <a:ext cx="1584960" cy="1182624"/>
+          </a:xfrm>
+          <a:prstGeom prst="rect">
+            <a:avLst/>
+          </a:prstGeom>
+        </p:spPr>
+        <p:style>
+          <a:lnRef idx="2">
+            <a:schemeClr val="accent1">
+              <a:shade val="50000"/>
+            </a:schemeClr>
+          </a:lnRef>
+          <a:fillRef idx="1">
+            <a:schemeClr val="accent1"/>
+          </a:fillRef>
+          <a:effectRef idx="0">
+            <a:schemeClr val="accent1"/>
+          </a:effectRef>
+          <a:fontRef idx="minor">
+            <a:schemeClr val="lt1"/>
+          </a:fontRef>
+        </p:style>
+        <p:txBody>
+          <a:bodyPr rtlCol="0" anchor="ctr"/>
+          <a:lstStyle/>
+          <a:p>
+            <a:pPr algn="ctr"/>
+            <a:r>
+              <a:rPr lang="en-US" dirty="0"/>
+              <a:t>Object A</a:t>
+            </a:r>
+          </a:p>
+        </p:txBody>
+      </p:sp>
+      <p:cxnSp>
+        <p:nvCxnSpPr>
+          <p:cNvPr id="6" name="Straight Arrow Connector 5"/>
+          <p:cNvCxnSpPr/>
+          <p:nvPr/>
+        </p:nvCxnSpPr>
+        <p:spPr>
+          <a:xfrm>
+            <a:off x="6595872" y="3438144"/>
+            <a:ext cx="1572768" cy="0"/>
+          </a:xfrm>
+          <a:prstGeom prst="straightConnector1">
+            <a:avLst/>
+          </a:prstGeom>
+          <a:ln>
+            <a:tailEnd type="triangle"/>
+          </a:ln>
+        </p:spPr>
+        <p:style>
+          <a:lnRef idx="1">
+            <a:schemeClr val="accent1"/>
+          </a:lnRef>
+          <a:fillRef idx="0">
+            <a:schemeClr val="accent1"/>
+          </a:fillRef>
+          <a:effectRef idx="0">
+            <a:schemeClr val="accent1"/>
+          </a:effectRef>
+          <a:fontRef idx="minor">
+            <a:schemeClr val="tx1"/>
+          </a:fontRef>
+        </p:style>
+      </p:cxnSp>
+      <p:sp>
+        <p:nvSpPr>
+          <p:cNvPr id="7" name="Rectangle 6"/>
+          <p:cNvSpPr/>
+          <p:nvPr/>
+        </p:nvSpPr>
+        <p:spPr>
+          <a:xfrm>
+            <a:off x="8638032" y="2913888"/>
+            <a:ext cx="1584960" cy="1182624"/>
+          </a:xfrm>
+          <a:prstGeom prst="rect">
+            <a:avLst/>
+          </a:prstGeom>
+        </p:spPr>
+        <p:style>
+          <a:lnRef idx="2">
+            <a:schemeClr val="accent1">
+              <a:shade val="50000"/>
+            </a:schemeClr>
+          </a:lnRef>
+          <a:fillRef idx="1">
+            <a:schemeClr val="accent1"/>
+          </a:fillRef>
+          <a:effectRef idx="0">
+            <a:schemeClr val="accent1"/>
+          </a:effectRef>
+          <a:fontRef idx="minor">
+            <a:schemeClr val="lt1"/>
+          </a:fontRef>
+        </p:style>
+        <p:txBody>
+          <a:bodyPr rtlCol="0" anchor="ctr"/>
+          <a:lstStyle/>
+          <a:p>
+            <a:pPr algn="ctr"/>
+            <a:r>
+              <a:rPr lang="en-US" dirty="0"/>
+              <a:t>Object B</a:t>
+            </a:r>
+          </a:p>
+        </p:txBody>
+      </p:sp>
+      <p:sp>
+        <p:nvSpPr>
+          <p:cNvPr id="8" name="TextBox 7"/>
+          <p:cNvSpPr txBox="1"/>
+          <p:nvPr/>
+        </p:nvSpPr>
+        <p:spPr>
+          <a:xfrm>
+            <a:off x="5596128" y="4625336"/>
+            <a:ext cx="3572256" cy="369332"/>
+          </a:xfrm>
+          <a:prstGeom prst="rect">
+            <a:avLst/>
+          </a:prstGeom>
+          <a:noFill/>
+        </p:spPr>
+        <p:txBody>
+          <a:bodyPr wrap="square" rtlCol="0">
+            <a:spAutoFit/>
+          </a:bodyPr>
+          <a:lstStyle/>
+          <a:p>
+            <a:r>
+              <a:rPr lang="en-US" dirty="0" err="1"/>
+              <a:t>ObjectB</a:t>
+            </a:r>
+            <a:r>
+              <a:rPr lang="en-US" dirty="0"/>
+              <a:t> </a:t>
+            </a:r>
+            <a:r>
+              <a:rPr lang="en-US" dirty="0" err="1"/>
+              <a:t>myObj</a:t>
+            </a:r>
+            <a:r>
+              <a:rPr lang="en-US" dirty="0"/>
+              <a:t> = new </a:t>
+            </a:r>
+            <a:r>
+              <a:rPr lang="en-US" dirty="0" err="1"/>
+              <a:t>ObjectB</a:t>
+            </a:r>
+            <a:r>
+              <a:rPr lang="en-US" dirty="0"/>
+              <a:t>();</a:t>
             </a:r>
           </a:p>
         </p:txBody>
@@ -5249,7 +6883,7 @@
     </p:spTree>
     <p:extLst>
       <p:ext uri="{BB962C8B-B14F-4D97-AF65-F5344CB8AC3E}">
-        <p14:creationId xmlns:p14="http://schemas.microsoft.com/office/powerpoint/2010/main" val="567081537"/>
+        <p14:creationId xmlns:p14="http://schemas.microsoft.com/office/powerpoint/2010/main" val="3935811880"/>
       </p:ext>
     </p:extLst>
   </p:cSld>
@@ -5293,7 +6927,7 @@
           <a:p>
             <a:r>
               <a:rPr lang="en-US" dirty="0"/>
-              <a:t>Unit Testing the Middle Tier</a:t>
+              <a:t>Design For Unit Testing</a:t>
             </a:r>
           </a:p>
         </p:txBody>
@@ -5315,15 +6949,260 @@
           <a:p>
             <a:r>
               <a:rPr lang="en-US" dirty="0"/>
-              <a:t>Component Demo</a:t>
-            </a:r>
+              <a:t>Dependency Injection</a:t>
+            </a:r>
+          </a:p>
+          <a:p>
+            <a:pPr lvl="1"/>
+            <a:r>
+              <a:rPr lang="en-US" dirty="0"/>
+              <a:t>Unity</a:t>
+            </a:r>
+          </a:p>
+          <a:p>
+            <a:pPr lvl="1"/>
+            <a:r>
+              <a:rPr lang="en-US" dirty="0" err="1"/>
+              <a:t>Ninject</a:t>
+            </a:r>
+            <a:endParaRPr lang="en-US" dirty="0"/>
+          </a:p>
+          <a:p>
+            <a:pPr lvl="1"/>
+            <a:r>
+              <a:rPr lang="en-US" dirty="0"/>
+              <a:t>Rhino</a:t>
+            </a:r>
+          </a:p>
+          <a:p>
+            <a:r>
+              <a:rPr lang="en-US" dirty="0"/>
+              <a:t>Mocks vs Stubs</a:t>
+            </a:r>
+          </a:p>
+          <a:p>
+            <a:endParaRPr lang="en-US" dirty="0"/>
+          </a:p>
+        </p:txBody>
+      </p:sp>
+      <p:sp>
+        <p:nvSpPr>
+          <p:cNvPr id="4" name="Rectangle 3"/>
+          <p:cNvSpPr/>
+          <p:nvPr/>
+        </p:nvSpPr>
+        <p:spPr>
+          <a:xfrm>
+            <a:off x="4718304" y="2913888"/>
+            <a:ext cx="1584960" cy="1182624"/>
+          </a:xfrm>
+          <a:prstGeom prst="rect">
+            <a:avLst/>
+          </a:prstGeom>
+        </p:spPr>
+        <p:style>
+          <a:lnRef idx="2">
+            <a:schemeClr val="accent1">
+              <a:shade val="50000"/>
+            </a:schemeClr>
+          </a:lnRef>
+          <a:fillRef idx="1">
+            <a:schemeClr val="accent1"/>
+          </a:fillRef>
+          <a:effectRef idx="0">
+            <a:schemeClr val="accent1"/>
+          </a:effectRef>
+          <a:fontRef idx="minor">
+            <a:schemeClr val="lt1"/>
+          </a:fontRef>
+        </p:style>
+        <p:txBody>
+          <a:bodyPr rtlCol="0" anchor="ctr"/>
+          <a:lstStyle/>
+          <a:p>
+            <a:pPr algn="ctr"/>
+            <a:r>
+              <a:rPr lang="en-US" dirty="0"/>
+              <a:t>Object A</a:t>
+            </a:r>
+          </a:p>
+        </p:txBody>
+      </p:sp>
+      <p:cxnSp>
+        <p:nvCxnSpPr>
+          <p:cNvPr id="6" name="Straight Arrow Connector 5"/>
+          <p:cNvCxnSpPr/>
+          <p:nvPr/>
+        </p:nvCxnSpPr>
+        <p:spPr>
+          <a:xfrm>
+            <a:off x="6595872" y="3438144"/>
+            <a:ext cx="1572768" cy="0"/>
+          </a:xfrm>
+          <a:prstGeom prst="straightConnector1">
+            <a:avLst/>
+          </a:prstGeom>
+          <a:ln>
+            <a:tailEnd type="triangle"/>
+          </a:ln>
+        </p:spPr>
+        <p:style>
+          <a:lnRef idx="1">
+            <a:schemeClr val="accent1"/>
+          </a:lnRef>
+          <a:fillRef idx="0">
+            <a:schemeClr val="accent1"/>
+          </a:fillRef>
+          <a:effectRef idx="0">
+            <a:schemeClr val="accent1"/>
+          </a:effectRef>
+          <a:fontRef idx="minor">
+            <a:schemeClr val="tx1"/>
+          </a:fontRef>
+        </p:style>
+      </p:cxnSp>
+      <p:sp>
+        <p:nvSpPr>
+          <p:cNvPr id="7" name="Rectangle 6"/>
+          <p:cNvSpPr/>
+          <p:nvPr/>
+        </p:nvSpPr>
+        <p:spPr>
+          <a:xfrm>
+            <a:off x="8638032" y="2913888"/>
+            <a:ext cx="1584960" cy="1182624"/>
+          </a:xfrm>
+          <a:prstGeom prst="rect">
+            <a:avLst/>
+          </a:prstGeom>
+        </p:spPr>
+        <p:style>
+          <a:lnRef idx="2">
+            <a:schemeClr val="accent1">
+              <a:shade val="50000"/>
+            </a:schemeClr>
+          </a:lnRef>
+          <a:fillRef idx="1">
+            <a:schemeClr val="accent1"/>
+          </a:fillRef>
+          <a:effectRef idx="0">
+            <a:schemeClr val="accent1"/>
+          </a:effectRef>
+          <a:fontRef idx="minor">
+            <a:schemeClr val="lt1"/>
+          </a:fontRef>
+        </p:style>
+        <p:txBody>
+          <a:bodyPr rtlCol="0" anchor="ctr"/>
+          <a:lstStyle/>
+          <a:p>
+            <a:pPr algn="ctr"/>
+            <a:r>
+              <a:rPr lang="en-US" dirty="0"/>
+              <a:t>Object B</a:t>
+            </a:r>
+          </a:p>
+        </p:txBody>
+      </p:sp>
+      <p:sp>
+        <p:nvSpPr>
+          <p:cNvPr id="8" name="TextBox 7"/>
+          <p:cNvSpPr txBox="1"/>
+          <p:nvPr/>
+        </p:nvSpPr>
+        <p:spPr>
+          <a:xfrm>
+            <a:off x="5596128" y="4791882"/>
+            <a:ext cx="3572256" cy="369332"/>
+          </a:xfrm>
+          <a:prstGeom prst="rect">
+            <a:avLst/>
+          </a:prstGeom>
+          <a:noFill/>
+        </p:spPr>
+        <p:txBody>
+          <a:bodyPr wrap="square" rtlCol="0">
+            <a:spAutoFit/>
+          </a:bodyPr>
+          <a:lstStyle/>
+          <a:p>
+            <a:r>
+              <a:rPr lang="en-US" dirty="0" err="1"/>
+              <a:t>ObjectB</a:t>
+            </a:r>
+            <a:r>
+              <a:rPr lang="en-US" dirty="0"/>
+              <a:t> </a:t>
+            </a:r>
+            <a:r>
+              <a:rPr lang="en-US" dirty="0" err="1"/>
+              <a:t>myObj</a:t>
+            </a:r>
+            <a:r>
+              <a:rPr lang="en-US" dirty="0"/>
+              <a:t> = new </a:t>
+            </a:r>
+            <a:r>
+              <a:rPr lang="en-US" dirty="0" err="1"/>
+              <a:t>ObjectB</a:t>
+            </a:r>
+            <a:r>
+              <a:rPr lang="en-US" dirty="0"/>
+              <a:t>();</a:t>
+            </a:r>
+          </a:p>
+        </p:txBody>
+      </p:sp>
+      <p:sp>
+        <p:nvSpPr>
+          <p:cNvPr id="5" name="Rectangle 4"/>
+          <p:cNvSpPr/>
+          <p:nvPr/>
+        </p:nvSpPr>
+        <p:spPr>
+          <a:xfrm>
+            <a:off x="4206240" y="2316480"/>
+            <a:ext cx="2633472" cy="2308856"/>
+          </a:xfrm>
+          <a:prstGeom prst="rect">
+            <a:avLst/>
+          </a:prstGeom>
+          <a:noFill/>
+          <a:ln w="95250">
+            <a:solidFill>
+              <a:srgbClr val="92D050"/>
+            </a:solidFill>
+          </a:ln>
+        </p:spPr>
+        <p:style>
+          <a:lnRef idx="2">
+            <a:schemeClr val="accent1">
+              <a:shade val="50000"/>
+            </a:schemeClr>
+          </a:lnRef>
+          <a:fillRef idx="1">
+            <a:schemeClr val="accent1"/>
+          </a:fillRef>
+          <a:effectRef idx="0">
+            <a:schemeClr val="accent1"/>
+          </a:effectRef>
+          <a:fontRef idx="minor">
+            <a:schemeClr val="lt1"/>
+          </a:fontRef>
+        </p:style>
+        <p:txBody>
+          <a:bodyPr rtlCol="0" anchor="ctr"/>
+          <a:lstStyle/>
+          <a:p>
+            <a:pPr algn="ctr"/>
+            <a:endParaRPr lang="en-US"/>
           </a:p>
         </p:txBody>
       </p:sp>
     </p:spTree>
     <p:extLst>
       <p:ext uri="{BB962C8B-B14F-4D97-AF65-F5344CB8AC3E}">
-        <p14:creationId xmlns:p14="http://schemas.microsoft.com/office/powerpoint/2010/main" val="4009361321"/>
+        <p14:creationId xmlns:p14="http://schemas.microsoft.com/office/powerpoint/2010/main" val="3078006898"/>
       </p:ext>
     </p:extLst>
   </p:cSld>
@@ -5367,7 +7246,7 @@
           <a:p>
             <a:r>
               <a:rPr lang="en-US" dirty="0"/>
-              <a:t>Unit Testing the Data Layer</a:t>
+              <a:t>Design For Unit Testing</a:t>
             </a:r>
           </a:p>
         </p:txBody>
@@ -5382,22 +7261,314 @@
             <p:ph idx="1"/>
           </p:nvPr>
         </p:nvSpPr>
-        <p:spPr/>
-        <p:txBody>
-          <a:bodyPr/>
-          <a:lstStyle/>
-          <a:p>
-            <a:r>
-              <a:rPr lang="en-US" dirty="0"/>
-              <a:t>Data Access Demo w Repository Pattern</a:t>
-            </a:r>
+        <p:spPr>
+          <a:xfrm>
+            <a:off x="1451579" y="2015732"/>
+            <a:ext cx="9603275" cy="3860812"/>
+          </a:xfrm>
+        </p:spPr>
+        <p:txBody>
+          <a:bodyPr/>
+          <a:lstStyle/>
+          <a:p>
+            <a:r>
+              <a:rPr lang="en-US" dirty="0"/>
+              <a:t>Dependency Injection</a:t>
+            </a:r>
+          </a:p>
+          <a:p>
+            <a:pPr lvl="1"/>
+            <a:r>
+              <a:rPr lang="en-US" dirty="0"/>
+              <a:t>Unity</a:t>
+            </a:r>
+          </a:p>
+          <a:p>
+            <a:pPr lvl="1"/>
+            <a:r>
+              <a:rPr lang="en-US" dirty="0" err="1"/>
+              <a:t>Ninject</a:t>
+            </a:r>
+            <a:endParaRPr lang="en-US" dirty="0"/>
+          </a:p>
+          <a:p>
+            <a:pPr lvl="1"/>
+            <a:r>
+              <a:rPr lang="en-US" dirty="0"/>
+              <a:t>Rhino</a:t>
+            </a:r>
+          </a:p>
+          <a:p>
+            <a:r>
+              <a:rPr lang="en-US" dirty="0"/>
+              <a:t>Mocks vs Stubs</a:t>
+            </a:r>
+          </a:p>
+          <a:p>
+            <a:endParaRPr lang="en-US" dirty="0"/>
+          </a:p>
+        </p:txBody>
+      </p:sp>
+      <p:sp>
+        <p:nvSpPr>
+          <p:cNvPr id="4" name="Rectangle 3"/>
+          <p:cNvSpPr/>
+          <p:nvPr/>
+        </p:nvSpPr>
+        <p:spPr>
+          <a:xfrm>
+            <a:off x="4288778" y="3267456"/>
+            <a:ext cx="1584960" cy="1182624"/>
+          </a:xfrm>
+          <a:prstGeom prst="rect">
+            <a:avLst/>
+          </a:prstGeom>
+        </p:spPr>
+        <p:style>
+          <a:lnRef idx="2">
+            <a:schemeClr val="accent1">
+              <a:shade val="50000"/>
+            </a:schemeClr>
+          </a:lnRef>
+          <a:fillRef idx="1">
+            <a:schemeClr val="accent1"/>
+          </a:fillRef>
+          <a:effectRef idx="0">
+            <a:schemeClr val="accent1"/>
+          </a:effectRef>
+          <a:fontRef idx="minor">
+            <a:schemeClr val="lt1"/>
+          </a:fontRef>
+        </p:style>
+        <p:txBody>
+          <a:bodyPr rtlCol="0" anchor="ctr"/>
+          <a:lstStyle/>
+          <a:p>
+            <a:pPr algn="ctr"/>
+            <a:r>
+              <a:rPr lang="en-US" dirty="0"/>
+              <a:t>Object A</a:t>
+            </a:r>
+          </a:p>
+        </p:txBody>
+      </p:sp>
+      <p:cxnSp>
+        <p:nvCxnSpPr>
+          <p:cNvPr id="6" name="Straight Arrow Connector 5"/>
+          <p:cNvCxnSpPr/>
+          <p:nvPr/>
+        </p:nvCxnSpPr>
+        <p:spPr>
+          <a:xfrm flipV="1">
+            <a:off x="4888992" y="2548128"/>
+            <a:ext cx="1670304" cy="560832"/>
+          </a:xfrm>
+          <a:prstGeom prst="straightConnector1">
+            <a:avLst/>
+          </a:prstGeom>
+          <a:ln>
+            <a:tailEnd type="triangle"/>
+          </a:ln>
+        </p:spPr>
+        <p:style>
+          <a:lnRef idx="1">
+            <a:schemeClr val="accent1"/>
+          </a:lnRef>
+          <a:fillRef idx="0">
+            <a:schemeClr val="accent1"/>
+          </a:fillRef>
+          <a:effectRef idx="0">
+            <a:schemeClr val="accent1"/>
+          </a:effectRef>
+          <a:fontRef idx="minor">
+            <a:schemeClr val="tx1"/>
+          </a:fontRef>
+        </p:style>
+      </p:cxnSp>
+      <p:sp>
+        <p:nvSpPr>
+          <p:cNvPr id="7" name="Rectangle 6"/>
+          <p:cNvSpPr/>
+          <p:nvPr/>
+        </p:nvSpPr>
+        <p:spPr>
+          <a:xfrm>
+            <a:off x="9061462" y="3267456"/>
+            <a:ext cx="1584960" cy="1182624"/>
+          </a:xfrm>
+          <a:prstGeom prst="rect">
+            <a:avLst/>
+          </a:prstGeom>
+        </p:spPr>
+        <p:style>
+          <a:lnRef idx="2">
+            <a:schemeClr val="accent1">
+              <a:shade val="50000"/>
+            </a:schemeClr>
+          </a:lnRef>
+          <a:fillRef idx="1">
+            <a:schemeClr val="accent1"/>
+          </a:fillRef>
+          <a:effectRef idx="0">
+            <a:schemeClr val="accent1"/>
+          </a:effectRef>
+          <a:fontRef idx="minor">
+            <a:schemeClr val="lt1"/>
+          </a:fontRef>
+        </p:style>
+        <p:txBody>
+          <a:bodyPr rtlCol="0" anchor="ctr"/>
+          <a:lstStyle/>
+          <a:p>
+            <a:pPr algn="ctr"/>
+            <a:r>
+              <a:rPr lang="en-US" dirty="0"/>
+              <a:t>Object B</a:t>
+            </a:r>
+          </a:p>
+        </p:txBody>
+      </p:sp>
+      <p:sp>
+        <p:nvSpPr>
+          <p:cNvPr id="8" name="Rectangle 7"/>
+          <p:cNvSpPr/>
+          <p:nvPr/>
+        </p:nvSpPr>
+        <p:spPr>
+          <a:xfrm>
+            <a:off x="6705600" y="2015732"/>
+            <a:ext cx="1524000" cy="1251724"/>
+          </a:xfrm>
+          <a:prstGeom prst="rect">
+            <a:avLst/>
+          </a:prstGeom>
+          <a:solidFill>
+            <a:srgbClr val="92D050"/>
+          </a:solidFill>
+        </p:spPr>
+        <p:style>
+          <a:lnRef idx="2">
+            <a:schemeClr val="accent1">
+              <a:shade val="50000"/>
+            </a:schemeClr>
+          </a:lnRef>
+          <a:fillRef idx="1">
+            <a:schemeClr val="accent1"/>
+          </a:fillRef>
+          <a:effectRef idx="0">
+            <a:schemeClr val="accent1"/>
+          </a:effectRef>
+          <a:fontRef idx="minor">
+            <a:schemeClr val="lt1"/>
+          </a:fontRef>
+        </p:style>
+        <p:txBody>
+          <a:bodyPr rtlCol="0" anchor="ctr"/>
+          <a:lstStyle/>
+          <a:p>
+            <a:pPr algn="ctr"/>
+            <a:r>
+              <a:rPr lang="en-US" dirty="0"/>
+              <a:t>Dependency Injector</a:t>
+            </a:r>
+          </a:p>
+        </p:txBody>
+      </p:sp>
+      <p:cxnSp>
+        <p:nvCxnSpPr>
+          <p:cNvPr id="11" name="Straight Arrow Connector 10"/>
+          <p:cNvCxnSpPr/>
+          <p:nvPr/>
+        </p:nvCxnSpPr>
+        <p:spPr>
+          <a:xfrm>
+            <a:off x="8351520" y="2450592"/>
+            <a:ext cx="1502422" cy="658368"/>
+          </a:xfrm>
+          <a:prstGeom prst="straightConnector1">
+            <a:avLst/>
+          </a:prstGeom>
+          <a:ln>
+            <a:tailEnd type="triangle"/>
+          </a:ln>
+        </p:spPr>
+        <p:style>
+          <a:lnRef idx="1">
+            <a:schemeClr val="accent1"/>
+          </a:lnRef>
+          <a:fillRef idx="0">
+            <a:schemeClr val="accent1"/>
+          </a:fillRef>
+          <a:effectRef idx="0">
+            <a:schemeClr val="accent1"/>
+          </a:effectRef>
+          <a:fontRef idx="minor">
+            <a:schemeClr val="tx1"/>
+          </a:fontRef>
+        </p:style>
+      </p:cxnSp>
+      <p:sp>
+        <p:nvSpPr>
+          <p:cNvPr id="12" name="TextBox 11"/>
+          <p:cNvSpPr txBox="1"/>
+          <p:nvPr/>
+        </p:nvSpPr>
+        <p:spPr>
+          <a:xfrm>
+            <a:off x="5425924" y="4978646"/>
+            <a:ext cx="6766076" cy="369332"/>
+          </a:xfrm>
+          <a:prstGeom prst="rect">
+            <a:avLst/>
+          </a:prstGeom>
+          <a:noFill/>
+        </p:spPr>
+        <p:txBody>
+          <a:bodyPr wrap="square" rtlCol="0">
+            <a:spAutoFit/>
+          </a:bodyPr>
+          <a:lstStyle/>
+          <a:p>
+            <a:r>
+              <a:rPr lang="en-US" dirty="0" err="1"/>
+              <a:t>var</a:t>
+            </a:r>
+            <a:r>
+              <a:rPr lang="en-US" dirty="0"/>
+              <a:t> </a:t>
+            </a:r>
+            <a:r>
+              <a:rPr lang="en-US" dirty="0" err="1"/>
+              <a:t>ObjectB</a:t>
+            </a:r>
+            <a:r>
+              <a:rPr lang="en-US" dirty="0"/>
+              <a:t> = </a:t>
+            </a:r>
+            <a:r>
+              <a:rPr lang="en-US" dirty="0" err="1"/>
+              <a:t>container.Resolve</a:t>
+            </a:r>
+            <a:r>
+              <a:rPr lang="en-US" dirty="0"/>
+              <a:t>&lt;</a:t>
+            </a:r>
+            <a:r>
+              <a:rPr lang="en-US" dirty="0" err="1"/>
+              <a:t>IObjectB</a:t>
+            </a:r>
+            <a:r>
+              <a:rPr lang="en-US" dirty="0"/>
+              <a:t>&gt;();</a:t>
+            </a:r>
+            <a:endParaRPr lang="en-US" dirty="0"/>
           </a:p>
         </p:txBody>
       </p:sp>
     </p:spTree>
     <p:extLst>
       <p:ext uri="{BB962C8B-B14F-4D97-AF65-F5344CB8AC3E}">
-        <p14:creationId xmlns:p14="http://schemas.microsoft.com/office/powerpoint/2010/main" val="1806368591"/>
+        <p14:creationId xmlns:p14="http://schemas.microsoft.com/office/powerpoint/2010/main" val="1136188742"/>
       </p:ext>
     </p:extLst>
   </p:cSld>
@@ -5426,52 +7597,800 @@
       </p:grpSpPr>
       <p:sp>
         <p:nvSpPr>
-          <p:cNvPr id="2" name="Title 1"/>
-          <p:cNvSpPr>
-            <a:spLocks noGrp="1"/>
-          </p:cNvSpPr>
-          <p:nvPr>
-            <p:ph type="title"/>
-          </p:nvPr>
-        </p:nvSpPr>
-        <p:spPr/>
-        <p:txBody>
-          <a:bodyPr/>
-          <a:lstStyle/>
-          <a:p>
-            <a:r>
-              <a:rPr lang="en-US" dirty="0"/>
-              <a:t>Automations</a:t>
-            </a:r>
-          </a:p>
-        </p:txBody>
-      </p:sp>
-      <p:sp>
-        <p:nvSpPr>
           <p:cNvPr id="3" name="Content Placeholder 2"/>
           <p:cNvSpPr>
             <a:spLocks noGrp="1"/>
           </p:cNvSpPr>
           <p:nvPr>
-            <p:ph idx="1"/>
-          </p:nvPr>
-        </p:nvSpPr>
-        <p:spPr/>
-        <p:txBody>
-          <a:bodyPr/>
-          <a:lstStyle/>
-          <a:p>
-            <a:r>
-              <a:rPr lang="en-US" dirty="0"/>
-              <a:t>DEMO</a:t>
-            </a:r>
+            <p:ph idx="4294967295"/>
+          </p:nvPr>
+        </p:nvSpPr>
+        <p:spPr>
+          <a:xfrm>
+            <a:off x="490601" y="231839"/>
+            <a:ext cx="9604375" cy="5246687"/>
+          </a:xfrm>
+        </p:spPr>
+        <p:txBody>
+          <a:bodyPr>
+            <a:noAutofit/>
+          </a:bodyPr>
+          <a:lstStyle/>
+          <a:p>
+            <a:pPr marL="0" indent="0">
+              <a:lnSpc>
+                <a:spcPct val="100000"/>
+              </a:lnSpc>
+              <a:spcBef>
+                <a:spcPts val="0"/>
+              </a:spcBef>
+              <a:buNone/>
+            </a:pPr>
+            <a:r>
+              <a:rPr lang="en-US" sz="1600" dirty="0">
+                <a:latin typeface="Calibri" panose="020F0502020204030204" pitchFamily="34" charset="0"/>
+                <a:cs typeface="Calibri" panose="020F0502020204030204" pitchFamily="34" charset="0"/>
+              </a:rPr>
+              <a:t> </a:t>
+            </a:r>
+            <a:r>
+              <a:rPr lang="en-US" sz="1600" dirty="0">
+                <a:solidFill>
+                  <a:srgbClr val="0070C0"/>
+                </a:solidFill>
+                <a:latin typeface="Calibri" panose="020F0502020204030204" pitchFamily="34" charset="0"/>
+                <a:cs typeface="Calibri" panose="020F0502020204030204" pitchFamily="34" charset="0"/>
+              </a:rPr>
+              <a:t>public</a:t>
+            </a:r>
+            <a:r>
+              <a:rPr lang="en-US" sz="1600" dirty="0">
+                <a:latin typeface="Calibri" panose="020F0502020204030204" pitchFamily="34" charset="0"/>
+                <a:cs typeface="Calibri" panose="020F0502020204030204" pitchFamily="34" charset="0"/>
+              </a:rPr>
+              <a:t> </a:t>
+            </a:r>
+            <a:r>
+              <a:rPr lang="en-US" sz="1600" dirty="0" err="1">
+                <a:latin typeface="Calibri" panose="020F0502020204030204" pitchFamily="34" charset="0"/>
+                <a:cs typeface="Calibri" panose="020F0502020204030204" pitchFamily="34" charset="0"/>
+              </a:rPr>
+              <a:t>async</a:t>
+            </a:r>
+            <a:r>
+              <a:rPr lang="en-US" sz="1600" dirty="0">
+                <a:latin typeface="Calibri" panose="020F0502020204030204" pitchFamily="34" charset="0"/>
+                <a:cs typeface="Calibri" panose="020F0502020204030204" pitchFamily="34" charset="0"/>
+              </a:rPr>
+              <a:t> Task </a:t>
+            </a:r>
+            <a:r>
+              <a:rPr lang="en-US" sz="1600" dirty="0" err="1">
+                <a:latin typeface="Calibri" panose="020F0502020204030204" pitchFamily="34" charset="0"/>
+                <a:cs typeface="Calibri" panose="020F0502020204030204" pitchFamily="34" charset="0"/>
+              </a:rPr>
+              <a:t>Eula_Get_CallsRepository_And_ReturnsOK</a:t>
+            </a:r>
+            <a:r>
+              <a:rPr lang="en-US" sz="1600" dirty="0">
+                <a:latin typeface="Calibri" panose="020F0502020204030204" pitchFamily="34" charset="0"/>
+                <a:cs typeface="Calibri" panose="020F0502020204030204" pitchFamily="34" charset="0"/>
+              </a:rPr>
+              <a:t>()</a:t>
+            </a:r>
+          </a:p>
+          <a:p>
+            <a:pPr marL="0" indent="0">
+              <a:lnSpc>
+                <a:spcPct val="100000"/>
+              </a:lnSpc>
+              <a:spcBef>
+                <a:spcPts val="0"/>
+              </a:spcBef>
+              <a:buNone/>
+            </a:pPr>
+            <a:r>
+              <a:rPr lang="en-US" sz="1600" dirty="0">
+                <a:latin typeface="Calibri" panose="020F0502020204030204" pitchFamily="34" charset="0"/>
+                <a:cs typeface="Calibri" panose="020F0502020204030204" pitchFamily="34" charset="0"/>
+              </a:rPr>
+              <a:t>        {</a:t>
+            </a:r>
+          </a:p>
+          <a:p>
+            <a:pPr marL="0" indent="0">
+              <a:lnSpc>
+                <a:spcPct val="100000"/>
+              </a:lnSpc>
+              <a:spcBef>
+                <a:spcPts val="0"/>
+              </a:spcBef>
+              <a:buNone/>
+            </a:pPr>
+            <a:r>
+              <a:rPr lang="en-US" sz="1600" dirty="0">
+                <a:latin typeface="Calibri" panose="020F0502020204030204" pitchFamily="34" charset="0"/>
+                <a:cs typeface="Calibri" panose="020F0502020204030204" pitchFamily="34" charset="0"/>
+              </a:rPr>
+              <a:t>            </a:t>
+            </a:r>
+            <a:r>
+              <a:rPr lang="en-US" sz="1600" dirty="0">
+                <a:solidFill>
+                  <a:srgbClr val="00B050"/>
+                </a:solidFill>
+                <a:latin typeface="Calibri" panose="020F0502020204030204" pitchFamily="34" charset="0"/>
+                <a:cs typeface="Calibri" panose="020F0502020204030204" pitchFamily="34" charset="0"/>
+              </a:rPr>
+              <a:t>//Arrange</a:t>
+            </a:r>
+          </a:p>
+          <a:p>
+            <a:pPr marL="0" indent="0">
+              <a:lnSpc>
+                <a:spcPct val="100000"/>
+              </a:lnSpc>
+              <a:spcBef>
+                <a:spcPts val="0"/>
+              </a:spcBef>
+              <a:buNone/>
+            </a:pPr>
+            <a:r>
+              <a:rPr lang="en-US" sz="1600" dirty="0">
+                <a:latin typeface="Calibri" panose="020F0502020204030204" pitchFamily="34" charset="0"/>
+                <a:cs typeface="Calibri" panose="020F0502020204030204" pitchFamily="34" charset="0"/>
+              </a:rPr>
+              <a:t>            </a:t>
+            </a:r>
+            <a:r>
+              <a:rPr lang="en-US" sz="1600" dirty="0" err="1">
+                <a:latin typeface="Calibri" panose="020F0502020204030204" pitchFamily="34" charset="0"/>
+                <a:cs typeface="Calibri" panose="020F0502020204030204" pitchFamily="34" charset="0"/>
+              </a:rPr>
+              <a:t>var</a:t>
+            </a:r>
+            <a:r>
+              <a:rPr lang="en-US" sz="1600" dirty="0">
+                <a:latin typeface="Calibri" panose="020F0502020204030204" pitchFamily="34" charset="0"/>
+                <a:cs typeface="Calibri" panose="020F0502020204030204" pitchFamily="34" charset="0"/>
+              </a:rPr>
+              <a:t> </a:t>
+            </a:r>
+            <a:r>
+              <a:rPr lang="en-US" sz="1600" dirty="0" err="1">
+                <a:latin typeface="Calibri" panose="020F0502020204030204" pitchFamily="34" charset="0"/>
+                <a:cs typeface="Calibri" panose="020F0502020204030204" pitchFamily="34" charset="0"/>
+              </a:rPr>
+              <a:t>mockEulaRepo</a:t>
+            </a:r>
+            <a:r>
+              <a:rPr lang="en-US" sz="1600" dirty="0">
+                <a:latin typeface="Calibri" panose="020F0502020204030204" pitchFamily="34" charset="0"/>
+                <a:cs typeface="Calibri" panose="020F0502020204030204" pitchFamily="34" charset="0"/>
+              </a:rPr>
+              <a:t> = new Mock&lt;</a:t>
+            </a:r>
+            <a:r>
+              <a:rPr lang="en-US" sz="1600" dirty="0" err="1">
+                <a:latin typeface="Calibri" panose="020F0502020204030204" pitchFamily="34" charset="0"/>
+                <a:cs typeface="Calibri" panose="020F0502020204030204" pitchFamily="34" charset="0"/>
+              </a:rPr>
+              <a:t>IEulaRepository</a:t>
+            </a:r>
+            <a:r>
+              <a:rPr lang="en-US" sz="1600" dirty="0">
+                <a:latin typeface="Calibri" panose="020F0502020204030204" pitchFamily="34" charset="0"/>
+                <a:cs typeface="Calibri" panose="020F0502020204030204" pitchFamily="34" charset="0"/>
+              </a:rPr>
+              <a:t>&gt;();</a:t>
+            </a:r>
+          </a:p>
+          <a:p>
+            <a:pPr marL="0" indent="0">
+              <a:lnSpc>
+                <a:spcPct val="100000"/>
+              </a:lnSpc>
+              <a:spcBef>
+                <a:spcPts val="0"/>
+              </a:spcBef>
+              <a:buNone/>
+            </a:pPr>
+            <a:endParaRPr lang="en-US" sz="1600" dirty="0">
+              <a:latin typeface="Calibri" panose="020F0502020204030204" pitchFamily="34" charset="0"/>
+              <a:cs typeface="Calibri" panose="020F0502020204030204" pitchFamily="34" charset="0"/>
+            </a:endParaRPr>
+          </a:p>
+          <a:p>
+            <a:pPr marL="0" indent="0">
+              <a:lnSpc>
+                <a:spcPct val="100000"/>
+              </a:lnSpc>
+              <a:spcBef>
+                <a:spcPts val="0"/>
+              </a:spcBef>
+              <a:buNone/>
+            </a:pPr>
+            <a:r>
+              <a:rPr lang="en-US" sz="1600" dirty="0">
+                <a:latin typeface="Calibri" panose="020F0502020204030204" pitchFamily="34" charset="0"/>
+                <a:cs typeface="Calibri" panose="020F0502020204030204" pitchFamily="34" charset="0"/>
+              </a:rPr>
+              <a:t>            </a:t>
+            </a:r>
+            <a:r>
+              <a:rPr lang="en-US" sz="1600" dirty="0" err="1">
+                <a:latin typeface="Calibri" panose="020F0502020204030204" pitchFamily="34" charset="0"/>
+                <a:cs typeface="Calibri" panose="020F0502020204030204" pitchFamily="34" charset="0"/>
+              </a:rPr>
+              <a:t>IQueryable</a:t>
+            </a:r>
+            <a:r>
+              <a:rPr lang="en-US" sz="1600" dirty="0">
+                <a:latin typeface="Calibri" panose="020F0502020204030204" pitchFamily="34" charset="0"/>
+                <a:cs typeface="Calibri" panose="020F0502020204030204" pitchFamily="34" charset="0"/>
+              </a:rPr>
+              <a:t>&lt;Eula&gt; </a:t>
+            </a:r>
+            <a:r>
+              <a:rPr lang="en-US" sz="1600" dirty="0" err="1">
+                <a:latin typeface="Calibri" panose="020F0502020204030204" pitchFamily="34" charset="0"/>
+                <a:cs typeface="Calibri" panose="020F0502020204030204" pitchFamily="34" charset="0"/>
+              </a:rPr>
+              <a:t>eula</a:t>
+            </a:r>
+            <a:r>
+              <a:rPr lang="en-US" sz="1600" dirty="0">
+                <a:latin typeface="Calibri" panose="020F0502020204030204" pitchFamily="34" charset="0"/>
+                <a:cs typeface="Calibri" panose="020F0502020204030204" pitchFamily="34" charset="0"/>
+              </a:rPr>
+              <a:t> = await </a:t>
+            </a:r>
+            <a:r>
+              <a:rPr lang="en-US" sz="1600" dirty="0" err="1">
+                <a:latin typeface="Calibri" panose="020F0502020204030204" pitchFamily="34" charset="0"/>
+                <a:cs typeface="Calibri" panose="020F0502020204030204" pitchFamily="34" charset="0"/>
+              </a:rPr>
+              <a:t>GetQueryableEula</a:t>
+            </a:r>
+            <a:r>
+              <a:rPr lang="en-US" sz="1600" dirty="0">
+                <a:latin typeface="Calibri" panose="020F0502020204030204" pitchFamily="34" charset="0"/>
+                <a:cs typeface="Calibri" panose="020F0502020204030204" pitchFamily="34" charset="0"/>
+              </a:rPr>
+              <a:t>();          </a:t>
+            </a:r>
+          </a:p>
+          <a:p>
+            <a:pPr marL="0" indent="0">
+              <a:lnSpc>
+                <a:spcPct val="100000"/>
+              </a:lnSpc>
+              <a:spcBef>
+                <a:spcPts val="0"/>
+              </a:spcBef>
+              <a:buNone/>
+            </a:pPr>
+            <a:r>
+              <a:rPr lang="en-US" sz="1600" dirty="0">
+                <a:latin typeface="Calibri" panose="020F0502020204030204" pitchFamily="34" charset="0"/>
+                <a:cs typeface="Calibri" panose="020F0502020204030204" pitchFamily="34" charset="0"/>
+              </a:rPr>
+              <a:t>            </a:t>
+            </a:r>
+            <a:r>
+              <a:rPr lang="en-US" sz="1600" dirty="0" err="1">
+                <a:latin typeface="Calibri" panose="020F0502020204030204" pitchFamily="34" charset="0"/>
+                <a:cs typeface="Calibri" panose="020F0502020204030204" pitchFamily="34" charset="0"/>
+              </a:rPr>
+              <a:t>mockEulaRepo.Setup</a:t>
+            </a:r>
+            <a:r>
+              <a:rPr lang="en-US" sz="1600" dirty="0">
+                <a:latin typeface="Calibri" panose="020F0502020204030204" pitchFamily="34" charset="0"/>
+                <a:cs typeface="Calibri" panose="020F0502020204030204" pitchFamily="34" charset="0"/>
+              </a:rPr>
+              <a:t>(a =&gt; </a:t>
+            </a:r>
+            <a:r>
+              <a:rPr lang="en-US" sz="1600" dirty="0" err="1">
+                <a:latin typeface="Calibri" panose="020F0502020204030204" pitchFamily="34" charset="0"/>
+                <a:cs typeface="Calibri" panose="020F0502020204030204" pitchFamily="34" charset="0"/>
+              </a:rPr>
+              <a:t>a.GetEula</a:t>
+            </a:r>
+            <a:r>
+              <a:rPr lang="en-US" sz="1600" dirty="0">
+                <a:latin typeface="Calibri" panose="020F0502020204030204" pitchFamily="34" charset="0"/>
+                <a:cs typeface="Calibri" panose="020F0502020204030204" pitchFamily="34" charset="0"/>
+              </a:rPr>
+              <a:t>("EN")).</a:t>
+            </a:r>
+            <a:r>
+              <a:rPr lang="en-US" sz="1600" dirty="0" err="1">
+                <a:latin typeface="Calibri" panose="020F0502020204030204" pitchFamily="34" charset="0"/>
+                <a:cs typeface="Calibri" panose="020F0502020204030204" pitchFamily="34" charset="0"/>
+              </a:rPr>
+              <a:t>ReturnsAsync</a:t>
+            </a:r>
+            <a:r>
+              <a:rPr lang="en-US" sz="1600" dirty="0">
+                <a:latin typeface="Calibri" panose="020F0502020204030204" pitchFamily="34" charset="0"/>
+                <a:cs typeface="Calibri" panose="020F0502020204030204" pitchFamily="34" charset="0"/>
+              </a:rPr>
+              <a:t>(</a:t>
+            </a:r>
+            <a:r>
+              <a:rPr lang="en-US" sz="1600" dirty="0" err="1">
+                <a:latin typeface="Calibri" panose="020F0502020204030204" pitchFamily="34" charset="0"/>
+                <a:cs typeface="Calibri" panose="020F0502020204030204" pitchFamily="34" charset="0"/>
+              </a:rPr>
+              <a:t>eula</a:t>
+            </a:r>
+            <a:r>
+              <a:rPr lang="en-US" sz="1600" dirty="0">
+                <a:latin typeface="Calibri" panose="020F0502020204030204" pitchFamily="34" charset="0"/>
+                <a:cs typeface="Calibri" panose="020F0502020204030204" pitchFamily="34" charset="0"/>
+              </a:rPr>
+              <a:t>);        </a:t>
+            </a:r>
+          </a:p>
+          <a:p>
+            <a:pPr marL="0" indent="0">
+              <a:lnSpc>
+                <a:spcPct val="100000"/>
+              </a:lnSpc>
+              <a:spcBef>
+                <a:spcPts val="0"/>
+              </a:spcBef>
+              <a:buNone/>
+            </a:pPr>
+            <a:r>
+              <a:rPr lang="en-US" sz="1600" dirty="0">
+                <a:latin typeface="Calibri" panose="020F0502020204030204" pitchFamily="34" charset="0"/>
+                <a:cs typeface="Calibri" panose="020F0502020204030204" pitchFamily="34" charset="0"/>
+              </a:rPr>
+              <a:t>            </a:t>
+            </a:r>
+            <a:r>
+              <a:rPr lang="en-US" sz="1600" dirty="0" err="1">
+                <a:latin typeface="Calibri" panose="020F0502020204030204" pitchFamily="34" charset="0"/>
+                <a:cs typeface="Calibri" panose="020F0502020204030204" pitchFamily="34" charset="0"/>
+              </a:rPr>
+              <a:t>var</a:t>
+            </a:r>
+            <a:r>
+              <a:rPr lang="en-US" sz="1600" dirty="0">
+                <a:latin typeface="Calibri" panose="020F0502020204030204" pitchFamily="34" charset="0"/>
+                <a:cs typeface="Calibri" panose="020F0502020204030204" pitchFamily="34" charset="0"/>
+              </a:rPr>
+              <a:t> </a:t>
+            </a:r>
+            <a:r>
+              <a:rPr lang="en-US" sz="1600" dirty="0" err="1">
+                <a:latin typeface="Calibri" panose="020F0502020204030204" pitchFamily="34" charset="0"/>
+                <a:cs typeface="Calibri" panose="020F0502020204030204" pitchFamily="34" charset="0"/>
+              </a:rPr>
+              <a:t>ctlEula</a:t>
+            </a:r>
+            <a:r>
+              <a:rPr lang="en-US" sz="1600" dirty="0">
+                <a:latin typeface="Calibri" panose="020F0502020204030204" pitchFamily="34" charset="0"/>
+                <a:cs typeface="Calibri" panose="020F0502020204030204" pitchFamily="34" charset="0"/>
+              </a:rPr>
+              <a:t>= new EulaV1Controller(</a:t>
+            </a:r>
+            <a:r>
+              <a:rPr lang="en-US" sz="1600" dirty="0" err="1">
+                <a:latin typeface="Calibri" panose="020F0502020204030204" pitchFamily="34" charset="0"/>
+                <a:cs typeface="Calibri" panose="020F0502020204030204" pitchFamily="34" charset="0"/>
+              </a:rPr>
+              <a:t>mockEulaRepo.Object,m_AcceptanceRepository</a:t>
+            </a:r>
+            <a:r>
+              <a:rPr lang="en-US" sz="1600" dirty="0">
+                <a:latin typeface="Calibri" panose="020F0502020204030204" pitchFamily="34" charset="0"/>
+                <a:cs typeface="Calibri" panose="020F0502020204030204" pitchFamily="34" charset="0"/>
+              </a:rPr>
+              <a:t>);</a:t>
+            </a:r>
+          </a:p>
+          <a:p>
+            <a:pPr marL="0" indent="0">
+              <a:lnSpc>
+                <a:spcPct val="100000"/>
+              </a:lnSpc>
+              <a:spcBef>
+                <a:spcPts val="0"/>
+              </a:spcBef>
+              <a:buNone/>
+            </a:pPr>
+            <a:r>
+              <a:rPr lang="en-US" sz="1600" dirty="0">
+                <a:latin typeface="Calibri" panose="020F0502020204030204" pitchFamily="34" charset="0"/>
+                <a:cs typeface="Calibri" panose="020F0502020204030204" pitchFamily="34" charset="0"/>
+              </a:rPr>
+              <a:t>            </a:t>
+            </a:r>
+            <a:r>
+              <a:rPr lang="en-US" sz="1600" dirty="0" err="1">
+                <a:latin typeface="Calibri" panose="020F0502020204030204" pitchFamily="34" charset="0"/>
+                <a:cs typeface="Calibri" panose="020F0502020204030204" pitchFamily="34" charset="0"/>
+              </a:rPr>
+              <a:t>ctlEula.Request</a:t>
+            </a:r>
+            <a:r>
+              <a:rPr lang="en-US" sz="1600" dirty="0">
+                <a:latin typeface="Calibri" panose="020F0502020204030204" pitchFamily="34" charset="0"/>
+                <a:cs typeface="Calibri" panose="020F0502020204030204" pitchFamily="34" charset="0"/>
+              </a:rPr>
+              <a:t> = </a:t>
+            </a:r>
+            <a:r>
+              <a:rPr lang="en-US" sz="1600" dirty="0" err="1">
+                <a:latin typeface="Calibri" panose="020F0502020204030204" pitchFamily="34" charset="0"/>
+                <a:cs typeface="Calibri" panose="020F0502020204030204" pitchFamily="34" charset="0"/>
+              </a:rPr>
+              <a:t>HttpHelper.BuildRequest</a:t>
+            </a:r>
+            <a:r>
+              <a:rPr lang="en-US" sz="1600" dirty="0">
+                <a:latin typeface="Calibri" panose="020F0502020204030204" pitchFamily="34" charset="0"/>
+                <a:cs typeface="Calibri" panose="020F0502020204030204" pitchFamily="34" charset="0"/>
+              </a:rPr>
+              <a:t>(</a:t>
+            </a:r>
+            <a:r>
+              <a:rPr lang="en-US" sz="1600" dirty="0" err="1">
+                <a:latin typeface="Calibri" panose="020F0502020204030204" pitchFamily="34" charset="0"/>
+                <a:cs typeface="Calibri" panose="020F0502020204030204" pitchFamily="34" charset="0"/>
+              </a:rPr>
+              <a:t>HttpMethod.Get</a:t>
+            </a:r>
+            <a:r>
+              <a:rPr lang="en-US" sz="1600" dirty="0">
+                <a:latin typeface="Calibri" panose="020F0502020204030204" pitchFamily="34" charset="0"/>
+                <a:cs typeface="Calibri" panose="020F0502020204030204" pitchFamily="34" charset="0"/>
+              </a:rPr>
+              <a:t>);</a:t>
+            </a:r>
+          </a:p>
+          <a:p>
+            <a:pPr marL="0" indent="0">
+              <a:lnSpc>
+                <a:spcPct val="100000"/>
+              </a:lnSpc>
+              <a:spcBef>
+                <a:spcPts val="0"/>
+              </a:spcBef>
+              <a:buNone/>
+            </a:pPr>
+            <a:endParaRPr lang="en-US" sz="1600" dirty="0">
+              <a:latin typeface="Calibri" panose="020F0502020204030204" pitchFamily="34" charset="0"/>
+              <a:cs typeface="Calibri" panose="020F0502020204030204" pitchFamily="34" charset="0"/>
+            </a:endParaRPr>
+          </a:p>
+          <a:p>
+            <a:pPr marL="0" indent="0">
+              <a:lnSpc>
+                <a:spcPct val="100000"/>
+              </a:lnSpc>
+              <a:spcBef>
+                <a:spcPts val="0"/>
+              </a:spcBef>
+              <a:buNone/>
+            </a:pPr>
+            <a:r>
+              <a:rPr lang="en-US" sz="1600" dirty="0">
+                <a:latin typeface="Calibri" panose="020F0502020204030204" pitchFamily="34" charset="0"/>
+                <a:cs typeface="Calibri" panose="020F0502020204030204" pitchFamily="34" charset="0"/>
+              </a:rPr>
+              <a:t>            </a:t>
+            </a:r>
+            <a:r>
+              <a:rPr lang="en-US" sz="1600" dirty="0">
+                <a:solidFill>
+                  <a:srgbClr val="00B050"/>
+                </a:solidFill>
+                <a:latin typeface="Calibri" panose="020F0502020204030204" pitchFamily="34" charset="0"/>
+                <a:cs typeface="Calibri" panose="020F0502020204030204" pitchFamily="34" charset="0"/>
+              </a:rPr>
+              <a:t>//Act           </a:t>
+            </a:r>
+          </a:p>
+          <a:p>
+            <a:pPr marL="0" indent="0">
+              <a:lnSpc>
+                <a:spcPct val="100000"/>
+              </a:lnSpc>
+              <a:spcBef>
+                <a:spcPts val="0"/>
+              </a:spcBef>
+              <a:buNone/>
+            </a:pPr>
+            <a:r>
+              <a:rPr lang="en-US" sz="1600" dirty="0">
+                <a:latin typeface="Calibri" panose="020F0502020204030204" pitchFamily="34" charset="0"/>
+                <a:cs typeface="Calibri" panose="020F0502020204030204" pitchFamily="34" charset="0"/>
+              </a:rPr>
+              <a:t>            </a:t>
+            </a:r>
+            <a:r>
+              <a:rPr lang="en-US" sz="1600" dirty="0" err="1">
+                <a:latin typeface="Calibri" panose="020F0502020204030204" pitchFamily="34" charset="0"/>
+                <a:cs typeface="Calibri" panose="020F0502020204030204" pitchFamily="34" charset="0"/>
+              </a:rPr>
+              <a:t>IHttpActionResult</a:t>
+            </a:r>
+            <a:r>
+              <a:rPr lang="en-US" sz="1600" dirty="0">
+                <a:latin typeface="Calibri" panose="020F0502020204030204" pitchFamily="34" charset="0"/>
+                <a:cs typeface="Calibri" panose="020F0502020204030204" pitchFamily="34" charset="0"/>
+              </a:rPr>
+              <a:t> x = await </a:t>
+            </a:r>
+            <a:r>
+              <a:rPr lang="en-US" sz="1600" dirty="0" err="1">
+                <a:latin typeface="Calibri" panose="020F0502020204030204" pitchFamily="34" charset="0"/>
+                <a:cs typeface="Calibri" panose="020F0502020204030204" pitchFamily="34" charset="0"/>
+              </a:rPr>
+              <a:t>ctlEula.Get</a:t>
+            </a:r>
+            <a:r>
+              <a:rPr lang="en-US" sz="1600" dirty="0">
+                <a:latin typeface="Calibri" panose="020F0502020204030204" pitchFamily="34" charset="0"/>
+                <a:cs typeface="Calibri" panose="020F0502020204030204" pitchFamily="34" charset="0"/>
+              </a:rPr>
+              <a:t>("12345", "EN");</a:t>
+            </a:r>
+          </a:p>
+          <a:p>
+            <a:pPr marL="0" indent="0">
+              <a:lnSpc>
+                <a:spcPct val="100000"/>
+              </a:lnSpc>
+              <a:spcBef>
+                <a:spcPts val="0"/>
+              </a:spcBef>
+              <a:buNone/>
+            </a:pPr>
+            <a:r>
+              <a:rPr lang="en-US" sz="1600" dirty="0">
+                <a:latin typeface="Calibri" panose="020F0502020204030204" pitchFamily="34" charset="0"/>
+                <a:cs typeface="Calibri" panose="020F0502020204030204" pitchFamily="34" charset="0"/>
+              </a:rPr>
+              <a:t>            </a:t>
+            </a:r>
+            <a:r>
+              <a:rPr lang="en-US" sz="1600" dirty="0" err="1">
+                <a:latin typeface="Calibri" panose="020F0502020204030204" pitchFamily="34" charset="0"/>
+                <a:cs typeface="Calibri" panose="020F0502020204030204" pitchFamily="34" charset="0"/>
+              </a:rPr>
+              <a:t>var</a:t>
+            </a:r>
+            <a:r>
+              <a:rPr lang="en-US" sz="1600" dirty="0">
+                <a:latin typeface="Calibri" panose="020F0502020204030204" pitchFamily="34" charset="0"/>
+                <a:cs typeface="Calibri" panose="020F0502020204030204" pitchFamily="34" charset="0"/>
+              </a:rPr>
+              <a:t> </a:t>
+            </a:r>
+            <a:r>
+              <a:rPr lang="en-US" sz="1600" dirty="0" err="1">
+                <a:latin typeface="Calibri" panose="020F0502020204030204" pitchFamily="34" charset="0"/>
+                <a:cs typeface="Calibri" panose="020F0502020204030204" pitchFamily="34" charset="0"/>
+              </a:rPr>
+              <a:t>contentResult</a:t>
+            </a:r>
+            <a:r>
+              <a:rPr lang="en-US" sz="1600" dirty="0">
+                <a:latin typeface="Calibri" panose="020F0502020204030204" pitchFamily="34" charset="0"/>
+                <a:cs typeface="Calibri" panose="020F0502020204030204" pitchFamily="34" charset="0"/>
+              </a:rPr>
+              <a:t> = x as </a:t>
+            </a:r>
+            <a:r>
+              <a:rPr lang="en-US" sz="1600" dirty="0" err="1">
+                <a:latin typeface="Calibri" panose="020F0502020204030204" pitchFamily="34" charset="0"/>
+                <a:cs typeface="Calibri" panose="020F0502020204030204" pitchFamily="34" charset="0"/>
+              </a:rPr>
+              <a:t>OkNegotiatedContentResult</a:t>
+            </a:r>
+            <a:r>
+              <a:rPr lang="en-US" sz="1600" dirty="0">
+                <a:latin typeface="Calibri" panose="020F0502020204030204" pitchFamily="34" charset="0"/>
+                <a:cs typeface="Calibri" panose="020F0502020204030204" pitchFamily="34" charset="0"/>
+              </a:rPr>
+              <a:t>&lt;Eula&gt;;</a:t>
+            </a:r>
+          </a:p>
+          <a:p>
+            <a:pPr marL="0" indent="0">
+              <a:lnSpc>
+                <a:spcPct val="100000"/>
+              </a:lnSpc>
+              <a:spcBef>
+                <a:spcPts val="0"/>
+              </a:spcBef>
+              <a:buNone/>
+            </a:pPr>
+            <a:endParaRPr lang="en-US" sz="1600" dirty="0">
+              <a:latin typeface="Calibri" panose="020F0502020204030204" pitchFamily="34" charset="0"/>
+              <a:cs typeface="Calibri" panose="020F0502020204030204" pitchFamily="34" charset="0"/>
+            </a:endParaRPr>
+          </a:p>
+          <a:p>
+            <a:pPr marL="0" indent="0">
+              <a:lnSpc>
+                <a:spcPct val="100000"/>
+              </a:lnSpc>
+              <a:spcBef>
+                <a:spcPts val="0"/>
+              </a:spcBef>
+              <a:buNone/>
+            </a:pPr>
+            <a:r>
+              <a:rPr lang="en-US" sz="1600" dirty="0">
+                <a:solidFill>
+                  <a:srgbClr val="00B050"/>
+                </a:solidFill>
+                <a:latin typeface="Calibri" panose="020F0502020204030204" pitchFamily="34" charset="0"/>
+                <a:cs typeface="Calibri" panose="020F0502020204030204" pitchFamily="34" charset="0"/>
+              </a:rPr>
+              <a:t>            //Assert</a:t>
+            </a:r>
+          </a:p>
+          <a:p>
+            <a:pPr marL="0" indent="0">
+              <a:lnSpc>
+                <a:spcPct val="100000"/>
+              </a:lnSpc>
+              <a:spcBef>
+                <a:spcPts val="0"/>
+              </a:spcBef>
+              <a:buNone/>
+            </a:pPr>
+            <a:r>
+              <a:rPr lang="en-US" sz="1600" dirty="0">
+                <a:latin typeface="Calibri" panose="020F0502020204030204" pitchFamily="34" charset="0"/>
+                <a:cs typeface="Calibri" panose="020F0502020204030204" pitchFamily="34" charset="0"/>
+              </a:rPr>
+              <a:t>            </a:t>
+            </a:r>
+            <a:r>
+              <a:rPr lang="en-US" sz="1600" dirty="0" err="1">
+                <a:latin typeface="Calibri" panose="020F0502020204030204" pitchFamily="34" charset="0"/>
+                <a:cs typeface="Calibri" panose="020F0502020204030204" pitchFamily="34" charset="0"/>
+              </a:rPr>
+              <a:t>Assert.IsNotNull</a:t>
+            </a:r>
+            <a:r>
+              <a:rPr lang="en-US" sz="1600" dirty="0">
+                <a:latin typeface="Calibri" panose="020F0502020204030204" pitchFamily="34" charset="0"/>
+                <a:cs typeface="Calibri" panose="020F0502020204030204" pitchFamily="34" charset="0"/>
+              </a:rPr>
+              <a:t>(</a:t>
+            </a:r>
+            <a:r>
+              <a:rPr lang="en-US" sz="1600" dirty="0" err="1">
+                <a:latin typeface="Calibri" panose="020F0502020204030204" pitchFamily="34" charset="0"/>
+                <a:cs typeface="Calibri" panose="020F0502020204030204" pitchFamily="34" charset="0"/>
+              </a:rPr>
+              <a:t>contentResult</a:t>
+            </a:r>
+            <a:r>
+              <a:rPr lang="en-US" sz="1600" dirty="0">
+                <a:latin typeface="Calibri" panose="020F0502020204030204" pitchFamily="34" charset="0"/>
+                <a:cs typeface="Calibri" panose="020F0502020204030204" pitchFamily="34" charset="0"/>
+              </a:rPr>
+              <a:t>);</a:t>
+            </a:r>
+          </a:p>
+          <a:p>
+            <a:pPr marL="0" indent="0">
+              <a:lnSpc>
+                <a:spcPct val="100000"/>
+              </a:lnSpc>
+              <a:spcBef>
+                <a:spcPts val="0"/>
+              </a:spcBef>
+              <a:buNone/>
+            </a:pPr>
+            <a:r>
+              <a:rPr lang="en-US" sz="1600" dirty="0">
+                <a:latin typeface="Calibri" panose="020F0502020204030204" pitchFamily="34" charset="0"/>
+                <a:cs typeface="Calibri" panose="020F0502020204030204" pitchFamily="34" charset="0"/>
+              </a:rPr>
+              <a:t>            </a:t>
+            </a:r>
+            <a:r>
+              <a:rPr lang="en-US" sz="1600" dirty="0" err="1">
+                <a:latin typeface="Calibri" panose="020F0502020204030204" pitchFamily="34" charset="0"/>
+                <a:cs typeface="Calibri" panose="020F0502020204030204" pitchFamily="34" charset="0"/>
+              </a:rPr>
+              <a:t>Assert.IsNotNull</a:t>
+            </a:r>
+            <a:r>
+              <a:rPr lang="en-US" sz="1600" dirty="0">
+                <a:latin typeface="Calibri" panose="020F0502020204030204" pitchFamily="34" charset="0"/>
+                <a:cs typeface="Calibri" panose="020F0502020204030204" pitchFamily="34" charset="0"/>
+              </a:rPr>
+              <a:t>(</a:t>
+            </a:r>
+            <a:r>
+              <a:rPr lang="en-US" sz="1600" dirty="0" err="1">
+                <a:latin typeface="Calibri" panose="020F0502020204030204" pitchFamily="34" charset="0"/>
+                <a:cs typeface="Calibri" panose="020F0502020204030204" pitchFamily="34" charset="0"/>
+              </a:rPr>
+              <a:t>contentResult.Content</a:t>
+            </a:r>
+            <a:r>
+              <a:rPr lang="en-US" sz="1600" dirty="0">
+                <a:latin typeface="Calibri" panose="020F0502020204030204" pitchFamily="34" charset="0"/>
+                <a:cs typeface="Calibri" panose="020F0502020204030204" pitchFamily="34" charset="0"/>
+              </a:rPr>
+              <a:t>);</a:t>
+            </a:r>
+          </a:p>
+          <a:p>
+            <a:pPr marL="0" indent="0">
+              <a:lnSpc>
+                <a:spcPct val="100000"/>
+              </a:lnSpc>
+              <a:spcBef>
+                <a:spcPts val="0"/>
+              </a:spcBef>
+              <a:buNone/>
+            </a:pPr>
+            <a:r>
+              <a:rPr lang="en-US" sz="1600" dirty="0">
+                <a:latin typeface="Calibri" panose="020F0502020204030204" pitchFamily="34" charset="0"/>
+                <a:cs typeface="Calibri" panose="020F0502020204030204" pitchFamily="34" charset="0"/>
+              </a:rPr>
+              <a:t>            </a:t>
+            </a:r>
+            <a:r>
+              <a:rPr lang="en-US" sz="1600" dirty="0" err="1">
+                <a:latin typeface="Calibri" panose="020F0502020204030204" pitchFamily="34" charset="0"/>
+                <a:cs typeface="Calibri" panose="020F0502020204030204" pitchFamily="34" charset="0"/>
+              </a:rPr>
+              <a:t>mockEulaRepo.VerifyAll</a:t>
+            </a:r>
+            <a:r>
+              <a:rPr lang="en-US" sz="1600" dirty="0">
+                <a:latin typeface="Calibri" panose="020F0502020204030204" pitchFamily="34" charset="0"/>
+                <a:cs typeface="Calibri" panose="020F0502020204030204" pitchFamily="34" charset="0"/>
+              </a:rPr>
+              <a:t>();</a:t>
+            </a:r>
+          </a:p>
+          <a:p>
+            <a:pPr marL="0" indent="0">
+              <a:lnSpc>
+                <a:spcPct val="100000"/>
+              </a:lnSpc>
+              <a:spcBef>
+                <a:spcPts val="0"/>
+              </a:spcBef>
+              <a:buNone/>
+            </a:pPr>
+            <a:r>
+              <a:rPr lang="en-US" sz="1600" dirty="0">
+                <a:latin typeface="Calibri" panose="020F0502020204030204" pitchFamily="34" charset="0"/>
+                <a:cs typeface="Calibri" panose="020F0502020204030204" pitchFamily="34" charset="0"/>
+              </a:rPr>
+              <a:t>        }</a:t>
+            </a:r>
+            <a:endParaRPr lang="en-US" sz="1600" dirty="0">
+              <a:latin typeface="Calibri" panose="020F0502020204030204" pitchFamily="34" charset="0"/>
+              <a:cs typeface="Calibri" panose="020F0502020204030204" pitchFamily="34" charset="0"/>
+            </a:endParaRPr>
           </a:p>
         </p:txBody>
       </p:sp>
     </p:spTree>
     <p:extLst>
       <p:ext uri="{BB962C8B-B14F-4D97-AF65-F5344CB8AC3E}">
-        <p14:creationId xmlns:p14="http://schemas.microsoft.com/office/powerpoint/2010/main" val="2495312465"/>
+        <p14:creationId xmlns:p14="http://schemas.microsoft.com/office/powerpoint/2010/main" val="5840139"/>
       </p:ext>
     </p:extLst>
   </p:cSld>
@@ -5514,12 +8433,8 @@
           <a:lstStyle/>
           <a:p>
             <a:r>
-              <a:rPr lang="en-US" dirty="0" err="1"/>
-              <a:t>LinkS</a:t>
-            </a:r>
-            <a:r>
-              <a:rPr lang="en-US" dirty="0"/>
-              <a:t> &amp; References</a:t>
+              <a:rPr lang="en-US" dirty="0"/>
+              <a:t>Unit Testing the Middle Tier</a:t>
             </a:r>
           </a:p>
         </p:txBody>
@@ -5539,28 +8454,17 @@
           <a:bodyPr/>
           <a:lstStyle/>
           <a:p>
-            <a:endParaRPr lang="en-US" dirty="0">
-              <a:hlinkClick r:id="rId2"/>
-            </a:endParaRPr>
-          </a:p>
-          <a:p>
-            <a:r>
-              <a:rPr lang="en-US" dirty="0">
-                <a:hlinkClick r:id="rId2"/>
-              </a:rPr>
-              <a:t>http://simplyvbunit.sourceforge.net/</a:t>
-            </a:r>
-            <a:endParaRPr lang="en-US" dirty="0"/>
-          </a:p>
-          <a:p>
-            <a:endParaRPr lang="en-US" dirty="0"/>
+            <a:r>
+              <a:rPr lang="en-US" dirty="0"/>
+              <a:t>Component Demo</a:t>
+            </a:r>
           </a:p>
         </p:txBody>
       </p:sp>
     </p:spTree>
     <p:extLst>
       <p:ext uri="{BB962C8B-B14F-4D97-AF65-F5344CB8AC3E}">
-        <p14:creationId xmlns:p14="http://schemas.microsoft.com/office/powerpoint/2010/main" val="1668583458"/>
+        <p14:creationId xmlns:p14="http://schemas.microsoft.com/office/powerpoint/2010/main" val="4009361321"/>
       </p:ext>
     </p:extLst>
   </p:cSld>
@@ -5687,6 +8591,243 @@
 </p:sld>
 </file>
 
+<file path=ppt/slides/slide20.xml><?xml version="1.0" encoding="utf-8"?>
+<p:sld xmlns:a="http://schemas.openxmlformats.org/drawingml/2006/main" xmlns:r="http://schemas.openxmlformats.org/officeDocument/2006/relationships" xmlns:p="http://schemas.openxmlformats.org/presentationml/2006/main">
+  <p:cSld>
+    <p:spTree>
+      <p:nvGrpSpPr>
+        <p:cNvPr id="1" name=""/>
+        <p:cNvGrpSpPr/>
+        <p:nvPr/>
+      </p:nvGrpSpPr>
+      <p:grpSpPr>
+        <a:xfrm>
+          <a:off x="0" y="0"/>
+          <a:ext cx="0" cy="0"/>
+          <a:chOff x="0" y="0"/>
+          <a:chExt cx="0" cy="0"/>
+        </a:xfrm>
+      </p:grpSpPr>
+      <p:sp>
+        <p:nvSpPr>
+          <p:cNvPr id="2" name="Title 1"/>
+          <p:cNvSpPr>
+            <a:spLocks noGrp="1"/>
+          </p:cNvSpPr>
+          <p:nvPr>
+            <p:ph type="title"/>
+          </p:nvPr>
+        </p:nvSpPr>
+        <p:spPr/>
+        <p:txBody>
+          <a:bodyPr/>
+          <a:lstStyle/>
+          <a:p>
+            <a:r>
+              <a:rPr lang="en-US" dirty="0"/>
+              <a:t>Unit testing the User Interface</a:t>
+            </a:r>
+          </a:p>
+        </p:txBody>
+      </p:sp>
+      <p:sp>
+        <p:nvSpPr>
+          <p:cNvPr id="3" name="Content Placeholder 2"/>
+          <p:cNvSpPr>
+            <a:spLocks noGrp="1"/>
+          </p:cNvSpPr>
+          <p:nvPr>
+            <p:ph idx="1"/>
+          </p:nvPr>
+        </p:nvSpPr>
+        <p:spPr/>
+        <p:txBody>
+          <a:bodyPr/>
+          <a:lstStyle/>
+          <a:p>
+            <a:r>
+              <a:rPr lang="en-US" dirty="0"/>
+              <a:t>MVC Demo</a:t>
+            </a:r>
+          </a:p>
+        </p:txBody>
+      </p:sp>
+    </p:spTree>
+    <p:extLst>
+      <p:ext uri="{BB962C8B-B14F-4D97-AF65-F5344CB8AC3E}">
+        <p14:creationId xmlns:p14="http://schemas.microsoft.com/office/powerpoint/2010/main" val="567081537"/>
+      </p:ext>
+    </p:extLst>
+  </p:cSld>
+  <p:clrMapOvr>
+    <a:masterClrMapping/>
+  </p:clrMapOvr>
+</p:sld>
+</file>
+
+<file path=ppt/slides/slide21.xml><?xml version="1.0" encoding="utf-8"?>
+<p:sld xmlns:a="http://schemas.openxmlformats.org/drawingml/2006/main" xmlns:r="http://schemas.openxmlformats.org/officeDocument/2006/relationships" xmlns:p="http://schemas.openxmlformats.org/presentationml/2006/main">
+  <p:cSld>
+    <p:spTree>
+      <p:nvGrpSpPr>
+        <p:cNvPr id="1" name=""/>
+        <p:cNvGrpSpPr/>
+        <p:nvPr/>
+      </p:nvGrpSpPr>
+      <p:grpSpPr>
+        <a:xfrm>
+          <a:off x="0" y="0"/>
+          <a:ext cx="0" cy="0"/>
+          <a:chOff x="0" y="0"/>
+          <a:chExt cx="0" cy="0"/>
+        </a:xfrm>
+      </p:grpSpPr>
+      <p:sp>
+        <p:nvSpPr>
+          <p:cNvPr id="2" name="Title 1"/>
+          <p:cNvSpPr>
+            <a:spLocks noGrp="1"/>
+          </p:cNvSpPr>
+          <p:nvPr>
+            <p:ph type="title"/>
+          </p:nvPr>
+        </p:nvSpPr>
+        <p:spPr/>
+        <p:txBody>
+          <a:bodyPr/>
+          <a:lstStyle/>
+          <a:p>
+            <a:r>
+              <a:rPr lang="en-US" dirty="0"/>
+              <a:t>Automations</a:t>
+            </a:r>
+          </a:p>
+        </p:txBody>
+      </p:sp>
+      <p:sp>
+        <p:nvSpPr>
+          <p:cNvPr id="3" name="Content Placeholder 2"/>
+          <p:cNvSpPr>
+            <a:spLocks noGrp="1"/>
+          </p:cNvSpPr>
+          <p:nvPr>
+            <p:ph idx="1"/>
+          </p:nvPr>
+        </p:nvSpPr>
+        <p:spPr/>
+        <p:txBody>
+          <a:bodyPr/>
+          <a:lstStyle/>
+          <a:p>
+            <a:r>
+              <a:rPr lang="en-US" dirty="0"/>
+              <a:t>DEMO</a:t>
+            </a:r>
+          </a:p>
+        </p:txBody>
+      </p:sp>
+    </p:spTree>
+    <p:extLst>
+      <p:ext uri="{BB962C8B-B14F-4D97-AF65-F5344CB8AC3E}">
+        <p14:creationId xmlns:p14="http://schemas.microsoft.com/office/powerpoint/2010/main" val="2495312465"/>
+      </p:ext>
+    </p:extLst>
+  </p:cSld>
+  <p:clrMapOvr>
+    <a:masterClrMapping/>
+  </p:clrMapOvr>
+</p:sld>
+</file>
+
+<file path=ppt/slides/slide22.xml><?xml version="1.0" encoding="utf-8"?>
+<p:sld xmlns:a="http://schemas.openxmlformats.org/drawingml/2006/main" xmlns:r="http://schemas.openxmlformats.org/officeDocument/2006/relationships" xmlns:p="http://schemas.openxmlformats.org/presentationml/2006/main">
+  <p:cSld>
+    <p:spTree>
+      <p:nvGrpSpPr>
+        <p:cNvPr id="1" name=""/>
+        <p:cNvGrpSpPr/>
+        <p:nvPr/>
+      </p:nvGrpSpPr>
+      <p:grpSpPr>
+        <a:xfrm>
+          <a:off x="0" y="0"/>
+          <a:ext cx="0" cy="0"/>
+          <a:chOff x="0" y="0"/>
+          <a:chExt cx="0" cy="0"/>
+        </a:xfrm>
+      </p:grpSpPr>
+      <p:sp>
+        <p:nvSpPr>
+          <p:cNvPr id="2" name="Title 1"/>
+          <p:cNvSpPr>
+            <a:spLocks noGrp="1"/>
+          </p:cNvSpPr>
+          <p:nvPr>
+            <p:ph type="title"/>
+          </p:nvPr>
+        </p:nvSpPr>
+        <p:spPr/>
+        <p:txBody>
+          <a:bodyPr/>
+          <a:lstStyle/>
+          <a:p>
+            <a:r>
+              <a:rPr lang="en-US" dirty="0" err="1"/>
+              <a:t>LinkS</a:t>
+            </a:r>
+            <a:r>
+              <a:rPr lang="en-US" dirty="0"/>
+              <a:t> &amp; References</a:t>
+            </a:r>
+          </a:p>
+        </p:txBody>
+      </p:sp>
+      <p:sp>
+        <p:nvSpPr>
+          <p:cNvPr id="3" name="Content Placeholder 2"/>
+          <p:cNvSpPr>
+            <a:spLocks noGrp="1"/>
+          </p:cNvSpPr>
+          <p:nvPr>
+            <p:ph idx="1"/>
+          </p:nvPr>
+        </p:nvSpPr>
+        <p:spPr/>
+        <p:txBody>
+          <a:bodyPr/>
+          <a:lstStyle/>
+          <a:p>
+            <a:endParaRPr lang="en-US" dirty="0">
+              <a:hlinkClick r:id="rId3"/>
+            </a:endParaRPr>
+          </a:p>
+          <a:p>
+            <a:r>
+              <a:rPr lang="en-US" dirty="0">
+                <a:hlinkClick r:id="rId3"/>
+              </a:rPr>
+              <a:t>http://simplyvbunit.sourceforge.net/</a:t>
+            </a:r>
+            <a:endParaRPr lang="en-US" dirty="0"/>
+          </a:p>
+          <a:p>
+            <a:endParaRPr lang="en-US" dirty="0"/>
+          </a:p>
+        </p:txBody>
+      </p:sp>
+    </p:spTree>
+    <p:extLst>
+      <p:ext uri="{BB962C8B-B14F-4D97-AF65-F5344CB8AC3E}">
+        <p14:creationId xmlns:p14="http://schemas.microsoft.com/office/powerpoint/2010/main" val="1668583458"/>
+      </p:ext>
+    </p:extLst>
+  </p:cSld>
+  <p:clrMapOvr>
+    <a:masterClrMapping/>
+  </p:clrMapOvr>
+</p:sld>
+</file>
+
 <file path=ppt/slides/slide3.xml><?xml version="1.0" encoding="utf-8"?>
 <p:sld xmlns:a="http://schemas.openxmlformats.org/drawingml/2006/main" xmlns:r="http://schemas.openxmlformats.org/officeDocument/2006/relationships" xmlns:p="http://schemas.openxmlformats.org/presentationml/2006/main">
   <p:cSld>
@@ -5743,7 +8884,15 @@
           <a:p>
             <a:r>
               <a:rPr lang="en-US" dirty="0"/>
-              <a:t>A UNIT is the smallest portion of a solution that can be isolated</a:t>
+              <a:t>A UNIT is the </a:t>
+            </a:r>
+            <a:r>
+              <a:rPr lang="en-US" u="sng" dirty="0"/>
+              <a:t>smallest</a:t>
+            </a:r>
+            <a:r>
+              <a:rPr lang="en-US" dirty="0"/>
+              <a:t> portion of a solution that can be isolated</a:t>
             </a:r>
           </a:p>
           <a:p>
@@ -5891,6 +9040,598 @@
 </file>
 
 <file path=ppt/slides/slide5.xml><?xml version="1.0" encoding="utf-8"?>
+<p:sld xmlns:a="http://schemas.openxmlformats.org/drawingml/2006/main" xmlns:r="http://schemas.openxmlformats.org/officeDocument/2006/relationships" xmlns:p="http://schemas.openxmlformats.org/presentationml/2006/main">
+  <p:cSld>
+    <p:spTree>
+      <p:nvGrpSpPr>
+        <p:cNvPr id="1" name=""/>
+        <p:cNvGrpSpPr/>
+        <p:nvPr/>
+      </p:nvGrpSpPr>
+      <p:grpSpPr>
+        <a:xfrm>
+          <a:off x="0" y="0"/>
+          <a:ext cx="0" cy="0"/>
+          <a:chOff x="0" y="0"/>
+          <a:chExt cx="0" cy="0"/>
+        </a:xfrm>
+      </p:grpSpPr>
+      <p:sp>
+        <p:nvSpPr>
+          <p:cNvPr id="2" name="Title 1"/>
+          <p:cNvSpPr>
+            <a:spLocks noGrp="1"/>
+          </p:cNvSpPr>
+          <p:nvPr>
+            <p:ph type="title"/>
+          </p:nvPr>
+        </p:nvSpPr>
+        <p:spPr/>
+        <p:txBody>
+          <a:bodyPr/>
+          <a:lstStyle/>
+          <a:p>
+            <a:r>
+              <a:rPr lang="en-US" dirty="0"/>
+              <a:t>What Does A Unit Test Look Like</a:t>
+            </a:r>
+          </a:p>
+        </p:txBody>
+      </p:sp>
+      <p:sp>
+        <p:nvSpPr>
+          <p:cNvPr id="3" name="Content Placeholder 2"/>
+          <p:cNvSpPr>
+            <a:spLocks noGrp="1"/>
+          </p:cNvSpPr>
+          <p:nvPr>
+            <p:ph idx="1"/>
+          </p:nvPr>
+        </p:nvSpPr>
+        <p:spPr/>
+        <p:txBody>
+          <a:bodyPr/>
+          <a:lstStyle/>
+          <a:p>
+            <a:r>
+              <a:rPr lang="en-US" dirty="0"/>
+              <a:t>The Standard Approach</a:t>
+            </a:r>
+          </a:p>
+          <a:p>
+            <a:pPr lvl="1"/>
+            <a:r>
+              <a:rPr lang="en-US" dirty="0"/>
+              <a:t>ARRANGE</a:t>
+            </a:r>
+          </a:p>
+          <a:p>
+            <a:pPr lvl="1"/>
+            <a:r>
+              <a:rPr lang="en-US" dirty="0"/>
+              <a:t>ACT</a:t>
+            </a:r>
+          </a:p>
+          <a:p>
+            <a:pPr lvl="1"/>
+            <a:r>
+              <a:rPr lang="en-US" dirty="0"/>
+              <a:t>ASSERT</a:t>
+            </a:r>
+          </a:p>
+        </p:txBody>
+      </p:sp>
+    </p:spTree>
+    <p:extLst>
+      <p:ext uri="{BB962C8B-B14F-4D97-AF65-F5344CB8AC3E}">
+        <p14:creationId xmlns:p14="http://schemas.microsoft.com/office/powerpoint/2010/main" val="3966061073"/>
+      </p:ext>
+    </p:extLst>
+  </p:cSld>
+  <p:clrMapOvr>
+    <a:masterClrMapping/>
+  </p:clrMapOvr>
+</p:sld>
+</file>
+
+<file path=ppt/slides/slide6.xml><?xml version="1.0" encoding="utf-8"?>
+<p:sld xmlns:a="http://schemas.openxmlformats.org/drawingml/2006/main" xmlns:r="http://schemas.openxmlformats.org/officeDocument/2006/relationships" xmlns:p="http://schemas.openxmlformats.org/presentationml/2006/main">
+  <p:cSld>
+    <p:spTree>
+      <p:nvGrpSpPr>
+        <p:cNvPr id="1" name=""/>
+        <p:cNvGrpSpPr/>
+        <p:nvPr/>
+      </p:nvGrpSpPr>
+      <p:grpSpPr>
+        <a:xfrm>
+          <a:off x="0" y="0"/>
+          <a:ext cx="0" cy="0"/>
+          <a:chOff x="0" y="0"/>
+          <a:chExt cx="0" cy="0"/>
+        </a:xfrm>
+      </p:grpSpPr>
+      <p:sp>
+        <p:nvSpPr>
+          <p:cNvPr id="2" name="Title 1"/>
+          <p:cNvSpPr>
+            <a:spLocks noGrp="1"/>
+          </p:cNvSpPr>
+          <p:nvPr>
+            <p:ph type="title" idx="4294967295"/>
+          </p:nvPr>
+        </p:nvSpPr>
+        <p:spPr>
+          <a:xfrm>
+            <a:off x="2587625" y="804863"/>
+            <a:ext cx="9604375" cy="1049337"/>
+          </a:xfrm>
+        </p:spPr>
+        <p:txBody>
+          <a:bodyPr/>
+          <a:lstStyle/>
+          <a:p>
+            <a:r>
+              <a:rPr lang="en-US" dirty="0"/>
+              <a:t>What does a Unit Test Look like</a:t>
+            </a:r>
+          </a:p>
+        </p:txBody>
+      </p:sp>
+      <p:sp>
+        <p:nvSpPr>
+          <p:cNvPr id="3" name="Content Placeholder 2"/>
+          <p:cNvSpPr>
+            <a:spLocks noGrp="1"/>
+          </p:cNvSpPr>
+          <p:nvPr>
+            <p:ph idx="4294967295"/>
+          </p:nvPr>
+        </p:nvSpPr>
+        <p:spPr>
+          <a:xfrm>
+            <a:off x="661289" y="1379315"/>
+            <a:ext cx="9604375" cy="3449638"/>
+          </a:xfrm>
+        </p:spPr>
+        <p:txBody>
+          <a:bodyPr>
+            <a:noAutofit/>
+          </a:bodyPr>
+          <a:lstStyle/>
+          <a:p>
+            <a:pPr marL="0" indent="0">
+              <a:lnSpc>
+                <a:spcPct val="100000"/>
+              </a:lnSpc>
+              <a:buNone/>
+            </a:pPr>
+            <a:r>
+              <a:rPr lang="en-US" dirty="0">
+                <a:solidFill>
+                  <a:srgbClr val="0070C0"/>
+                </a:solidFill>
+              </a:rPr>
+              <a:t> [</a:t>
+            </a:r>
+            <a:r>
+              <a:rPr lang="en-US" dirty="0" err="1">
+                <a:solidFill>
+                  <a:srgbClr val="0070C0"/>
+                </a:solidFill>
+              </a:rPr>
+              <a:t>TestMethod</a:t>
+            </a:r>
+            <a:r>
+              <a:rPr lang="en-US" dirty="0">
+                <a:solidFill>
+                  <a:srgbClr val="0070C0"/>
+                </a:solidFill>
+              </a:rPr>
+              <a:t>]</a:t>
+            </a:r>
+          </a:p>
+          <a:p>
+            <a:pPr marL="0" indent="0">
+              <a:lnSpc>
+                <a:spcPct val="100000"/>
+              </a:lnSpc>
+              <a:buNone/>
+            </a:pPr>
+            <a:r>
+              <a:rPr lang="en-US" dirty="0"/>
+              <a:t>        public void Index()</a:t>
+            </a:r>
+          </a:p>
+          <a:p>
+            <a:pPr marL="0" indent="0">
+              <a:lnSpc>
+                <a:spcPct val="100000"/>
+              </a:lnSpc>
+              <a:buNone/>
+            </a:pPr>
+            <a:r>
+              <a:rPr lang="en-US" dirty="0"/>
+              <a:t>        {</a:t>
+            </a:r>
+          </a:p>
+          <a:p>
+            <a:pPr marL="0" indent="0">
+              <a:lnSpc>
+                <a:spcPct val="100000"/>
+              </a:lnSpc>
+              <a:buNone/>
+            </a:pPr>
+            <a:r>
+              <a:rPr lang="en-US" dirty="0">
+                <a:solidFill>
+                  <a:srgbClr val="00B050"/>
+                </a:solidFill>
+              </a:rPr>
+              <a:t>            // Arrange</a:t>
+            </a:r>
+          </a:p>
+          <a:p>
+            <a:pPr marL="0" indent="0">
+              <a:lnSpc>
+                <a:spcPct val="100000"/>
+              </a:lnSpc>
+              <a:buNone/>
+            </a:pPr>
+            <a:r>
+              <a:rPr lang="en-US" dirty="0"/>
+              <a:t>            </a:t>
+            </a:r>
+            <a:r>
+              <a:rPr lang="en-US" dirty="0" err="1"/>
+              <a:t>HomeController</a:t>
+            </a:r>
+            <a:r>
+              <a:rPr lang="en-US" dirty="0"/>
+              <a:t> controller = new </a:t>
+            </a:r>
+            <a:r>
+              <a:rPr lang="en-US" dirty="0" err="1"/>
+              <a:t>HomeController</a:t>
+            </a:r>
+            <a:r>
+              <a:rPr lang="en-US" dirty="0"/>
+              <a:t>();</a:t>
+            </a:r>
+          </a:p>
+          <a:p>
+            <a:pPr marL="0" indent="0">
+              <a:lnSpc>
+                <a:spcPct val="100000"/>
+              </a:lnSpc>
+              <a:buNone/>
+            </a:pPr>
+            <a:r>
+              <a:rPr lang="en-US" dirty="0">
+                <a:solidFill>
+                  <a:srgbClr val="00B050"/>
+                </a:solidFill>
+              </a:rPr>
+              <a:t>            // Act</a:t>
+            </a:r>
+          </a:p>
+          <a:p>
+            <a:pPr marL="0" indent="0">
+              <a:lnSpc>
+                <a:spcPct val="100000"/>
+              </a:lnSpc>
+              <a:buNone/>
+            </a:pPr>
+            <a:r>
+              <a:rPr lang="en-US" dirty="0"/>
+              <a:t>            </a:t>
+            </a:r>
+            <a:r>
+              <a:rPr lang="en-US" dirty="0" err="1"/>
+              <a:t>ViewResult</a:t>
+            </a:r>
+            <a:r>
+              <a:rPr lang="en-US" dirty="0"/>
+              <a:t> result = </a:t>
+            </a:r>
+            <a:r>
+              <a:rPr lang="en-US" dirty="0" err="1"/>
+              <a:t>controller.Index</a:t>
+            </a:r>
+            <a:r>
+              <a:rPr lang="en-US" dirty="0"/>
+              <a:t>() as </a:t>
+            </a:r>
+            <a:r>
+              <a:rPr lang="en-US" dirty="0" err="1"/>
+              <a:t>ViewResult</a:t>
+            </a:r>
+            <a:r>
+              <a:rPr lang="en-US" dirty="0"/>
+              <a:t>;</a:t>
+            </a:r>
+          </a:p>
+          <a:p>
+            <a:pPr marL="0" indent="0">
+              <a:lnSpc>
+                <a:spcPct val="100000"/>
+              </a:lnSpc>
+              <a:buNone/>
+            </a:pPr>
+            <a:r>
+              <a:rPr lang="en-US" dirty="0">
+                <a:solidFill>
+                  <a:srgbClr val="00B050"/>
+                </a:solidFill>
+              </a:rPr>
+              <a:t>            // Assert</a:t>
+            </a:r>
+          </a:p>
+          <a:p>
+            <a:pPr marL="0" indent="0">
+              <a:lnSpc>
+                <a:spcPct val="100000"/>
+              </a:lnSpc>
+              <a:buNone/>
+            </a:pPr>
+            <a:r>
+              <a:rPr lang="en-US" dirty="0"/>
+              <a:t>            </a:t>
+            </a:r>
+            <a:r>
+              <a:rPr lang="en-US" dirty="0" err="1"/>
+              <a:t>Assert.IsNotNull</a:t>
+            </a:r>
+            <a:r>
+              <a:rPr lang="en-US" dirty="0"/>
+              <a:t>(result);</a:t>
+            </a:r>
+          </a:p>
+          <a:p>
+            <a:pPr marL="0" indent="0">
+              <a:lnSpc>
+                <a:spcPct val="100000"/>
+              </a:lnSpc>
+              <a:buNone/>
+            </a:pPr>
+            <a:r>
+              <a:rPr lang="en-US" dirty="0"/>
+              <a:t>        }</a:t>
+            </a:r>
+            <a:endParaRPr lang="en-US" sz="1200" kern="900" dirty="0"/>
+          </a:p>
+        </p:txBody>
+      </p:sp>
+    </p:spTree>
+    <p:extLst>
+      <p:ext uri="{BB962C8B-B14F-4D97-AF65-F5344CB8AC3E}">
+        <p14:creationId xmlns:p14="http://schemas.microsoft.com/office/powerpoint/2010/main" val="2753485669"/>
+      </p:ext>
+    </p:extLst>
+  </p:cSld>
+  <p:clrMapOvr>
+    <a:masterClrMapping/>
+  </p:clrMapOvr>
+</p:sld>
+</file>
+
+<file path=ppt/slides/slide7.xml><?xml version="1.0" encoding="utf-8"?>
+<p:sld xmlns:a="http://schemas.openxmlformats.org/drawingml/2006/main" xmlns:r="http://schemas.openxmlformats.org/officeDocument/2006/relationships" xmlns:p="http://schemas.openxmlformats.org/presentationml/2006/main">
+  <p:cSld>
+    <p:spTree>
+      <p:nvGrpSpPr>
+        <p:cNvPr id="1" name=""/>
+        <p:cNvGrpSpPr/>
+        <p:nvPr/>
+      </p:nvGrpSpPr>
+      <p:grpSpPr>
+        <a:xfrm>
+          <a:off x="0" y="0"/>
+          <a:ext cx="0" cy="0"/>
+          <a:chOff x="0" y="0"/>
+          <a:chExt cx="0" cy="0"/>
+        </a:xfrm>
+      </p:grpSpPr>
+      <p:sp>
+        <p:nvSpPr>
+          <p:cNvPr id="2" name="Title 1"/>
+          <p:cNvSpPr>
+            <a:spLocks noGrp="1"/>
+          </p:cNvSpPr>
+          <p:nvPr>
+            <p:ph type="title"/>
+          </p:nvPr>
+        </p:nvSpPr>
+        <p:spPr/>
+        <p:txBody>
+          <a:bodyPr/>
+          <a:lstStyle/>
+          <a:p>
+            <a:r>
+              <a:rPr lang="en-US" dirty="0"/>
+              <a:t>Why Unit Test</a:t>
+            </a:r>
+          </a:p>
+        </p:txBody>
+      </p:sp>
+      <p:sp>
+        <p:nvSpPr>
+          <p:cNvPr id="3" name="Content Placeholder 2"/>
+          <p:cNvSpPr>
+            <a:spLocks noGrp="1"/>
+          </p:cNvSpPr>
+          <p:nvPr>
+            <p:ph idx="1"/>
+          </p:nvPr>
+        </p:nvSpPr>
+        <p:spPr/>
+        <p:txBody>
+          <a:bodyPr/>
+          <a:lstStyle/>
+          <a:p>
+            <a:r>
+              <a:rPr lang="en-US" dirty="0"/>
+              <a:t>Find Bugs Early</a:t>
+            </a:r>
+          </a:p>
+          <a:p>
+            <a:r>
+              <a:rPr lang="en-US" dirty="0"/>
+              <a:t>Facilitate Change</a:t>
+            </a:r>
+          </a:p>
+          <a:p>
+            <a:r>
+              <a:rPr lang="en-US" dirty="0"/>
+              <a:t>Living Documentation</a:t>
+            </a:r>
+          </a:p>
+          <a:p>
+            <a:r>
+              <a:rPr lang="en-US" dirty="0"/>
+              <a:t>Increase Code Quality</a:t>
+            </a:r>
+          </a:p>
+          <a:p>
+            <a:r>
+              <a:rPr lang="en-US" dirty="0"/>
+              <a:t>Design Better Code</a:t>
+            </a:r>
+          </a:p>
+          <a:p>
+            <a:r>
+              <a:rPr lang="en-US" dirty="0"/>
+              <a:t>Sleep better the night before a big release</a:t>
+            </a:r>
+          </a:p>
+          <a:p>
+            <a:endParaRPr lang="en-US" dirty="0"/>
+          </a:p>
+          <a:p>
+            <a:endParaRPr lang="en-US" dirty="0"/>
+          </a:p>
+        </p:txBody>
+      </p:sp>
+    </p:spTree>
+    <p:extLst>
+      <p:ext uri="{BB962C8B-B14F-4D97-AF65-F5344CB8AC3E}">
+        <p14:creationId xmlns:p14="http://schemas.microsoft.com/office/powerpoint/2010/main" val="1098511569"/>
+      </p:ext>
+    </p:extLst>
+  </p:cSld>
+  <p:clrMapOvr>
+    <a:masterClrMapping/>
+  </p:clrMapOvr>
+</p:sld>
+</file>
+
+<file path=ppt/slides/slide8.xml><?xml version="1.0" encoding="utf-8"?>
+<p:sld xmlns:a="http://schemas.openxmlformats.org/drawingml/2006/main" xmlns:r="http://schemas.openxmlformats.org/officeDocument/2006/relationships" xmlns:p="http://schemas.openxmlformats.org/presentationml/2006/main">
+  <p:cSld>
+    <p:spTree>
+      <p:nvGrpSpPr>
+        <p:cNvPr id="1" name=""/>
+        <p:cNvGrpSpPr/>
+        <p:nvPr/>
+      </p:nvGrpSpPr>
+      <p:grpSpPr>
+        <a:xfrm>
+          <a:off x="0" y="0"/>
+          <a:ext cx="0" cy="0"/>
+          <a:chOff x="0" y="0"/>
+          <a:chExt cx="0" cy="0"/>
+        </a:xfrm>
+      </p:grpSpPr>
+      <p:sp>
+        <p:nvSpPr>
+          <p:cNvPr id="2" name="Title 1"/>
+          <p:cNvSpPr>
+            <a:spLocks noGrp="1"/>
+          </p:cNvSpPr>
+          <p:nvPr>
+            <p:ph type="title"/>
+          </p:nvPr>
+        </p:nvSpPr>
+        <p:spPr>
+          <a:xfrm>
+            <a:off x="1451579" y="804519"/>
+            <a:ext cx="9603275" cy="1049235"/>
+          </a:xfrm>
+        </p:spPr>
+        <p:txBody>
+          <a:bodyPr/>
+          <a:lstStyle/>
+          <a:p>
+            <a:r>
+              <a:rPr lang="en-US" dirty="0"/>
+              <a:t>Why Unit Test – Part 2</a:t>
+            </a:r>
+          </a:p>
+        </p:txBody>
+      </p:sp>
+      <p:sp>
+        <p:nvSpPr>
+          <p:cNvPr id="3" name="Content Placeholder 2"/>
+          <p:cNvSpPr>
+            <a:spLocks noGrp="1"/>
+          </p:cNvSpPr>
+          <p:nvPr>
+            <p:ph idx="1"/>
+          </p:nvPr>
+        </p:nvSpPr>
+        <p:spPr/>
+        <p:txBody>
+          <a:bodyPr/>
+          <a:lstStyle/>
+          <a:p>
+            <a:r>
+              <a:rPr lang="en-US" dirty="0"/>
+              <a:t>Unit testing opens the way to better automation</a:t>
+            </a:r>
+          </a:p>
+          <a:p>
+            <a:pPr lvl="1"/>
+            <a:r>
+              <a:rPr lang="en-US" dirty="0"/>
+              <a:t>Continuous Integration</a:t>
+            </a:r>
+          </a:p>
+          <a:p>
+            <a:pPr lvl="1"/>
+            <a:r>
+              <a:rPr lang="en-US" dirty="0"/>
+              <a:t>Continuous Deployment</a:t>
+            </a:r>
+          </a:p>
+          <a:p>
+            <a:pPr lvl="1"/>
+            <a:r>
+              <a:rPr lang="en-US" dirty="0"/>
+              <a:t>The Blame Game</a:t>
+            </a:r>
+          </a:p>
+          <a:p>
+            <a:endParaRPr lang="en-US" dirty="0"/>
+          </a:p>
+          <a:p>
+            <a:endParaRPr lang="en-US" dirty="0"/>
+          </a:p>
+        </p:txBody>
+      </p:sp>
+    </p:spTree>
+    <p:extLst>
+      <p:ext uri="{BB962C8B-B14F-4D97-AF65-F5344CB8AC3E}">
+        <p14:creationId xmlns:p14="http://schemas.microsoft.com/office/powerpoint/2010/main" val="2897016803"/>
+      </p:ext>
+    </p:extLst>
+  </p:cSld>
+  <p:clrMapOvr>
+    <a:masterClrMapping/>
+  </p:clrMapOvr>
+</p:sld>
+</file>
+
+<file path=ppt/slides/slide9.xml><?xml version="1.0" encoding="utf-8"?>
 <p:sld xmlns:a="http://schemas.openxmlformats.org/drawingml/2006/main" xmlns:r="http://schemas.openxmlformats.org/officeDocument/2006/relationships" xmlns:p="http://schemas.openxmlformats.org/presentationml/2006/main">
   <p:cSld>
     <p:spTree>
@@ -6423,593 +10164,6 @@
     <p:extLst>
       <p:ext uri="{BB962C8B-B14F-4D97-AF65-F5344CB8AC3E}">
         <p14:creationId xmlns:p14="http://schemas.microsoft.com/office/powerpoint/2010/main" val="3187428988"/>
-      </p:ext>
-    </p:extLst>
-  </p:cSld>
-  <p:clrMapOvr>
-    <a:masterClrMapping/>
-  </p:clrMapOvr>
-</p:sld>
-</file>
-
-<file path=ppt/slides/slide6.xml><?xml version="1.0" encoding="utf-8"?>
-<p:sld xmlns:a="http://schemas.openxmlformats.org/drawingml/2006/main" xmlns:r="http://schemas.openxmlformats.org/officeDocument/2006/relationships" xmlns:p="http://schemas.openxmlformats.org/presentationml/2006/main">
-  <p:cSld>
-    <p:spTree>
-      <p:nvGrpSpPr>
-        <p:cNvPr id="1" name=""/>
-        <p:cNvGrpSpPr/>
-        <p:nvPr/>
-      </p:nvGrpSpPr>
-      <p:grpSpPr>
-        <a:xfrm>
-          <a:off x="0" y="0"/>
-          <a:ext cx="0" cy="0"/>
-          <a:chOff x="0" y="0"/>
-          <a:chExt cx="0" cy="0"/>
-        </a:xfrm>
-      </p:grpSpPr>
-      <p:sp>
-        <p:nvSpPr>
-          <p:cNvPr id="2" name="Title 1"/>
-          <p:cNvSpPr>
-            <a:spLocks noGrp="1"/>
-          </p:cNvSpPr>
-          <p:nvPr>
-            <p:ph type="title"/>
-          </p:nvPr>
-        </p:nvSpPr>
-        <p:spPr/>
-        <p:txBody>
-          <a:bodyPr/>
-          <a:lstStyle/>
-          <a:p>
-            <a:r>
-              <a:rPr lang="en-US" dirty="0"/>
-              <a:t>What Does A Unit Test Look Like</a:t>
-            </a:r>
-          </a:p>
-        </p:txBody>
-      </p:sp>
-      <p:sp>
-        <p:nvSpPr>
-          <p:cNvPr id="3" name="Content Placeholder 2"/>
-          <p:cNvSpPr>
-            <a:spLocks noGrp="1"/>
-          </p:cNvSpPr>
-          <p:nvPr>
-            <p:ph idx="1"/>
-          </p:nvPr>
-        </p:nvSpPr>
-        <p:spPr/>
-        <p:txBody>
-          <a:bodyPr/>
-          <a:lstStyle/>
-          <a:p>
-            <a:r>
-              <a:rPr lang="en-US" dirty="0"/>
-              <a:t>The Standard Approach</a:t>
-            </a:r>
-          </a:p>
-          <a:p>
-            <a:pPr lvl="1"/>
-            <a:r>
-              <a:rPr lang="en-US" dirty="0"/>
-              <a:t>ARRANGE</a:t>
-            </a:r>
-          </a:p>
-          <a:p>
-            <a:pPr lvl="1"/>
-            <a:r>
-              <a:rPr lang="en-US" dirty="0"/>
-              <a:t>ACT</a:t>
-            </a:r>
-          </a:p>
-          <a:p>
-            <a:pPr lvl="1"/>
-            <a:r>
-              <a:rPr lang="en-US" dirty="0"/>
-              <a:t>ASSERT</a:t>
-            </a:r>
-          </a:p>
-        </p:txBody>
-      </p:sp>
-    </p:spTree>
-    <p:extLst>
-      <p:ext uri="{BB962C8B-B14F-4D97-AF65-F5344CB8AC3E}">
-        <p14:creationId xmlns:p14="http://schemas.microsoft.com/office/powerpoint/2010/main" val="3966061073"/>
-      </p:ext>
-    </p:extLst>
-  </p:cSld>
-  <p:clrMapOvr>
-    <a:masterClrMapping/>
-  </p:clrMapOvr>
-</p:sld>
-</file>
-
-<file path=ppt/slides/slide7.xml><?xml version="1.0" encoding="utf-8"?>
-<p:sld xmlns:a="http://schemas.openxmlformats.org/drawingml/2006/main" xmlns:r="http://schemas.openxmlformats.org/officeDocument/2006/relationships" xmlns:p="http://schemas.openxmlformats.org/presentationml/2006/main">
-  <p:cSld>
-    <p:spTree>
-      <p:nvGrpSpPr>
-        <p:cNvPr id="1" name=""/>
-        <p:cNvGrpSpPr/>
-        <p:nvPr/>
-      </p:nvGrpSpPr>
-      <p:grpSpPr>
-        <a:xfrm>
-          <a:off x="0" y="0"/>
-          <a:ext cx="0" cy="0"/>
-          <a:chOff x="0" y="0"/>
-          <a:chExt cx="0" cy="0"/>
-        </a:xfrm>
-      </p:grpSpPr>
-      <p:sp>
-        <p:nvSpPr>
-          <p:cNvPr id="2" name="Title 1"/>
-          <p:cNvSpPr>
-            <a:spLocks noGrp="1"/>
-          </p:cNvSpPr>
-          <p:nvPr>
-            <p:ph type="title"/>
-          </p:nvPr>
-        </p:nvSpPr>
-        <p:spPr/>
-        <p:txBody>
-          <a:bodyPr/>
-          <a:lstStyle/>
-          <a:p>
-            <a:r>
-              <a:rPr lang="en-US" dirty="0"/>
-              <a:t>What does a Unit Test Look like</a:t>
-            </a:r>
-          </a:p>
-        </p:txBody>
-      </p:sp>
-      <p:sp>
-        <p:nvSpPr>
-          <p:cNvPr id="3" name="Content Placeholder 2"/>
-          <p:cNvSpPr>
-            <a:spLocks noGrp="1"/>
-          </p:cNvSpPr>
-          <p:nvPr>
-            <p:ph idx="1"/>
-          </p:nvPr>
-        </p:nvSpPr>
-        <p:spPr>
-          <a:xfrm>
-            <a:off x="1451579" y="1853754"/>
-            <a:ext cx="9603275" cy="3450613"/>
-          </a:xfrm>
-        </p:spPr>
-        <p:txBody>
-          <a:bodyPr>
-            <a:noAutofit/>
-          </a:bodyPr>
-          <a:lstStyle/>
-          <a:p>
-            <a:pPr marL="0" indent="0">
-              <a:lnSpc>
-                <a:spcPct val="100000"/>
-              </a:lnSpc>
-              <a:buNone/>
-            </a:pPr>
-            <a:r>
-              <a:rPr lang="en-US" dirty="0">
-                <a:solidFill>
-                  <a:srgbClr val="0070C0"/>
-                </a:solidFill>
-              </a:rPr>
-              <a:t> [</a:t>
-            </a:r>
-            <a:r>
-              <a:rPr lang="en-US" dirty="0" err="1">
-                <a:solidFill>
-                  <a:srgbClr val="0070C0"/>
-                </a:solidFill>
-              </a:rPr>
-              <a:t>TestMethod</a:t>
-            </a:r>
-            <a:r>
-              <a:rPr lang="en-US" dirty="0">
-                <a:solidFill>
-                  <a:srgbClr val="0070C0"/>
-                </a:solidFill>
-              </a:rPr>
-              <a:t>]</a:t>
-            </a:r>
-          </a:p>
-          <a:p>
-            <a:pPr marL="0" indent="0">
-              <a:lnSpc>
-                <a:spcPct val="100000"/>
-              </a:lnSpc>
-              <a:buNone/>
-            </a:pPr>
-            <a:r>
-              <a:rPr lang="en-US" dirty="0"/>
-              <a:t>        public void Index()</a:t>
-            </a:r>
-          </a:p>
-          <a:p>
-            <a:pPr marL="0" indent="0">
-              <a:lnSpc>
-                <a:spcPct val="100000"/>
-              </a:lnSpc>
-              <a:buNone/>
-            </a:pPr>
-            <a:r>
-              <a:rPr lang="en-US" dirty="0"/>
-              <a:t>        {</a:t>
-            </a:r>
-          </a:p>
-          <a:p>
-            <a:pPr marL="0" indent="0">
-              <a:lnSpc>
-                <a:spcPct val="100000"/>
-              </a:lnSpc>
-              <a:buNone/>
-            </a:pPr>
-            <a:r>
-              <a:rPr lang="en-US" dirty="0">
-                <a:solidFill>
-                  <a:srgbClr val="00B050"/>
-                </a:solidFill>
-              </a:rPr>
-              <a:t>            // Arrange</a:t>
-            </a:r>
-          </a:p>
-          <a:p>
-            <a:pPr marL="0" indent="0">
-              <a:lnSpc>
-                <a:spcPct val="100000"/>
-              </a:lnSpc>
-              <a:buNone/>
-            </a:pPr>
-            <a:r>
-              <a:rPr lang="en-US" dirty="0"/>
-              <a:t>            </a:t>
-            </a:r>
-            <a:r>
-              <a:rPr lang="en-US" dirty="0" err="1"/>
-              <a:t>HomeController</a:t>
-            </a:r>
-            <a:r>
-              <a:rPr lang="en-US" dirty="0"/>
-              <a:t> controller = new </a:t>
-            </a:r>
-            <a:r>
-              <a:rPr lang="en-US" dirty="0" err="1"/>
-              <a:t>HomeController</a:t>
-            </a:r>
-            <a:r>
-              <a:rPr lang="en-US" dirty="0"/>
-              <a:t>();</a:t>
-            </a:r>
-          </a:p>
-          <a:p>
-            <a:pPr marL="0" indent="0">
-              <a:lnSpc>
-                <a:spcPct val="100000"/>
-              </a:lnSpc>
-              <a:buNone/>
-            </a:pPr>
-            <a:r>
-              <a:rPr lang="en-US" dirty="0">
-                <a:solidFill>
-                  <a:srgbClr val="00B050"/>
-                </a:solidFill>
-              </a:rPr>
-              <a:t>            // Act</a:t>
-            </a:r>
-          </a:p>
-          <a:p>
-            <a:pPr marL="0" indent="0">
-              <a:lnSpc>
-                <a:spcPct val="100000"/>
-              </a:lnSpc>
-              <a:buNone/>
-            </a:pPr>
-            <a:r>
-              <a:rPr lang="en-US" dirty="0"/>
-              <a:t>            </a:t>
-            </a:r>
-            <a:r>
-              <a:rPr lang="en-US" dirty="0" err="1"/>
-              <a:t>ViewResult</a:t>
-            </a:r>
-            <a:r>
-              <a:rPr lang="en-US" dirty="0"/>
-              <a:t> result = </a:t>
-            </a:r>
-            <a:r>
-              <a:rPr lang="en-US" dirty="0" err="1"/>
-              <a:t>controller.Index</a:t>
-            </a:r>
-            <a:r>
-              <a:rPr lang="en-US" dirty="0"/>
-              <a:t>() as </a:t>
-            </a:r>
-            <a:r>
-              <a:rPr lang="en-US" dirty="0" err="1"/>
-              <a:t>ViewResult</a:t>
-            </a:r>
-            <a:r>
-              <a:rPr lang="en-US" dirty="0"/>
-              <a:t>;</a:t>
-            </a:r>
-          </a:p>
-          <a:p>
-            <a:pPr marL="0" indent="0">
-              <a:lnSpc>
-                <a:spcPct val="100000"/>
-              </a:lnSpc>
-              <a:buNone/>
-            </a:pPr>
-            <a:r>
-              <a:rPr lang="en-US" dirty="0">
-                <a:solidFill>
-                  <a:srgbClr val="00B050"/>
-                </a:solidFill>
-              </a:rPr>
-              <a:t>            // Assert</a:t>
-            </a:r>
-          </a:p>
-          <a:p>
-            <a:pPr marL="0" indent="0">
-              <a:lnSpc>
-                <a:spcPct val="100000"/>
-              </a:lnSpc>
-              <a:buNone/>
-            </a:pPr>
-            <a:r>
-              <a:rPr lang="en-US" dirty="0"/>
-              <a:t>            </a:t>
-            </a:r>
-            <a:r>
-              <a:rPr lang="en-US" dirty="0" err="1"/>
-              <a:t>Assert.IsNotNull</a:t>
-            </a:r>
-            <a:r>
-              <a:rPr lang="en-US" dirty="0"/>
-              <a:t>(result);</a:t>
-            </a:r>
-          </a:p>
-          <a:p>
-            <a:pPr marL="0" indent="0">
-              <a:lnSpc>
-                <a:spcPct val="100000"/>
-              </a:lnSpc>
-              <a:buNone/>
-            </a:pPr>
-            <a:r>
-              <a:rPr lang="en-US" dirty="0"/>
-              <a:t>        }</a:t>
-            </a:r>
-            <a:endParaRPr lang="en-US" sz="1200" kern="900" dirty="0"/>
-          </a:p>
-        </p:txBody>
-      </p:sp>
-    </p:spTree>
-    <p:extLst>
-      <p:ext uri="{BB962C8B-B14F-4D97-AF65-F5344CB8AC3E}">
-        <p14:creationId xmlns:p14="http://schemas.microsoft.com/office/powerpoint/2010/main" val="2753485669"/>
-      </p:ext>
-    </p:extLst>
-  </p:cSld>
-  <p:clrMapOvr>
-    <a:masterClrMapping/>
-  </p:clrMapOvr>
-</p:sld>
-</file>
-
-<file path=ppt/slides/slide8.xml><?xml version="1.0" encoding="utf-8"?>
-<p:sld xmlns:a="http://schemas.openxmlformats.org/drawingml/2006/main" xmlns:r="http://schemas.openxmlformats.org/officeDocument/2006/relationships" xmlns:p="http://schemas.openxmlformats.org/presentationml/2006/main">
-  <p:cSld>
-    <p:spTree>
-      <p:nvGrpSpPr>
-        <p:cNvPr id="1" name=""/>
-        <p:cNvGrpSpPr/>
-        <p:nvPr/>
-      </p:nvGrpSpPr>
-      <p:grpSpPr>
-        <a:xfrm>
-          <a:off x="0" y="0"/>
-          <a:ext cx="0" cy="0"/>
-          <a:chOff x="0" y="0"/>
-          <a:chExt cx="0" cy="0"/>
-        </a:xfrm>
-      </p:grpSpPr>
-      <p:sp>
-        <p:nvSpPr>
-          <p:cNvPr id="2" name="Title 1"/>
-          <p:cNvSpPr>
-            <a:spLocks noGrp="1"/>
-          </p:cNvSpPr>
-          <p:nvPr>
-            <p:ph type="title"/>
-          </p:nvPr>
-        </p:nvSpPr>
-        <p:spPr/>
-        <p:txBody>
-          <a:bodyPr/>
-          <a:lstStyle/>
-          <a:p>
-            <a:r>
-              <a:rPr lang="en-US" dirty="0"/>
-              <a:t>Why Unit Test</a:t>
-            </a:r>
-          </a:p>
-        </p:txBody>
-      </p:sp>
-      <p:sp>
-        <p:nvSpPr>
-          <p:cNvPr id="3" name="Content Placeholder 2"/>
-          <p:cNvSpPr>
-            <a:spLocks noGrp="1"/>
-          </p:cNvSpPr>
-          <p:nvPr>
-            <p:ph idx="1"/>
-          </p:nvPr>
-        </p:nvSpPr>
-        <p:spPr/>
-        <p:txBody>
-          <a:bodyPr/>
-          <a:lstStyle/>
-          <a:p>
-            <a:r>
-              <a:rPr lang="en-US" dirty="0"/>
-              <a:t>Find Bugs Early</a:t>
-            </a:r>
-          </a:p>
-          <a:p>
-            <a:r>
-              <a:rPr lang="en-US" dirty="0"/>
-              <a:t>Facilitate Change</a:t>
-            </a:r>
-          </a:p>
-          <a:p>
-            <a:r>
-              <a:rPr lang="en-US" dirty="0"/>
-              <a:t>Living Documentation</a:t>
-            </a:r>
-          </a:p>
-          <a:p>
-            <a:r>
-              <a:rPr lang="en-US" dirty="0"/>
-              <a:t>Increase Code Quality</a:t>
-            </a:r>
-          </a:p>
-          <a:p>
-            <a:r>
-              <a:rPr lang="en-US" dirty="0"/>
-              <a:t>Design Better Code</a:t>
-            </a:r>
-          </a:p>
-          <a:p>
-            <a:r>
-              <a:rPr lang="en-US" dirty="0"/>
-              <a:t>Sleep better the night before a big release</a:t>
-            </a:r>
-          </a:p>
-          <a:p>
-            <a:endParaRPr lang="en-US" dirty="0"/>
-          </a:p>
-          <a:p>
-            <a:endParaRPr lang="en-US" dirty="0"/>
-          </a:p>
-        </p:txBody>
-      </p:sp>
-    </p:spTree>
-    <p:extLst>
-      <p:ext uri="{BB962C8B-B14F-4D97-AF65-F5344CB8AC3E}">
-        <p14:creationId xmlns:p14="http://schemas.microsoft.com/office/powerpoint/2010/main" val="1098511569"/>
-      </p:ext>
-    </p:extLst>
-  </p:cSld>
-  <p:clrMapOvr>
-    <a:masterClrMapping/>
-  </p:clrMapOvr>
-</p:sld>
-</file>
-
-<file path=ppt/slides/slide9.xml><?xml version="1.0" encoding="utf-8"?>
-<p:sld xmlns:a="http://schemas.openxmlformats.org/drawingml/2006/main" xmlns:r="http://schemas.openxmlformats.org/officeDocument/2006/relationships" xmlns:p="http://schemas.openxmlformats.org/presentationml/2006/main">
-  <p:cSld>
-    <p:spTree>
-      <p:nvGrpSpPr>
-        <p:cNvPr id="1" name=""/>
-        <p:cNvGrpSpPr/>
-        <p:nvPr/>
-      </p:nvGrpSpPr>
-      <p:grpSpPr>
-        <a:xfrm>
-          <a:off x="0" y="0"/>
-          <a:ext cx="0" cy="0"/>
-          <a:chOff x="0" y="0"/>
-          <a:chExt cx="0" cy="0"/>
-        </a:xfrm>
-      </p:grpSpPr>
-      <p:sp>
-        <p:nvSpPr>
-          <p:cNvPr id="2" name="Title 1"/>
-          <p:cNvSpPr>
-            <a:spLocks noGrp="1"/>
-          </p:cNvSpPr>
-          <p:nvPr>
-            <p:ph type="title"/>
-          </p:nvPr>
-        </p:nvSpPr>
-        <p:spPr>
-          <a:xfrm>
-            <a:off x="1451579" y="804519"/>
-            <a:ext cx="9603275" cy="1049235"/>
-          </a:xfrm>
-        </p:spPr>
-        <p:txBody>
-          <a:bodyPr/>
-          <a:lstStyle/>
-          <a:p>
-            <a:r>
-              <a:rPr lang="en-US" dirty="0"/>
-              <a:t>Why Unit Test – Part 2</a:t>
-            </a:r>
-          </a:p>
-        </p:txBody>
-      </p:sp>
-      <p:sp>
-        <p:nvSpPr>
-          <p:cNvPr id="3" name="Content Placeholder 2"/>
-          <p:cNvSpPr>
-            <a:spLocks noGrp="1"/>
-          </p:cNvSpPr>
-          <p:nvPr>
-            <p:ph idx="1"/>
-          </p:nvPr>
-        </p:nvSpPr>
-        <p:spPr/>
-        <p:txBody>
-          <a:bodyPr/>
-          <a:lstStyle/>
-          <a:p>
-            <a:r>
-              <a:rPr lang="en-US" dirty="0"/>
-              <a:t>Unit testing opens the way to better automation</a:t>
-            </a:r>
-          </a:p>
-          <a:p>
-            <a:pPr lvl="1"/>
-            <a:r>
-              <a:rPr lang="en-US" dirty="0"/>
-              <a:t>Continuous Integration</a:t>
-            </a:r>
-          </a:p>
-          <a:p>
-            <a:pPr lvl="1"/>
-            <a:r>
-              <a:rPr lang="en-US" dirty="0"/>
-              <a:t>Continuous Deployment</a:t>
-            </a:r>
-          </a:p>
-          <a:p>
-            <a:pPr lvl="1"/>
-            <a:r>
-              <a:rPr lang="en-US" dirty="0"/>
-              <a:t>The Blame Game</a:t>
-            </a:r>
-          </a:p>
-          <a:p>
-            <a:endParaRPr lang="en-US" dirty="0"/>
-          </a:p>
-          <a:p>
-            <a:endParaRPr lang="en-US" dirty="0"/>
-          </a:p>
-        </p:txBody>
-      </p:sp>
-    </p:spTree>
-    <p:extLst>
-      <p:ext uri="{BB962C8B-B14F-4D97-AF65-F5344CB8AC3E}">
-        <p14:creationId xmlns:p14="http://schemas.microsoft.com/office/powerpoint/2010/main" val="2897016803"/>
       </p:ext>
     </p:extLst>
   </p:cSld>
